--- a/ClassMaterials/MergeSort/Slides/MergeSort.pptx
+++ b/ClassMaterials/MergeSort/Slides/MergeSort.pptx
@@ -5,18 +5,30 @@
     <p:sldMasterId id="2147484539" r:id="rId1"/>
   </p:sldMasterIdLst>
   <p:notesMasterIdLst>
-    <p:notesMasterId r:id="rId8"/>
+    <p:notesMasterId r:id="rId20"/>
   </p:notesMasterIdLst>
   <p:handoutMasterIdLst>
-    <p:handoutMasterId r:id="rId9"/>
+    <p:handoutMasterId r:id="rId21"/>
   </p:handoutMasterIdLst>
   <p:sldIdLst>
     <p:sldId id="256" r:id="rId2"/>
     <p:sldId id="289" r:id="rId3"/>
     <p:sldId id="275" r:id="rId4"/>
     <p:sldId id="276" r:id="rId5"/>
-    <p:sldId id="290" r:id="rId6"/>
-    <p:sldId id="291" r:id="rId7"/>
+    <p:sldId id="302" r:id="rId6"/>
+    <p:sldId id="299" r:id="rId7"/>
+    <p:sldId id="297" r:id="rId8"/>
+    <p:sldId id="291" r:id="rId9"/>
+    <p:sldId id="290" r:id="rId10"/>
+    <p:sldId id="306" r:id="rId11"/>
+    <p:sldId id="292" r:id="rId12"/>
+    <p:sldId id="294" r:id="rId13"/>
+    <p:sldId id="293" r:id="rId14"/>
+    <p:sldId id="305" r:id="rId15"/>
+    <p:sldId id="295" r:id="rId16"/>
+    <p:sldId id="296" r:id="rId17"/>
+    <p:sldId id="300" r:id="rId18"/>
+    <p:sldId id="304" r:id="rId19"/>
   </p:sldIdLst>
   <p:sldSz cx="9144000" cy="6858000" type="screen4x3"/>
   <p:notesSz cx="7315200" cy="9601200"/>
@@ -164,6 +176,18 @@
 </p:presentation>
 </file>
 
+<file path=ppt/commentAuthors.xml><?xml version="1.0" encoding="utf-8"?>
+<p:cmAuthorLst xmlns:a="http://schemas.openxmlformats.org/drawingml/2006/main" xmlns:r="http://schemas.openxmlformats.org/officeDocument/2006/relationships" xmlns:p="http://schemas.openxmlformats.org/presentationml/2006/main">
+  <p:cmAuthor id="1" name="Yoder, Jason" initials="YJ" lastIdx="1" clrIdx="0">
+    <p:extLst>
+      <p:ext uri="{19B8F6BF-5375-455C-9EA6-DF929625EA0E}">
+        <p15:presenceInfo xmlns:p15="http://schemas.microsoft.com/office/powerpoint/2012/main" userId="S-1-5-21-1965730717-1486086910-2027319071-74547" providerId="AD"/>
+      </p:ext>
+    </p:extLst>
+  </p:cmAuthor>
+</p:cmAuthorLst>
+</file>
+
 <file path=ppt/handoutMasters/handoutMaster1.xml><?xml version="1.0" encoding="utf-8"?>
 <p:handoutMaster xmlns:a="http://schemas.openxmlformats.org/drawingml/2006/main" xmlns:r="http://schemas.openxmlformats.org/officeDocument/2006/relationships" xmlns:p="http://schemas.openxmlformats.org/presentationml/2006/main">
   <p:cSld>
@@ -281,7 +305,7 @@
               <a:pPr>
                 <a:defRPr/>
               </a:pPr>
-              <a:t>5/9/2018</a:t>
+              <a:t>5/9/2020</a:t>
             </a:fld>
             <a:endParaRPr lang="en-US"/>
           </a:p>
@@ -516,7 +540,7 @@
               <a:pPr>
                 <a:defRPr/>
               </a:pPr>
-              <a:t>5/9/2018</a:t>
+              <a:t>5/9/2020</a:t>
             </a:fld>
             <a:endParaRPr lang="en-US"/>
           </a:p>
@@ -1183,31 +1207,6 @@
           <a:bodyPr/>
           <a:lstStyle/>
           <a:p>
-            <a:r>
-              <a:rPr lang="en-US" baseline="0" dirty="0" smtClean="0"/>
-              <a:t>Just summarize it here.  Don’t dawdle; this will make more sense when they implement it.</a:t>
-            </a:r>
-          </a:p>
-          <a:p>
-            <a:endParaRPr lang="en-US" baseline="0" dirty="0" smtClean="0"/>
-          </a:p>
-          <a:p>
-            <a:r>
-              <a:rPr lang="en-US" dirty="0" smtClean="0"/>
-              <a:t>Have students implement</a:t>
-            </a:r>
-            <a:r>
-              <a:rPr lang="en-US" baseline="0" dirty="0" smtClean="0"/>
-              <a:t> </a:t>
-            </a:r>
-            <a:r>
-              <a:rPr lang="en-US" baseline="0" dirty="0" err="1" smtClean="0"/>
-              <a:t>mergesort.StringMergeSort</a:t>
-            </a:r>
-            <a:r>
-              <a:rPr lang="en-US" baseline="0" dirty="0" smtClean="0"/>
-              <a:t>.  Walk around the room and help students as needed. Have your TAs do the same. Keep students engaged.</a:t>
-            </a:r>
             <a:endParaRPr lang="en-US" dirty="0" smtClean="0"/>
           </a:p>
         </p:txBody>
@@ -1270,102 +1269,78 @@
       </p:grpSpPr>
       <p:sp>
         <p:nvSpPr>
-          <p:cNvPr id="184" name="PlaceHolder 1"/>
+          <p:cNvPr id="57346" name="Slide Image Placeholder 1"/>
+          <p:cNvSpPr>
+            <a:spLocks noGrp="1" noRot="1" noChangeAspect="1" noTextEdit="1"/>
+          </p:cNvSpPr>
+          <p:nvPr>
+            <p:ph type="sldImg"/>
+          </p:nvPr>
+        </p:nvSpPr>
+        <p:spPr bwMode="auto">
+          <a:noFill/>
+          <a:ln>
+            <a:solidFill>
+              <a:srgbClr val="000000"/>
+            </a:solidFill>
+            <a:miter lim="800000"/>
+            <a:headEnd/>
+            <a:tailEnd/>
+          </a:ln>
+        </p:spPr>
+      </p:sp>
+      <p:sp>
+        <p:nvSpPr>
+          <p:cNvPr id="57347" name="Notes Placeholder 2"/>
           <p:cNvSpPr>
             <a:spLocks noGrp="1"/>
           </p:cNvSpPr>
           <p:nvPr>
-            <p:ph type="body"/>
+            <p:ph type="body" idx="1"/>
           </p:nvPr>
         </p:nvSpPr>
         <p:spPr>
-          <a:xfrm>
-            <a:off x="688320" y="4415760"/>
-            <a:ext cx="5505120" cy="4183200"/>
-          </a:xfrm>
-          <a:prstGeom prst="rect">
-            <a:avLst/>
-          </a:prstGeom>
+          <a:noFill/>
+          <a:ln/>
         </p:spPr>
         <p:txBody>
-          <a:bodyPr lIns="92520" tIns="46080" rIns="92520" bIns="46080"/>
+          <a:bodyPr/>
           <a:lstStyle/>
           <a:p>
-            <a:endParaRPr lang="en-US" sz="2000" b="0" strike="noStrike" spc="-1" dirty="0">
-              <a:solidFill>
-                <a:srgbClr val="000000"/>
-              </a:solidFill>
-              <a:uFill>
-                <a:solidFill>
-                  <a:srgbClr val="FFFFFF"/>
-                </a:solidFill>
-              </a:uFill>
-              <a:latin typeface="Arial"/>
-            </a:endParaRPr>
-          </a:p>
-        </p:txBody>
-      </p:sp>
-      <p:sp>
-        <p:nvSpPr>
-          <p:cNvPr id="185" name="TextShape 2"/>
-          <p:cNvSpPr txBox="1"/>
-          <p:nvPr/>
+            <a:endParaRPr lang="en-US" dirty="0" smtClean="0"/>
+          </a:p>
+        </p:txBody>
+      </p:sp>
+      <p:sp>
+        <p:nvSpPr>
+          <p:cNvPr id="57348" name="Slide Number Placeholder 3"/>
+          <p:cNvSpPr>
+            <a:spLocks noGrp="1"/>
+          </p:cNvSpPr>
+          <p:nvPr>
+            <p:ph type="sldNum" sz="quarter" idx="5"/>
+          </p:nvPr>
         </p:nvSpPr>
         <p:spPr>
-          <a:xfrm>
-            <a:off x="3898080" y="8830080"/>
-            <a:ext cx="2981880" cy="464400"/>
-          </a:xfrm>
-          <a:prstGeom prst="rect">
-            <a:avLst/>
-          </a:prstGeom>
           <a:noFill/>
-          <a:ln>
-            <a:noFill/>
-          </a:ln>
         </p:spPr>
         <p:txBody>
-          <a:bodyPr lIns="92520" tIns="46080" rIns="92520" bIns="46080" anchor="b"/>
+          <a:bodyPr/>
           <a:lstStyle/>
           <a:p>
-            <a:pPr algn="r">
-              <a:lnSpc>
-                <a:spcPct val="100000"/>
-              </a:lnSpc>
-            </a:pPr>
-            <a:fld id="{FCE78040-63F1-4F82-A624-363802BCAF6A}" type="slidenum">
-              <a:rPr lang="en-US" sz="1200" b="0" strike="noStrike" spc="-1">
-                <a:solidFill>
-                  <a:srgbClr val="000000"/>
-                </a:solidFill>
-                <a:uFill>
-                  <a:solidFill>
-                    <a:srgbClr val="FFFFFF"/>
-                  </a:solidFill>
-                </a:uFill>
-                <a:latin typeface="+mn-lt"/>
-                <a:ea typeface="+mn-ea"/>
-              </a:rPr>
+            <a:fld id="{6BF3A036-72D3-47B3-8074-7DA7DB82FDFD}" type="slidenum">
+              <a:rPr lang="en-US" smtClean="0"/>
+              <a:pPr/>
               <a:t>5</a:t>
             </a:fld>
-            <a:endParaRPr lang="en-US" sz="1400" b="0" strike="noStrike" spc="-1">
-              <a:solidFill>
-                <a:srgbClr val="000000"/>
-              </a:solidFill>
-              <a:uFill>
-                <a:solidFill>
-                  <a:srgbClr val="FFFFFF"/>
-                </a:solidFill>
-              </a:uFill>
-              <a:latin typeface="Times New Roman"/>
-            </a:endParaRPr>
+            <a:endParaRPr lang="en-US" smtClean="0"/>
           </a:p>
         </p:txBody>
       </p:sp>
     </p:spTree>
     <p:extLst>
       <p:ext uri="{BB962C8B-B14F-4D97-AF65-F5344CB8AC3E}">
-        <p14:creationId xmlns:p14="http://schemas.microsoft.com/office/powerpoint/2010/main" val="1104376781"/>
+        <p14:creationId xmlns:p14="http://schemas.microsoft.com/office/powerpoint/2010/main" val="3373776539"/>
       </p:ext>
     </p:extLst>
   </p:cSld>
@@ -1394,6 +1369,320 @@
       </p:grpSpPr>
       <p:sp>
         <p:nvSpPr>
+          <p:cNvPr id="57346" name="Slide Image Placeholder 1"/>
+          <p:cNvSpPr>
+            <a:spLocks noGrp="1" noRot="1" noChangeAspect="1" noTextEdit="1"/>
+          </p:cNvSpPr>
+          <p:nvPr>
+            <p:ph type="sldImg"/>
+          </p:nvPr>
+        </p:nvSpPr>
+        <p:spPr bwMode="auto">
+          <a:noFill/>
+          <a:ln>
+            <a:solidFill>
+              <a:srgbClr val="000000"/>
+            </a:solidFill>
+            <a:miter lim="800000"/>
+            <a:headEnd/>
+            <a:tailEnd/>
+          </a:ln>
+        </p:spPr>
+      </p:sp>
+      <p:sp>
+        <p:nvSpPr>
+          <p:cNvPr id="57347" name="Notes Placeholder 2"/>
+          <p:cNvSpPr>
+            <a:spLocks noGrp="1"/>
+          </p:cNvSpPr>
+          <p:nvPr>
+            <p:ph type="body" idx="1"/>
+          </p:nvPr>
+        </p:nvSpPr>
+        <p:spPr>
+          <a:noFill/>
+          <a:ln/>
+        </p:spPr>
+        <p:txBody>
+          <a:bodyPr/>
+          <a:lstStyle/>
+          <a:p>
+            <a:pPr marL="0" marR="0" lvl="0" indent="0" algn="l" defTabSz="914400" rtl="0" eaLnBrk="0" fontAlgn="base" latinLnBrk="0" hangingPunct="0">
+              <a:lnSpc>
+                <a:spcPct val="100000"/>
+              </a:lnSpc>
+              <a:spcBef>
+                <a:spcPct val="30000"/>
+              </a:spcBef>
+              <a:spcAft>
+                <a:spcPct val="0"/>
+              </a:spcAft>
+              <a:buClrTx/>
+              <a:buSzTx/>
+              <a:buFontTx/>
+              <a:buNone/>
+              <a:tabLst/>
+              <a:defRPr/>
+            </a:pPr>
+            <a:r>
+              <a:rPr lang="en-US" baseline="0" dirty="0" smtClean="0"/>
+              <a:t>Just summarize it here.  Don’t dawdle; this will make more sense when they implement it.</a:t>
+            </a:r>
+          </a:p>
+          <a:p>
+            <a:endParaRPr lang="en-US" baseline="0" dirty="0" smtClean="0"/>
+          </a:p>
+          <a:p>
+            <a:r>
+              <a:rPr lang="en-US" baseline="0" dirty="0" smtClean="0"/>
+              <a:t>Leading Questions:</a:t>
+            </a:r>
+          </a:p>
+          <a:p>
+            <a:endParaRPr lang="en-US" baseline="0" dirty="0" smtClean="0"/>
+          </a:p>
+          <a:p>
+            <a:pPr marL="228600" indent="-228600">
+              <a:buAutoNum type="arabicPeriod"/>
+            </a:pPr>
+            <a:r>
+              <a:rPr lang="en-US" baseline="0" dirty="0" smtClean="0"/>
+              <a:t>What is the run-time for merging N items?   O(N)</a:t>
+            </a:r>
+          </a:p>
+          <a:p>
+            <a:pPr marL="228600" marR="0" lvl="0" indent="-228600" algn="l" defTabSz="914400" rtl="0" eaLnBrk="0" fontAlgn="base" latinLnBrk="0" hangingPunct="0">
+              <a:lnSpc>
+                <a:spcPct val="100000"/>
+              </a:lnSpc>
+              <a:spcBef>
+                <a:spcPct val="30000"/>
+              </a:spcBef>
+              <a:spcAft>
+                <a:spcPct val="0"/>
+              </a:spcAft>
+              <a:buClrTx/>
+              <a:buSzTx/>
+              <a:buFontTx/>
+              <a:buAutoNum type="arabicPeriod"/>
+              <a:tabLst/>
+              <a:defRPr/>
+            </a:pPr>
+            <a:r>
+              <a:rPr lang="en-US" baseline="0" dirty="0" smtClean="0"/>
+              <a:t>What is the run-time for merging N/2 items?   O(N)</a:t>
+            </a:r>
+          </a:p>
+          <a:p>
+            <a:pPr marL="228600" marR="0" lvl="0" indent="-228600" algn="l" defTabSz="914400" rtl="0" eaLnBrk="0" fontAlgn="base" latinLnBrk="0" hangingPunct="0">
+              <a:lnSpc>
+                <a:spcPct val="100000"/>
+              </a:lnSpc>
+              <a:spcBef>
+                <a:spcPct val="30000"/>
+              </a:spcBef>
+              <a:spcAft>
+                <a:spcPct val="0"/>
+              </a:spcAft>
+              <a:buClrTx/>
+              <a:buSzTx/>
+              <a:buFontTx/>
+              <a:buAutoNum type="arabicPeriod"/>
+              <a:tabLst/>
+              <a:defRPr/>
+            </a:pPr>
+            <a:r>
+              <a:rPr lang="en-US" baseline="0" dirty="0" smtClean="0"/>
+              <a:t>What is the run-time for merging N/2 items TWO times?   O(N)</a:t>
+            </a:r>
+          </a:p>
+          <a:p>
+            <a:pPr marL="228600" marR="0" lvl="0" indent="-228600" algn="l" defTabSz="914400" rtl="0" eaLnBrk="0" fontAlgn="base" latinLnBrk="0" hangingPunct="0">
+              <a:lnSpc>
+                <a:spcPct val="100000"/>
+              </a:lnSpc>
+              <a:spcBef>
+                <a:spcPct val="30000"/>
+              </a:spcBef>
+              <a:spcAft>
+                <a:spcPct val="0"/>
+              </a:spcAft>
+              <a:buClrTx/>
+              <a:buSzTx/>
+              <a:buFontTx/>
+              <a:buAutoNum type="arabicPeriod"/>
+              <a:tabLst/>
+              <a:defRPr/>
+            </a:pPr>
+            <a:r>
+              <a:rPr lang="en-US" baseline="0" dirty="0" smtClean="0"/>
+              <a:t>Each row takes O(N)</a:t>
+            </a:r>
+          </a:p>
+          <a:p>
+            <a:pPr marL="228600" marR="0" lvl="0" indent="-228600" algn="l" defTabSz="914400" rtl="0" eaLnBrk="0" fontAlgn="base" latinLnBrk="0" hangingPunct="0">
+              <a:lnSpc>
+                <a:spcPct val="100000"/>
+              </a:lnSpc>
+              <a:spcBef>
+                <a:spcPct val="30000"/>
+              </a:spcBef>
+              <a:spcAft>
+                <a:spcPct val="0"/>
+              </a:spcAft>
+              <a:buClrTx/>
+              <a:buSzTx/>
+              <a:buFontTx/>
+              <a:buAutoNum type="arabicPeriod"/>
+              <a:tabLst/>
+              <a:defRPr/>
+            </a:pPr>
+            <a:r>
+              <a:rPr lang="en-US" baseline="0" dirty="0" smtClean="0"/>
+              <a:t>How many rows?   (divides in half each time)   O( log(N) )</a:t>
+            </a:r>
+          </a:p>
+          <a:p>
+            <a:pPr marL="228600" marR="0" lvl="0" indent="-228600" algn="l" defTabSz="914400" rtl="0" eaLnBrk="0" fontAlgn="base" latinLnBrk="0" hangingPunct="0">
+              <a:lnSpc>
+                <a:spcPct val="100000"/>
+              </a:lnSpc>
+              <a:spcBef>
+                <a:spcPct val="30000"/>
+              </a:spcBef>
+              <a:spcAft>
+                <a:spcPct val="0"/>
+              </a:spcAft>
+              <a:buClrTx/>
+              <a:buSzTx/>
+              <a:buFontTx/>
+              <a:buAutoNum type="arabicPeriod"/>
+              <a:tabLst/>
+              <a:defRPr/>
+            </a:pPr>
+            <a:endParaRPr lang="en-US" baseline="0" dirty="0" smtClean="0"/>
+          </a:p>
+          <a:p>
+            <a:pPr marL="0" marR="0" lvl="0" indent="0" algn="l" defTabSz="914400" rtl="0" eaLnBrk="0" fontAlgn="base" latinLnBrk="0" hangingPunct="0">
+              <a:lnSpc>
+                <a:spcPct val="100000"/>
+              </a:lnSpc>
+              <a:spcBef>
+                <a:spcPct val="30000"/>
+              </a:spcBef>
+              <a:spcAft>
+                <a:spcPct val="0"/>
+              </a:spcAft>
+              <a:buClrTx/>
+              <a:buSzTx/>
+              <a:buFontTx/>
+              <a:buNone/>
+              <a:tabLst/>
+              <a:defRPr/>
+            </a:pPr>
+            <a:endParaRPr lang="en-US" dirty="0" smtClean="0"/>
+          </a:p>
+          <a:p>
+            <a:pPr marL="0" marR="0" lvl="0" indent="0" algn="l" defTabSz="914400" rtl="0" eaLnBrk="0" fontAlgn="base" latinLnBrk="0" hangingPunct="0">
+              <a:lnSpc>
+                <a:spcPct val="100000"/>
+              </a:lnSpc>
+              <a:spcBef>
+                <a:spcPct val="30000"/>
+              </a:spcBef>
+              <a:spcAft>
+                <a:spcPct val="0"/>
+              </a:spcAft>
+              <a:buClrTx/>
+              <a:buSzTx/>
+              <a:buFontTx/>
+              <a:buNone/>
+              <a:tabLst/>
+              <a:defRPr/>
+            </a:pPr>
+            <a:r>
+              <a:rPr lang="en-US" dirty="0" smtClean="0"/>
+              <a:t>Have students implement</a:t>
+            </a:r>
+            <a:r>
+              <a:rPr lang="en-US" baseline="0" dirty="0" smtClean="0"/>
+              <a:t> </a:t>
+            </a:r>
+            <a:r>
+              <a:rPr lang="en-US" baseline="0" dirty="0" err="1" smtClean="0"/>
+              <a:t>mergesort.StringMergeSort</a:t>
+            </a:r>
+            <a:r>
+              <a:rPr lang="en-US" baseline="0" dirty="0" smtClean="0"/>
+              <a:t>.  Walk around the room and help students as needed. Have your TAs do the same. Keep students engaged.</a:t>
+            </a:r>
+          </a:p>
+          <a:p>
+            <a:pPr marL="0" indent="0">
+              <a:buNone/>
+            </a:pPr>
+            <a:endParaRPr lang="en-US" dirty="0" smtClean="0"/>
+          </a:p>
+        </p:txBody>
+      </p:sp>
+      <p:sp>
+        <p:nvSpPr>
+          <p:cNvPr id="57348" name="Slide Number Placeholder 3"/>
+          <p:cNvSpPr>
+            <a:spLocks noGrp="1"/>
+          </p:cNvSpPr>
+          <p:nvPr>
+            <p:ph type="sldNum" sz="quarter" idx="5"/>
+          </p:nvPr>
+        </p:nvSpPr>
+        <p:spPr>
+          <a:noFill/>
+        </p:spPr>
+        <p:txBody>
+          <a:bodyPr/>
+          <a:lstStyle/>
+          <a:p>
+            <a:fld id="{6BF3A036-72D3-47B3-8074-7DA7DB82FDFD}" type="slidenum">
+              <a:rPr lang="en-US" smtClean="0"/>
+              <a:pPr/>
+              <a:t>6</a:t>
+            </a:fld>
+            <a:endParaRPr lang="en-US" smtClean="0"/>
+          </a:p>
+        </p:txBody>
+      </p:sp>
+    </p:spTree>
+    <p:extLst>
+      <p:ext uri="{BB962C8B-B14F-4D97-AF65-F5344CB8AC3E}">
+        <p14:creationId xmlns:p14="http://schemas.microsoft.com/office/powerpoint/2010/main" val="2067024822"/>
+      </p:ext>
+    </p:extLst>
+  </p:cSld>
+  <p:clrMapOvr>
+    <a:masterClrMapping/>
+  </p:clrMapOvr>
+</p:notes>
+</file>
+
+<file path=ppt/notesSlides/notesSlide6.xml><?xml version="1.0" encoding="utf-8"?>
+<p:notes xmlns:a="http://schemas.openxmlformats.org/drawingml/2006/main" xmlns:r="http://schemas.openxmlformats.org/officeDocument/2006/relationships" xmlns:p="http://schemas.openxmlformats.org/presentationml/2006/main">
+  <p:cSld>
+    <p:spTree>
+      <p:nvGrpSpPr>
+        <p:cNvPr id="1" name=""/>
+        <p:cNvGrpSpPr/>
+        <p:nvPr/>
+      </p:nvGrpSpPr>
+      <p:grpSpPr>
+        <a:xfrm>
+          <a:off x="0" y="0"/>
+          <a:ext cx="0" cy="0"/>
+          <a:chOff x="0" y="0"/>
+          <a:chExt cx="0" cy="0"/>
+        </a:xfrm>
+      </p:grpSpPr>
+      <p:sp>
+        <p:nvSpPr>
           <p:cNvPr id="2" name="Slide Image Placeholder 1"/>
           <p:cNvSpPr>
             <a:spLocks noGrp="1" noRot="1" noChangeAspect="1"/>
@@ -1473,7 +1762,7 @@
                 </a:uFill>
                 <a:latin typeface="Times New Roman"/>
               </a:rPr>
-              <a:t>6</a:t>
+              <a:t>8</a:t>
             </a:fld>
             <a:endParaRPr lang="en-US" sz="1400" b="0" strike="noStrike" spc="-1">
               <a:solidFill>
@@ -1493,6 +1782,344 @@
     <p:extLst>
       <p:ext uri="{BB962C8B-B14F-4D97-AF65-F5344CB8AC3E}">
         <p14:creationId xmlns:p14="http://schemas.microsoft.com/office/powerpoint/2010/main" val="3219695061"/>
+      </p:ext>
+    </p:extLst>
+  </p:cSld>
+  <p:clrMapOvr>
+    <a:masterClrMapping/>
+  </p:clrMapOvr>
+</p:notes>
+</file>
+
+<file path=ppt/notesSlides/notesSlide7.xml><?xml version="1.0" encoding="utf-8"?>
+<p:notes xmlns:a="http://schemas.openxmlformats.org/drawingml/2006/main" xmlns:r="http://schemas.openxmlformats.org/officeDocument/2006/relationships" xmlns:p="http://schemas.openxmlformats.org/presentationml/2006/main">
+  <p:cSld>
+    <p:spTree>
+      <p:nvGrpSpPr>
+        <p:cNvPr id="1" name=""/>
+        <p:cNvGrpSpPr/>
+        <p:nvPr/>
+      </p:nvGrpSpPr>
+      <p:grpSpPr>
+        <a:xfrm>
+          <a:off x="0" y="0"/>
+          <a:ext cx="0" cy="0"/>
+          <a:chOff x="0" y="0"/>
+          <a:chExt cx="0" cy="0"/>
+        </a:xfrm>
+      </p:grpSpPr>
+      <p:sp>
+        <p:nvSpPr>
+          <p:cNvPr id="184" name="PlaceHolder 1"/>
+          <p:cNvSpPr>
+            <a:spLocks noGrp="1"/>
+          </p:cNvSpPr>
+          <p:nvPr>
+            <p:ph type="body"/>
+          </p:nvPr>
+        </p:nvSpPr>
+        <p:spPr>
+          <a:xfrm>
+            <a:off x="688320" y="4415760"/>
+            <a:ext cx="5505120" cy="4183200"/>
+          </a:xfrm>
+          <a:prstGeom prst="rect">
+            <a:avLst/>
+          </a:prstGeom>
+        </p:spPr>
+        <p:txBody>
+          <a:bodyPr lIns="92520" tIns="46080" rIns="92520" bIns="46080"/>
+          <a:lstStyle/>
+          <a:p>
+            <a:endParaRPr lang="en-US" sz="2000" b="0" strike="noStrike" spc="-1" dirty="0">
+              <a:solidFill>
+                <a:srgbClr val="000000"/>
+              </a:solidFill>
+              <a:uFill>
+                <a:solidFill>
+                  <a:srgbClr val="FFFFFF"/>
+                </a:solidFill>
+              </a:uFill>
+              <a:latin typeface="Arial"/>
+            </a:endParaRPr>
+          </a:p>
+        </p:txBody>
+      </p:sp>
+      <p:sp>
+        <p:nvSpPr>
+          <p:cNvPr id="185" name="TextShape 2"/>
+          <p:cNvSpPr txBox="1"/>
+          <p:nvPr/>
+        </p:nvSpPr>
+        <p:spPr>
+          <a:xfrm>
+            <a:off x="3898080" y="8830080"/>
+            <a:ext cx="2981880" cy="464400"/>
+          </a:xfrm>
+          <a:prstGeom prst="rect">
+            <a:avLst/>
+          </a:prstGeom>
+          <a:noFill/>
+          <a:ln>
+            <a:noFill/>
+          </a:ln>
+        </p:spPr>
+        <p:txBody>
+          <a:bodyPr lIns="92520" tIns="46080" rIns="92520" bIns="46080" anchor="b"/>
+          <a:lstStyle/>
+          <a:p>
+            <a:pPr algn="r">
+              <a:lnSpc>
+                <a:spcPct val="100000"/>
+              </a:lnSpc>
+            </a:pPr>
+            <a:fld id="{FCE78040-63F1-4F82-A624-363802BCAF6A}" type="slidenum">
+              <a:rPr lang="en-US" sz="1200" b="0" strike="noStrike" spc="-1">
+                <a:solidFill>
+                  <a:srgbClr val="000000"/>
+                </a:solidFill>
+                <a:uFill>
+                  <a:solidFill>
+                    <a:srgbClr val="FFFFFF"/>
+                  </a:solidFill>
+                </a:uFill>
+                <a:latin typeface="+mn-lt"/>
+                <a:ea typeface="+mn-ea"/>
+              </a:rPr>
+              <a:t>9</a:t>
+            </a:fld>
+            <a:endParaRPr lang="en-US" sz="1400" b="0" strike="noStrike" spc="-1">
+              <a:solidFill>
+                <a:srgbClr val="000000"/>
+              </a:solidFill>
+              <a:uFill>
+                <a:solidFill>
+                  <a:srgbClr val="FFFFFF"/>
+                </a:solidFill>
+              </a:uFill>
+              <a:latin typeface="Times New Roman"/>
+            </a:endParaRPr>
+          </a:p>
+        </p:txBody>
+      </p:sp>
+    </p:spTree>
+    <p:extLst>
+      <p:ext uri="{BB962C8B-B14F-4D97-AF65-F5344CB8AC3E}">
+        <p14:creationId xmlns:p14="http://schemas.microsoft.com/office/powerpoint/2010/main" val="1104376781"/>
+      </p:ext>
+    </p:extLst>
+  </p:cSld>
+  <p:clrMapOvr>
+    <a:masterClrMapping/>
+  </p:clrMapOvr>
+</p:notes>
+</file>
+
+<file path=ppt/notesSlides/notesSlide8.xml><?xml version="1.0" encoding="utf-8"?>
+<p:notes xmlns:a="http://schemas.openxmlformats.org/drawingml/2006/main" xmlns:r="http://schemas.openxmlformats.org/officeDocument/2006/relationships" xmlns:p="http://schemas.openxmlformats.org/presentationml/2006/main">
+  <p:cSld>
+    <p:spTree>
+      <p:nvGrpSpPr>
+        <p:cNvPr id="1" name=""/>
+        <p:cNvGrpSpPr/>
+        <p:nvPr/>
+      </p:nvGrpSpPr>
+      <p:grpSpPr>
+        <a:xfrm>
+          <a:off x="0" y="0"/>
+          <a:ext cx="0" cy="0"/>
+          <a:chOff x="0" y="0"/>
+          <a:chExt cx="0" cy="0"/>
+        </a:xfrm>
+      </p:grpSpPr>
+      <p:sp>
+        <p:nvSpPr>
+          <p:cNvPr id="184" name="PlaceHolder 1"/>
+          <p:cNvSpPr>
+            <a:spLocks noGrp="1"/>
+          </p:cNvSpPr>
+          <p:nvPr>
+            <p:ph type="body"/>
+          </p:nvPr>
+        </p:nvSpPr>
+        <p:spPr>
+          <a:xfrm>
+            <a:off x="688320" y="4415760"/>
+            <a:ext cx="5505120" cy="4183200"/>
+          </a:xfrm>
+          <a:prstGeom prst="rect">
+            <a:avLst/>
+          </a:prstGeom>
+        </p:spPr>
+        <p:txBody>
+          <a:bodyPr lIns="92520" tIns="46080" rIns="92520" bIns="46080"/>
+          <a:lstStyle/>
+          <a:p>
+            <a:endParaRPr lang="en-US" sz="2000" b="0" strike="noStrike" spc="-1" dirty="0">
+              <a:solidFill>
+                <a:srgbClr val="000000"/>
+              </a:solidFill>
+              <a:uFill>
+                <a:solidFill>
+                  <a:srgbClr val="FFFFFF"/>
+                </a:solidFill>
+              </a:uFill>
+              <a:latin typeface="Arial"/>
+            </a:endParaRPr>
+          </a:p>
+        </p:txBody>
+      </p:sp>
+      <p:sp>
+        <p:nvSpPr>
+          <p:cNvPr id="185" name="TextShape 2"/>
+          <p:cNvSpPr txBox="1"/>
+          <p:nvPr/>
+        </p:nvSpPr>
+        <p:spPr>
+          <a:xfrm>
+            <a:off x="3898080" y="8830080"/>
+            <a:ext cx="2981880" cy="464400"/>
+          </a:xfrm>
+          <a:prstGeom prst="rect">
+            <a:avLst/>
+          </a:prstGeom>
+          <a:noFill/>
+          <a:ln>
+            <a:noFill/>
+          </a:ln>
+        </p:spPr>
+        <p:txBody>
+          <a:bodyPr lIns="92520" tIns="46080" rIns="92520" bIns="46080" anchor="b"/>
+          <a:lstStyle/>
+          <a:p>
+            <a:pPr algn="r">
+              <a:lnSpc>
+                <a:spcPct val="100000"/>
+              </a:lnSpc>
+            </a:pPr>
+            <a:fld id="{FCE78040-63F1-4F82-A624-363802BCAF6A}" type="slidenum">
+              <a:rPr lang="en-US" sz="1200" b="0" strike="noStrike" spc="-1">
+                <a:solidFill>
+                  <a:srgbClr val="000000"/>
+                </a:solidFill>
+                <a:uFill>
+                  <a:solidFill>
+                    <a:srgbClr val="FFFFFF"/>
+                  </a:solidFill>
+                </a:uFill>
+                <a:latin typeface="+mn-lt"/>
+                <a:ea typeface="+mn-ea"/>
+              </a:rPr>
+              <a:t>10</a:t>
+            </a:fld>
+            <a:endParaRPr lang="en-US" sz="1400" b="0" strike="noStrike" spc="-1">
+              <a:solidFill>
+                <a:srgbClr val="000000"/>
+              </a:solidFill>
+              <a:uFill>
+                <a:solidFill>
+                  <a:srgbClr val="FFFFFF"/>
+                </a:solidFill>
+              </a:uFill>
+              <a:latin typeface="Times New Roman"/>
+            </a:endParaRPr>
+          </a:p>
+        </p:txBody>
+      </p:sp>
+    </p:spTree>
+    <p:extLst>
+      <p:ext uri="{BB962C8B-B14F-4D97-AF65-F5344CB8AC3E}">
+        <p14:creationId xmlns:p14="http://schemas.microsoft.com/office/powerpoint/2010/main" val="1908252458"/>
+      </p:ext>
+    </p:extLst>
+  </p:cSld>
+  <p:clrMapOvr>
+    <a:masterClrMapping/>
+  </p:clrMapOvr>
+</p:notes>
+</file>
+
+<file path=ppt/notesSlides/notesSlide9.xml><?xml version="1.0" encoding="utf-8"?>
+<p:notes xmlns:a="http://schemas.openxmlformats.org/drawingml/2006/main" xmlns:r="http://schemas.openxmlformats.org/officeDocument/2006/relationships" xmlns:p="http://schemas.openxmlformats.org/presentationml/2006/main">
+  <p:cSld>
+    <p:spTree>
+      <p:nvGrpSpPr>
+        <p:cNvPr id="1" name=""/>
+        <p:cNvGrpSpPr/>
+        <p:nvPr/>
+      </p:nvGrpSpPr>
+      <p:grpSpPr>
+        <a:xfrm>
+          <a:off x="0" y="0"/>
+          <a:ext cx="0" cy="0"/>
+          <a:chOff x="0" y="0"/>
+          <a:chExt cx="0" cy="0"/>
+        </a:xfrm>
+      </p:grpSpPr>
+      <p:sp>
+        <p:nvSpPr>
+          <p:cNvPr id="2" name="Slide Image Placeholder 1"/>
+          <p:cNvSpPr>
+            <a:spLocks noGrp="1" noRot="1" noChangeAspect="1"/>
+          </p:cNvSpPr>
+          <p:nvPr>
+            <p:ph type="sldImg"/>
+          </p:nvPr>
+        </p:nvSpPr>
+        <p:spPr/>
+      </p:sp>
+      <p:sp>
+        <p:nvSpPr>
+          <p:cNvPr id="3" name="Notes Placeholder 2"/>
+          <p:cNvSpPr>
+            <a:spLocks noGrp="1"/>
+          </p:cNvSpPr>
+          <p:nvPr>
+            <p:ph type="body" idx="1"/>
+          </p:nvPr>
+        </p:nvSpPr>
+        <p:spPr/>
+        <p:txBody>
+          <a:bodyPr/>
+          <a:lstStyle/>
+          <a:p>
+            <a:endParaRPr lang="en-US" dirty="0"/>
+          </a:p>
+        </p:txBody>
+      </p:sp>
+      <p:sp>
+        <p:nvSpPr>
+          <p:cNvPr id="4" name="Slide Number Placeholder 3"/>
+          <p:cNvSpPr>
+            <a:spLocks noGrp="1"/>
+          </p:cNvSpPr>
+          <p:nvPr>
+            <p:ph type="sldNum" sz="quarter" idx="10"/>
+          </p:nvPr>
+        </p:nvSpPr>
+        <p:spPr/>
+        <p:txBody>
+          <a:bodyPr/>
+          <a:lstStyle/>
+          <a:p>
+            <a:pPr>
+              <a:defRPr/>
+            </a:pPr>
+            <a:fld id="{5B2F295C-7880-493E-AD25-F933224B0C47}" type="slidenum">
+              <a:rPr lang="en-US" smtClean="0"/>
+              <a:pPr>
+                <a:defRPr/>
+              </a:pPr>
+              <a:t>17</a:t>
+            </a:fld>
+            <a:endParaRPr lang="en-US"/>
+          </a:p>
+        </p:txBody>
+      </p:sp>
+    </p:spTree>
+    <p:extLst>
+      <p:ext uri="{BB962C8B-B14F-4D97-AF65-F5344CB8AC3E}">
+        <p14:creationId xmlns:p14="http://schemas.microsoft.com/office/powerpoint/2010/main" val="134717695"/>
       </p:ext>
     </p:extLst>
   </p:cSld>
@@ -1689,7 +2316,7 @@
               <a:pPr>
                 <a:defRPr/>
               </a:pPr>
-              <a:t>Wednesday, May 9, 2018</a:t>
+              <a:t>Saturday, May 9, 2020</a:t>
             </a:fld>
             <a:endParaRPr lang="en-US" dirty="0"/>
           </a:p>
@@ -1874,7 +2501,7 @@
               <a:pPr>
                 <a:defRPr/>
               </a:pPr>
-              <a:t>Wednesday, May 9, 2018</a:t>
+              <a:t>Saturday, May 9, 2020</a:t>
             </a:fld>
             <a:endParaRPr lang="en-US" dirty="0"/>
           </a:p>
@@ -2069,7 +2696,7 @@
               <a:pPr>
                 <a:defRPr/>
               </a:pPr>
-              <a:t>Wednesday, May 9, 2018</a:t>
+              <a:t>Saturday, May 9, 2020</a:t>
             </a:fld>
             <a:endParaRPr lang="en-US" dirty="0"/>
           </a:p>
@@ -2359,7 +2986,7 @@
               <a:pPr>
                 <a:defRPr/>
               </a:pPr>
-              <a:t>Wednesday, May 9, 2018</a:t>
+              <a:t>Saturday, May 9, 2020</a:t>
             </a:fld>
             <a:endParaRPr lang="en-US" dirty="0"/>
           </a:p>
@@ -2620,7 +3247,7 @@
               <a:pPr>
                 <a:defRPr/>
               </a:pPr>
-              <a:t>Wednesday, May 9, 2018</a:t>
+              <a:t>Saturday, May 9, 2020</a:t>
             </a:fld>
             <a:endParaRPr lang="en-US"/>
           </a:p>
@@ -2923,7 +3550,7 @@
               <a:pPr>
                 <a:defRPr/>
               </a:pPr>
-              <a:t>Wednesday, May 9, 2018</a:t>
+              <a:t>Saturday, May 9, 2020</a:t>
             </a:fld>
             <a:endParaRPr lang="en-US"/>
           </a:p>
@@ -3360,7 +3987,7 @@
               <a:pPr>
                 <a:defRPr/>
               </a:pPr>
-              <a:t>Wednesday, May 9, 2018</a:t>
+              <a:t>Saturday, May 9, 2020</a:t>
             </a:fld>
             <a:endParaRPr lang="en-US"/>
           </a:p>
@@ -3493,7 +4120,7 @@
               <a:pPr>
                 <a:defRPr/>
               </a:pPr>
-              <a:t>Wednesday, May 9, 2018</a:t>
+              <a:t>Saturday, May 9, 2020</a:t>
             </a:fld>
             <a:endParaRPr lang="en-US"/>
           </a:p>
@@ -3603,7 +4230,7 @@
               <a:pPr>
                 <a:defRPr/>
               </a:pPr>
-              <a:t>Wednesday, May 9, 2018</a:t>
+              <a:t>Saturday, May 9, 2020</a:t>
             </a:fld>
             <a:endParaRPr lang="en-US" dirty="0"/>
           </a:p>
@@ -3895,7 +4522,7 @@
               <a:pPr>
                 <a:defRPr/>
               </a:pPr>
-              <a:t>Wednesday, May 9, 2018</a:t>
+              <a:t>Saturday, May 9, 2020</a:t>
             </a:fld>
             <a:endParaRPr lang="en-US"/>
           </a:p>
@@ -4163,7 +4790,7 @@
               <a:pPr>
                 <a:defRPr/>
               </a:pPr>
-              <a:t>Wednesday, May 9, 2018</a:t>
+              <a:t>Saturday, May 9, 2020</a:t>
             </a:fld>
             <a:endParaRPr lang="en-US"/>
           </a:p>
@@ -4391,7 +5018,7 @@
               <a:pPr>
                 <a:defRPr/>
               </a:pPr>
-              <a:t>Wednesday, May 9, 2018</a:t>
+              <a:t>Saturday, May 9, 2020</a:t>
             </a:fld>
             <a:endParaRPr lang="en-US" dirty="0"/>
           </a:p>
@@ -4906,8 +5533,13 @@
             </a:r>
             <a:r>
               <a:rPr lang="en-US" dirty="0"/>
-              <a:t>from SVN</a:t>
-            </a:r>
+              <a:t>from </a:t>
+            </a:r>
+            <a:r>
+              <a:rPr lang="en-US" dirty="0" err="1" smtClean="0"/>
+              <a:t>Git</a:t>
+            </a:r>
+            <a:endParaRPr lang="en-US" dirty="0"/>
           </a:p>
         </p:txBody>
       </p:sp>
@@ -4938,6 +5570,2020 @@
 </p:sld>
 </file>
 
+<file path=ppt/slides/slide10.xml><?xml version="1.0" encoding="utf-8"?>
+<p:sld xmlns:a="http://schemas.openxmlformats.org/drawingml/2006/main" xmlns:r="http://schemas.openxmlformats.org/officeDocument/2006/relationships" xmlns:p="http://schemas.openxmlformats.org/presentationml/2006/main" show="0">
+  <p:cSld>
+    <p:spTree>
+      <p:nvGrpSpPr>
+        <p:cNvPr id="1" name=""/>
+        <p:cNvGrpSpPr/>
+        <p:nvPr/>
+      </p:nvGrpSpPr>
+      <p:grpSpPr>
+        <a:xfrm>
+          <a:off x="0" y="0"/>
+          <a:ext cx="0" cy="0"/>
+          <a:chOff x="0" y="0"/>
+          <a:chExt cx="0" cy="0"/>
+        </a:xfrm>
+      </p:grpSpPr>
+      <p:sp>
+        <p:nvSpPr>
+          <p:cNvPr id="127" name="TextShape 1"/>
+          <p:cNvSpPr txBox="1"/>
+          <p:nvPr/>
+        </p:nvSpPr>
+        <p:spPr>
+          <a:xfrm>
+            <a:off x="457200" y="274680"/>
+            <a:ext cx="8229240" cy="1142640"/>
+          </a:xfrm>
+          <a:prstGeom prst="rect">
+            <a:avLst/>
+          </a:prstGeom>
+          <a:noFill/>
+          <a:ln>
+            <a:noFill/>
+          </a:ln>
+        </p:spPr>
+        <p:txBody>
+          <a:bodyPr anchor="ctr"/>
+          <a:lstStyle/>
+          <a:p>
+            <a:pPr algn="ctr">
+              <a:lnSpc>
+                <a:spcPct val="100000"/>
+              </a:lnSpc>
+            </a:pPr>
+            <a:r>
+              <a:rPr lang="en-US" sz="4400" spc="-1" dirty="0">
+                <a:solidFill>
+                  <a:srgbClr val="000000"/>
+                </a:solidFill>
+                <a:uFill>
+                  <a:solidFill>
+                    <a:srgbClr val="FFFFFF"/>
+                  </a:solidFill>
+                </a:uFill>
+                <a:latin typeface="Calibri"/>
+              </a:rPr>
+              <a:t>Next </a:t>
+            </a:r>
+            <a:r>
+              <a:rPr lang="en-US" sz="4400" spc="-1" dirty="0" smtClean="0">
+                <a:solidFill>
+                  <a:srgbClr val="000000"/>
+                </a:solidFill>
+                <a:uFill>
+                  <a:solidFill>
+                    <a:srgbClr val="FFFFFF"/>
+                  </a:solidFill>
+                </a:uFill>
+                <a:latin typeface="Calibri"/>
+              </a:rPr>
+              <a:t>Week: Your Presentations</a:t>
+            </a:r>
+            <a:endParaRPr lang="en-US" sz="1800" b="0" strike="noStrike" spc="-1" dirty="0">
+              <a:solidFill>
+                <a:srgbClr val="000000"/>
+              </a:solidFill>
+              <a:uFill>
+                <a:solidFill>
+                  <a:srgbClr val="FFFFFF"/>
+                </a:solidFill>
+              </a:uFill>
+              <a:latin typeface="Calibri"/>
+            </a:endParaRPr>
+          </a:p>
+        </p:txBody>
+      </p:sp>
+      <p:sp>
+        <p:nvSpPr>
+          <p:cNvPr id="128" name="TextShape 2"/>
+          <p:cNvSpPr txBox="1"/>
+          <p:nvPr/>
+        </p:nvSpPr>
+        <p:spPr>
+          <a:xfrm>
+            <a:off x="0" y="1295400"/>
+            <a:ext cx="9144000" cy="4525560"/>
+          </a:xfrm>
+          <a:prstGeom prst="rect">
+            <a:avLst/>
+          </a:prstGeom>
+          <a:noFill/>
+          <a:ln>
+            <a:noFill/>
+          </a:ln>
+        </p:spPr>
+        <p:txBody>
+          <a:bodyPr/>
+          <a:lstStyle/>
+          <a:p>
+            <a:pPr marL="343080" indent="-342720">
+              <a:lnSpc>
+                <a:spcPct val="100000"/>
+              </a:lnSpc>
+              <a:buClr>
+                <a:srgbClr val="000000"/>
+              </a:buClr>
+              <a:buFont typeface="Arial"/>
+              <a:buChar char="•"/>
+            </a:pPr>
+            <a:r>
+              <a:rPr lang="en-US" sz="2400" b="0" strike="noStrike" spc="-1" dirty="0" smtClean="0">
+                <a:solidFill>
+                  <a:srgbClr val="000000"/>
+                </a:solidFill>
+                <a:uFill>
+                  <a:solidFill>
+                    <a:srgbClr val="FFFFFF"/>
+                  </a:solidFill>
+                </a:uFill>
+                <a:latin typeface="Calibri"/>
+              </a:rPr>
+              <a:t>7 </a:t>
+            </a:r>
+            <a:r>
+              <a:rPr lang="en-US" sz="2400" b="0" strike="noStrike" spc="-1" dirty="0">
+                <a:solidFill>
+                  <a:srgbClr val="000000"/>
+                </a:solidFill>
+                <a:uFill>
+                  <a:solidFill>
+                    <a:srgbClr val="FFFFFF"/>
+                  </a:solidFill>
+                </a:uFill>
+                <a:latin typeface="Calibri"/>
+              </a:rPr>
+              <a:t>minutes </a:t>
+            </a:r>
+            <a:r>
+              <a:rPr lang="en-US" sz="2400" b="0" strike="noStrike" spc="-1" dirty="0" smtClean="0">
+                <a:solidFill>
+                  <a:srgbClr val="000000"/>
+                </a:solidFill>
+                <a:uFill>
+                  <a:solidFill>
+                    <a:srgbClr val="FFFFFF"/>
+                  </a:solidFill>
+                </a:uFill>
+                <a:latin typeface="Calibri"/>
+              </a:rPr>
+              <a:t>long (Rehearse! Aim to be within 30 seconds +/- )</a:t>
+            </a:r>
+          </a:p>
+          <a:p>
+            <a:pPr marL="343080" indent="-342720">
+              <a:lnSpc>
+                <a:spcPct val="100000"/>
+              </a:lnSpc>
+              <a:buClr>
+                <a:srgbClr val="000000"/>
+              </a:buClr>
+              <a:buFont typeface="Arial"/>
+              <a:buChar char="•"/>
+            </a:pPr>
+            <a:endParaRPr lang="en-US" sz="2400" b="0" strike="noStrike" spc="-1" dirty="0">
+              <a:solidFill>
+                <a:srgbClr val="000000"/>
+              </a:solidFill>
+              <a:uFill>
+                <a:solidFill>
+                  <a:srgbClr val="FFFFFF"/>
+                </a:solidFill>
+              </a:uFill>
+              <a:latin typeface="Calibri"/>
+            </a:endParaRPr>
+          </a:p>
+          <a:p>
+            <a:pPr marL="343080" indent="-342720">
+              <a:lnSpc>
+                <a:spcPct val="100000"/>
+              </a:lnSpc>
+              <a:buClr>
+                <a:srgbClr val="000000"/>
+              </a:buClr>
+              <a:buFont typeface="Arial"/>
+              <a:buChar char="•"/>
+            </a:pPr>
+            <a:r>
+              <a:rPr lang="en-US" sz="2400" b="0" strike="noStrike" spc="-1" dirty="0">
+                <a:solidFill>
+                  <a:srgbClr val="000000"/>
+                </a:solidFill>
+                <a:uFill>
+                  <a:solidFill>
+                    <a:srgbClr val="FFFFFF"/>
+                  </a:solidFill>
+                </a:uFill>
+                <a:latin typeface="Calibri"/>
+              </a:rPr>
+              <a:t>~3 </a:t>
+            </a:r>
+            <a:r>
+              <a:rPr lang="en-US" sz="2400" b="0" strike="noStrike" spc="-1" dirty="0" smtClean="0">
+                <a:solidFill>
+                  <a:srgbClr val="000000"/>
+                </a:solidFill>
+                <a:uFill>
+                  <a:solidFill>
+                    <a:srgbClr val="FFFFFF"/>
+                  </a:solidFill>
+                </a:uFill>
+                <a:latin typeface="Calibri"/>
+              </a:rPr>
+              <a:t>min. Showing </a:t>
+            </a:r>
+            <a:r>
+              <a:rPr lang="en-US" sz="2400" b="0" strike="noStrike" spc="-1" dirty="0">
+                <a:solidFill>
+                  <a:srgbClr val="000000"/>
+                </a:solidFill>
+                <a:uFill>
+                  <a:solidFill>
+                    <a:srgbClr val="FFFFFF"/>
+                  </a:solidFill>
+                </a:uFill>
+                <a:latin typeface="Calibri"/>
+              </a:rPr>
+              <a:t>off your </a:t>
+            </a:r>
+            <a:r>
+              <a:rPr lang="en-US" sz="2400" b="1" strike="noStrike" spc="-1" dirty="0">
+                <a:solidFill>
+                  <a:srgbClr val="000000"/>
+                </a:solidFill>
+                <a:uFill>
+                  <a:solidFill>
+                    <a:srgbClr val="FFFFFF"/>
+                  </a:solidFill>
+                </a:uFill>
+                <a:latin typeface="Calibri"/>
+              </a:rPr>
+              <a:t>extra </a:t>
+            </a:r>
+            <a:r>
+              <a:rPr lang="en-US" sz="2400" b="1" strike="noStrike" spc="-1" dirty="0" smtClean="0">
+                <a:solidFill>
+                  <a:srgbClr val="000000"/>
+                </a:solidFill>
+                <a:uFill>
+                  <a:solidFill>
+                    <a:srgbClr val="FFFFFF"/>
+                  </a:solidFill>
+                </a:uFill>
+                <a:latin typeface="Calibri"/>
+              </a:rPr>
+              <a:t>features</a:t>
+            </a:r>
+          </a:p>
+          <a:p>
+            <a:pPr marL="800280" lvl="1" indent="-342720">
+              <a:buClr>
+                <a:srgbClr val="000000"/>
+              </a:buClr>
+              <a:buFont typeface="Arial"/>
+              <a:buChar char="•"/>
+            </a:pPr>
+            <a:r>
+              <a:rPr lang="en-US" sz="2400" spc="-1" dirty="0" smtClean="0">
+                <a:solidFill>
+                  <a:srgbClr val="000000"/>
+                </a:solidFill>
+                <a:uFill>
+                  <a:solidFill>
+                    <a:srgbClr val="FFFFFF"/>
+                  </a:solidFill>
+                </a:uFill>
+                <a:latin typeface="Calibri"/>
+              </a:rPr>
+              <a:t>(Preferably record a video! (live demo “Acceptable”) )</a:t>
+            </a:r>
+          </a:p>
+          <a:p>
+            <a:pPr marL="800280" lvl="1" indent="-342720">
+              <a:buClr>
+                <a:srgbClr val="000000"/>
+              </a:buClr>
+              <a:buFont typeface="Arial"/>
+              <a:buChar char="•"/>
+            </a:pPr>
+            <a:endParaRPr lang="en-US" sz="2400" b="0" strike="noStrike" spc="-1" dirty="0">
+              <a:solidFill>
+                <a:srgbClr val="000000"/>
+              </a:solidFill>
+              <a:uFill>
+                <a:solidFill>
+                  <a:srgbClr val="FFFFFF"/>
+                </a:solidFill>
+              </a:uFill>
+              <a:latin typeface="Calibri"/>
+            </a:endParaRPr>
+          </a:p>
+          <a:p>
+            <a:pPr marL="343080" indent="-342720">
+              <a:lnSpc>
+                <a:spcPct val="100000"/>
+              </a:lnSpc>
+              <a:buClr>
+                <a:srgbClr val="000000"/>
+              </a:buClr>
+              <a:buFont typeface="Arial"/>
+              <a:buChar char="•"/>
+            </a:pPr>
+            <a:r>
+              <a:rPr lang="en-US" sz="2400" b="0" strike="noStrike" spc="-1" dirty="0" smtClean="0">
+                <a:solidFill>
+                  <a:srgbClr val="000000"/>
+                </a:solidFill>
+                <a:uFill>
+                  <a:solidFill>
+                    <a:srgbClr val="FFFFFF"/>
+                  </a:solidFill>
+                </a:uFill>
+                <a:latin typeface="Calibri"/>
+              </a:rPr>
+              <a:t>~2 min. </a:t>
+            </a:r>
+            <a:r>
+              <a:rPr lang="en-US" sz="2400" b="1" strike="noStrike" spc="-1" dirty="0" smtClean="0">
+                <a:solidFill>
+                  <a:srgbClr val="000000"/>
+                </a:solidFill>
+                <a:uFill>
+                  <a:solidFill>
+                    <a:srgbClr val="FFFFFF"/>
+                  </a:solidFill>
+                </a:uFill>
+                <a:latin typeface="Calibri"/>
+              </a:rPr>
+              <a:t>Explaining your </a:t>
+            </a:r>
+            <a:r>
+              <a:rPr lang="en-US" sz="2400" b="1" spc="-1" dirty="0">
+                <a:solidFill>
+                  <a:srgbClr val="000000"/>
+                </a:solidFill>
+                <a:uFill>
+                  <a:solidFill>
+                    <a:srgbClr val="FFFFFF"/>
+                  </a:solidFill>
+                </a:uFill>
+                <a:latin typeface="Calibri"/>
+              </a:rPr>
+              <a:t>o</a:t>
+            </a:r>
+            <a:r>
+              <a:rPr lang="en-US" sz="2400" b="1" strike="noStrike" spc="-1" dirty="0" smtClean="0">
+                <a:solidFill>
+                  <a:srgbClr val="000000"/>
+                </a:solidFill>
+                <a:uFill>
+                  <a:solidFill>
+                    <a:srgbClr val="FFFFFF"/>
+                  </a:solidFill>
+                </a:uFill>
+                <a:latin typeface="Calibri"/>
+              </a:rPr>
+              <a:t>verall design </a:t>
+            </a:r>
+            <a:r>
+              <a:rPr lang="en-US" sz="2400" b="0" strike="noStrike" spc="-1" dirty="0" smtClean="0">
+                <a:solidFill>
+                  <a:srgbClr val="000000"/>
+                </a:solidFill>
+                <a:uFill>
+                  <a:solidFill>
+                    <a:srgbClr val="FFFFFF"/>
+                  </a:solidFill>
+                </a:uFill>
+                <a:latin typeface="Calibri"/>
+              </a:rPr>
+              <a:t>(major classes, NOT all)</a:t>
+            </a:r>
+          </a:p>
+          <a:p>
+            <a:pPr marL="800280" lvl="1" indent="-342720">
+              <a:buClr>
+                <a:srgbClr val="000000"/>
+              </a:buClr>
+              <a:buFont typeface="Arial"/>
+              <a:buChar char="•"/>
+            </a:pPr>
+            <a:r>
+              <a:rPr lang="en-US" sz="2400" spc="-1" dirty="0" smtClean="0">
+                <a:solidFill>
+                  <a:srgbClr val="000000"/>
+                </a:solidFill>
+                <a:uFill>
+                  <a:solidFill>
+                    <a:srgbClr val="FFFFFF"/>
+                  </a:solidFill>
+                </a:uFill>
+                <a:latin typeface="Calibri"/>
+              </a:rPr>
+              <a:t>“Coupling/Cohesion” or other “Good/Bad” aspects of design</a:t>
+            </a:r>
+          </a:p>
+          <a:p>
+            <a:pPr marL="800280" lvl="1" indent="-342720">
+              <a:buClr>
+                <a:srgbClr val="000000"/>
+              </a:buClr>
+              <a:buFont typeface="Arial"/>
+              <a:buChar char="•"/>
+            </a:pPr>
+            <a:endParaRPr lang="en-US" sz="2400" spc="-1" dirty="0">
+              <a:solidFill>
+                <a:srgbClr val="000000"/>
+              </a:solidFill>
+              <a:uFill>
+                <a:solidFill>
+                  <a:srgbClr val="FFFFFF"/>
+                </a:solidFill>
+              </a:uFill>
+              <a:latin typeface="Calibri"/>
+            </a:endParaRPr>
+          </a:p>
+          <a:p>
+            <a:pPr marL="343080" indent="-342720">
+              <a:buClr>
+                <a:srgbClr val="000000"/>
+              </a:buClr>
+              <a:buFont typeface="Arial"/>
+              <a:buChar char="•"/>
+            </a:pPr>
+            <a:r>
+              <a:rPr lang="en-US" sz="2400" b="0" strike="noStrike" spc="-1" dirty="0" smtClean="0">
+                <a:solidFill>
+                  <a:srgbClr val="000000"/>
+                </a:solidFill>
+                <a:uFill>
+                  <a:solidFill>
+                    <a:srgbClr val="FFFFFF"/>
+                  </a:solidFill>
+                </a:uFill>
+                <a:latin typeface="Calibri"/>
+              </a:rPr>
+              <a:t>~2 min. </a:t>
+            </a:r>
+            <a:r>
+              <a:rPr lang="en-US" sz="2400" b="1" strike="noStrike" spc="-1" dirty="0" smtClean="0">
+                <a:solidFill>
+                  <a:srgbClr val="000000"/>
+                </a:solidFill>
+                <a:uFill>
+                  <a:solidFill>
+                    <a:srgbClr val="FFFFFF"/>
+                  </a:solidFill>
+                </a:uFill>
+                <a:latin typeface="Calibri"/>
+              </a:rPr>
+              <a:t>Design </a:t>
+            </a:r>
+            <a:r>
+              <a:rPr lang="en-US" sz="2400" b="1" strike="noStrike" spc="-1" dirty="0">
+                <a:solidFill>
+                  <a:srgbClr val="000000"/>
+                </a:solidFill>
+                <a:uFill>
+                  <a:solidFill>
+                    <a:srgbClr val="FFFFFF"/>
+                  </a:solidFill>
+                </a:uFill>
+                <a:latin typeface="Calibri"/>
+              </a:rPr>
+              <a:t>decision, feature implementation, or tricky bug</a:t>
+            </a:r>
+          </a:p>
+          <a:p>
+            <a:pPr marL="864000" lvl="1" indent="-324000">
+              <a:buClr>
+                <a:srgbClr val="000000"/>
+              </a:buClr>
+              <a:buSzPct val="75000"/>
+              <a:buFont typeface="Symbol" charset="2"/>
+              <a:buChar char=""/>
+            </a:pPr>
+            <a:r>
+              <a:rPr lang="en-US" sz="2400" b="0" strike="noStrike" spc="-1" dirty="0">
+                <a:solidFill>
+                  <a:srgbClr val="000000"/>
+                </a:solidFill>
+                <a:uFill>
+                  <a:solidFill>
+                    <a:srgbClr val="FFFFFF"/>
+                  </a:solidFill>
+                </a:uFill>
+                <a:latin typeface="Calibri"/>
+              </a:rPr>
+              <a:t>Be careful about code examples (good – but in moderation)</a:t>
+            </a:r>
+          </a:p>
+          <a:p>
+            <a:pPr marL="864000" lvl="1" indent="-324000">
+              <a:buClr>
+                <a:srgbClr val="000000"/>
+              </a:buClr>
+              <a:buSzPct val="75000"/>
+              <a:buFont typeface="Symbol" charset="2"/>
+              <a:buChar char=""/>
+            </a:pPr>
+            <a:r>
+              <a:rPr lang="en-US" sz="2400" b="0" strike="noStrike" spc="-1" dirty="0">
+                <a:solidFill>
+                  <a:srgbClr val="000000"/>
+                </a:solidFill>
+                <a:uFill>
+                  <a:solidFill>
+                    <a:srgbClr val="FFFFFF"/>
+                  </a:solidFill>
+                </a:uFill>
+                <a:latin typeface="Calibri"/>
+              </a:rPr>
+              <a:t>Should include prepared slides usually including diagrams</a:t>
+            </a:r>
+          </a:p>
+        </p:txBody>
+      </p:sp>
+    </p:spTree>
+    <p:extLst>
+      <p:ext uri="{BB962C8B-B14F-4D97-AF65-F5344CB8AC3E}">
+        <p14:creationId xmlns:p14="http://schemas.microsoft.com/office/powerpoint/2010/main" val="431315256"/>
+      </p:ext>
+    </p:extLst>
+  </p:cSld>
+  <p:clrMapOvr>
+    <a:masterClrMapping/>
+  </p:clrMapOvr>
+  <mc:AlternateContent xmlns:mc="http://schemas.openxmlformats.org/markup-compatibility/2006">
+    <mc:Choice xmlns:p14="http://schemas.microsoft.com/office/powerpoint/2010/main" Requires="p14">
+      <p:transition spd="slow" p14:dur="2000"/>
+    </mc:Choice>
+    <mc:Fallback>
+      <p:transition spd="slow"/>
+    </mc:Fallback>
+  </mc:AlternateContent>
+  <p:timing>
+    <p:tnLst>
+      <p:par>
+        <p:cTn id="1" dur="indefinite" restart="never" nodeType="tmRoot">
+          <p:childTnLst>
+            <p:seq>
+              <p:cTn id="2" nodeType="mainSeq"/>
+              <p:prevCondLst>
+                <p:cond evt="onPrev" delay="0">
+                  <p:tgtEl>
+                    <p:sldTgt/>
+                  </p:tgtEl>
+                </p:cond>
+              </p:prevCondLst>
+              <p:nextCondLst>
+                <p:cond evt="onNext" delay="0">
+                  <p:tgtEl>
+                    <p:sldTgt/>
+                  </p:tgtEl>
+                </p:cond>
+              </p:nextCondLst>
+            </p:seq>
+          </p:childTnLst>
+        </p:cTn>
+      </p:par>
+    </p:tnLst>
+  </p:timing>
+</p:sld>
+</file>
+
+<file path=ppt/slides/slide11.xml><?xml version="1.0" encoding="utf-8"?>
+<p:sld xmlns:a="http://schemas.openxmlformats.org/drawingml/2006/main" xmlns:r="http://schemas.openxmlformats.org/officeDocument/2006/relationships" xmlns:p="http://schemas.openxmlformats.org/presentationml/2006/main">
+  <p:cSld>
+    <p:spTree>
+      <p:nvGrpSpPr>
+        <p:cNvPr id="1" name=""/>
+        <p:cNvGrpSpPr/>
+        <p:nvPr/>
+      </p:nvGrpSpPr>
+      <p:grpSpPr>
+        <a:xfrm>
+          <a:off x="0" y="0"/>
+          <a:ext cx="0" cy="0"/>
+          <a:chOff x="0" y="0"/>
+          <a:chExt cx="0" cy="0"/>
+        </a:xfrm>
+      </p:grpSpPr>
+      <p:pic>
+        <p:nvPicPr>
+          <p:cNvPr id="2" name="Arcade Game 2020-02-13 08-33-40">
+            <a:hlinkClick r:id="" action="ppaction://media"/>
+          </p:cNvPr>
+          <p:cNvPicPr>
+            <a:picLocks noChangeAspect="1"/>
+          </p:cNvPicPr>
+          <p:nvPr>
+            <a:videoFile r:link="rId2"/>
+            <p:extLst>
+              <p:ext uri="{DAA4B4D4-6D71-4841-9C94-3DE7FCFB9230}">
+                <p14:media xmlns:p14="http://schemas.microsoft.com/office/powerpoint/2010/main" r:embed="rId1"/>
+              </p:ext>
+            </p:extLst>
+          </p:nvPr>
+        </p:nvPicPr>
+        <p:blipFill>
+          <a:blip r:embed="rId4"/>
+          <a:stretch>
+            <a:fillRect/>
+          </a:stretch>
+        </p:blipFill>
+        <p:spPr>
+          <a:xfrm>
+            <a:off x="1447800" y="152400"/>
+            <a:ext cx="5791200" cy="5465067"/>
+          </a:xfrm>
+          <a:prstGeom prst="rect">
+            <a:avLst/>
+          </a:prstGeom>
+        </p:spPr>
+      </p:pic>
+      <p:sp>
+        <p:nvSpPr>
+          <p:cNvPr id="3" name="Rectangle 2"/>
+          <p:cNvSpPr/>
+          <p:nvPr/>
+        </p:nvSpPr>
+        <p:spPr>
+          <a:xfrm>
+            <a:off x="228600" y="5761204"/>
+            <a:ext cx="8686800" cy="646331"/>
+          </a:xfrm>
+          <a:prstGeom prst="rect">
+            <a:avLst/>
+          </a:prstGeom>
+        </p:spPr>
+        <p:txBody>
+          <a:bodyPr wrap="square">
+            <a:spAutoFit/>
+          </a:bodyPr>
+          <a:lstStyle/>
+          <a:p>
+            <a:r>
+              <a:rPr lang="en-US" dirty="0"/>
+              <a:t>How to record your screen on Windows 10 using Game </a:t>
+            </a:r>
+            <a:r>
+              <a:rPr lang="en-US" dirty="0" smtClean="0"/>
+              <a:t>Bar (Windows Key  + g)</a:t>
+            </a:r>
+            <a:endParaRPr lang="en-US" dirty="0" smtClean="0">
+              <a:hlinkClick r:id="rId5"/>
+            </a:endParaRPr>
+          </a:p>
+          <a:p>
+            <a:r>
+              <a:rPr lang="en-US" dirty="0" smtClean="0">
+                <a:hlinkClick r:id="rId5"/>
+              </a:rPr>
+              <a:t>https</a:t>
+            </a:r>
+            <a:r>
+              <a:rPr lang="en-US" dirty="0">
+                <a:hlinkClick r:id="rId5"/>
+              </a:rPr>
+              <a:t>://www.businessinsider.com/how-to-record-screen-on-windows-10</a:t>
+            </a:r>
+            <a:endParaRPr lang="en-US" dirty="0"/>
+          </a:p>
+        </p:txBody>
+      </p:sp>
+    </p:spTree>
+    <p:extLst>
+      <p:ext uri="{BB962C8B-B14F-4D97-AF65-F5344CB8AC3E}">
+        <p14:creationId xmlns:p14="http://schemas.microsoft.com/office/powerpoint/2010/main" val="1870994908"/>
+      </p:ext>
+    </p:extLst>
+  </p:cSld>
+  <p:clrMapOvr>
+    <a:masterClrMapping/>
+  </p:clrMapOvr>
+  <p:timing>
+    <p:tnLst>
+      <p:par>
+        <p:cTn id="1" dur="indefinite" restart="never" nodeType="tmRoot">
+          <p:childTnLst>
+            <p:seq concurrent="1" nextAc="seek">
+              <p:cTn id="2" restart="whenNotActive" fill="hold" evtFilter="cancelBubble" nodeType="interactiveSeq">
+                <p:stCondLst>
+                  <p:cond evt="onClick" delay="0">
+                    <p:tgtEl>
+                      <p:spTgt spid="2"/>
+                    </p:tgtEl>
+                  </p:cond>
+                </p:stCondLst>
+                <p:endSync evt="end" delay="0">
+                  <p:rtn val="all"/>
+                </p:endSync>
+                <p:childTnLst>
+                  <p:par>
+                    <p:cTn id="3" fill="hold">
+                      <p:stCondLst>
+                        <p:cond delay="0"/>
+                      </p:stCondLst>
+                      <p:childTnLst>
+                        <p:par>
+                          <p:cTn id="4" fill="hold">
+                            <p:stCondLst>
+                              <p:cond delay="0"/>
+                            </p:stCondLst>
+                            <p:childTnLst>
+                              <p:par>
+                                <p:cTn id="5" presetID="2" presetClass="mediacall" presetSubtype="0" fill="hold" nodeType="clickEffect">
+                                  <p:stCondLst>
+                                    <p:cond delay="0"/>
+                                  </p:stCondLst>
+                                  <p:childTnLst>
+                                    <p:cmd type="call" cmd="togglePause">
+                                      <p:cBhvr>
+                                        <p:cTn id="6" dur="1" fill="hold"/>
+                                        <p:tgtEl>
+                                          <p:spTgt spid="2"/>
+                                        </p:tgtEl>
+                                      </p:cBhvr>
+                                    </p:cmd>
+                                  </p:childTnLst>
+                                </p:cTn>
+                              </p:par>
+                            </p:childTnLst>
+                          </p:cTn>
+                        </p:par>
+                      </p:childTnLst>
+                    </p:cTn>
+                  </p:par>
+                </p:childTnLst>
+              </p:cTn>
+              <p:nextCondLst>
+                <p:cond evt="onClick" delay="0">
+                  <p:tgtEl>
+                    <p:spTgt spid="2"/>
+                  </p:tgtEl>
+                </p:cond>
+              </p:nextCondLst>
+            </p:seq>
+            <p:video>
+              <p:cMediaNode vol="80000">
+                <p:cTn id="7" fill="hold" display="0">
+                  <p:stCondLst>
+                    <p:cond delay="indefinite"/>
+                  </p:stCondLst>
+                </p:cTn>
+                <p:tgtEl>
+                  <p:spTgt spid="2"/>
+                </p:tgtEl>
+              </p:cMediaNode>
+            </p:video>
+          </p:childTnLst>
+        </p:cTn>
+      </p:par>
+    </p:tnLst>
+  </p:timing>
+</p:sld>
+</file>
+
+<file path=ppt/slides/slide12.xml><?xml version="1.0" encoding="utf-8"?>
+<p:sld xmlns:a="http://schemas.openxmlformats.org/drawingml/2006/main" xmlns:r="http://schemas.openxmlformats.org/officeDocument/2006/relationships" xmlns:p="http://schemas.openxmlformats.org/presentationml/2006/main">
+  <p:cSld>
+    <p:spTree>
+      <p:nvGrpSpPr>
+        <p:cNvPr id="1" name=""/>
+        <p:cNvGrpSpPr/>
+        <p:nvPr/>
+      </p:nvGrpSpPr>
+      <p:grpSpPr>
+        <a:xfrm>
+          <a:off x="0" y="0"/>
+          <a:ext cx="0" cy="0"/>
+          <a:chOff x="0" y="0"/>
+          <a:chExt cx="0" cy="0"/>
+        </a:xfrm>
+      </p:grpSpPr>
+      <p:pic>
+        <p:nvPicPr>
+          <p:cNvPr id="2" name="Picture 1"/>
+          <p:cNvPicPr>
+            <a:picLocks noChangeAspect="1"/>
+          </p:cNvPicPr>
+          <p:nvPr/>
+        </p:nvPicPr>
+        <p:blipFill>
+          <a:blip r:embed="rId2"/>
+          <a:stretch>
+            <a:fillRect/>
+          </a:stretch>
+        </p:blipFill>
+        <p:spPr>
+          <a:xfrm>
+            <a:off x="5029200" y="152400"/>
+            <a:ext cx="3810000" cy="6610780"/>
+          </a:xfrm>
+          <a:prstGeom prst="rect">
+            <a:avLst/>
+          </a:prstGeom>
+        </p:spPr>
+      </p:pic>
+      <p:sp>
+        <p:nvSpPr>
+          <p:cNvPr id="3" name="TextBox 2"/>
+          <p:cNvSpPr txBox="1"/>
+          <p:nvPr/>
+        </p:nvSpPr>
+        <p:spPr>
+          <a:xfrm>
+            <a:off x="304800" y="304800"/>
+            <a:ext cx="4724400" cy="2554545"/>
+          </a:xfrm>
+          <a:prstGeom prst="rect">
+            <a:avLst/>
+          </a:prstGeom>
+          <a:noFill/>
+        </p:spPr>
+        <p:txBody>
+          <a:bodyPr wrap="square" rtlCol="0">
+            <a:spAutoFit/>
+          </a:bodyPr>
+          <a:lstStyle/>
+          <a:p>
+            <a:r>
+              <a:rPr lang="en-US" sz="3200" dirty="0" smtClean="0"/>
+              <a:t>First “</a:t>
+            </a:r>
+            <a:r>
+              <a:rPr lang="en-US" sz="3200" dirty="0" err="1" smtClean="0"/>
+              <a:t>RainDrop</a:t>
+            </a:r>
+            <a:r>
+              <a:rPr lang="en-US" sz="3200" dirty="0" smtClean="0"/>
+              <a:t>” sim:</a:t>
+            </a:r>
+          </a:p>
+          <a:p>
+            <a:r>
+              <a:rPr lang="en-US" sz="3200" dirty="0" smtClean="0"/>
+              <a:t>Coupling - ?</a:t>
+            </a:r>
+            <a:endParaRPr lang="en-US" sz="3200" dirty="0"/>
+          </a:p>
+          <a:p>
+            <a:r>
+              <a:rPr lang="en-US" sz="3200" dirty="0" smtClean="0"/>
+              <a:t>Cohesion – ?</a:t>
+            </a:r>
+          </a:p>
+          <a:p>
+            <a:endParaRPr lang="en-US" sz="3200" dirty="0"/>
+          </a:p>
+          <a:p>
+            <a:endParaRPr lang="en-US" sz="3200" dirty="0"/>
+          </a:p>
+        </p:txBody>
+      </p:sp>
+      <p:pic>
+        <p:nvPicPr>
+          <p:cNvPr id="4" name="Picture 3"/>
+          <p:cNvPicPr>
+            <a:picLocks noChangeAspect="1"/>
+          </p:cNvPicPr>
+          <p:nvPr/>
+        </p:nvPicPr>
+        <p:blipFill rotWithShape="1">
+          <a:blip r:embed="rId2"/>
+          <a:srcRect t="19187"/>
+          <a:stretch/>
+        </p:blipFill>
+        <p:spPr>
+          <a:xfrm>
+            <a:off x="457200" y="2197768"/>
+            <a:ext cx="3144333" cy="4409001"/>
+          </a:xfrm>
+          <a:prstGeom prst="rect">
+            <a:avLst/>
+          </a:prstGeom>
+        </p:spPr>
+      </p:pic>
+    </p:spTree>
+    <p:extLst>
+      <p:ext uri="{BB962C8B-B14F-4D97-AF65-F5344CB8AC3E}">
+        <p14:creationId xmlns:p14="http://schemas.microsoft.com/office/powerpoint/2010/main" val="1914385675"/>
+      </p:ext>
+    </p:extLst>
+  </p:cSld>
+  <p:clrMapOvr>
+    <a:masterClrMapping/>
+  </p:clrMapOvr>
+  <p:timing>
+    <p:tnLst>
+      <p:par>
+        <p:cTn id="1" dur="indefinite" restart="never" nodeType="tmRoot"/>
+      </p:par>
+    </p:tnLst>
+  </p:timing>
+</p:sld>
+</file>
+
+<file path=ppt/slides/slide13.xml><?xml version="1.0" encoding="utf-8"?>
+<p:sld xmlns:a="http://schemas.openxmlformats.org/drawingml/2006/main" xmlns:r="http://schemas.openxmlformats.org/officeDocument/2006/relationships" xmlns:p="http://schemas.openxmlformats.org/presentationml/2006/main">
+  <p:cSld>
+    <p:spTree>
+      <p:nvGrpSpPr>
+        <p:cNvPr id="1" name=""/>
+        <p:cNvGrpSpPr/>
+        <p:nvPr/>
+      </p:nvGrpSpPr>
+      <p:grpSpPr>
+        <a:xfrm>
+          <a:off x="0" y="0"/>
+          <a:ext cx="0" cy="0"/>
+          <a:chOff x="0" y="0"/>
+          <a:chExt cx="0" cy="0"/>
+        </a:xfrm>
+      </p:grpSpPr>
+      <p:pic>
+        <p:nvPicPr>
+          <p:cNvPr id="2" name="Picture 1"/>
+          <p:cNvPicPr>
+            <a:picLocks noChangeAspect="1"/>
+          </p:cNvPicPr>
+          <p:nvPr/>
+        </p:nvPicPr>
+        <p:blipFill rotWithShape="1">
+          <a:blip r:embed="rId2"/>
+          <a:srcRect l="590" t="2403" r="-1"/>
+          <a:stretch/>
+        </p:blipFill>
+        <p:spPr>
+          <a:xfrm>
+            <a:off x="180657" y="3276600"/>
+            <a:ext cx="5802205" cy="3351294"/>
+          </a:xfrm>
+          <a:prstGeom prst="rect">
+            <a:avLst/>
+          </a:prstGeom>
+        </p:spPr>
+      </p:pic>
+      <p:sp>
+        <p:nvSpPr>
+          <p:cNvPr id="3" name="Rectangle 2"/>
+          <p:cNvSpPr/>
+          <p:nvPr/>
+        </p:nvSpPr>
+        <p:spPr>
+          <a:xfrm>
+            <a:off x="5367605" y="1771857"/>
+            <a:ext cx="3724096" cy="646331"/>
+          </a:xfrm>
+          <a:prstGeom prst="rect">
+            <a:avLst/>
+          </a:prstGeom>
+        </p:spPr>
+        <p:txBody>
+          <a:bodyPr wrap="none">
+            <a:spAutoFit/>
+          </a:bodyPr>
+          <a:lstStyle/>
+          <a:p>
+            <a:r>
+              <a:rPr lang="en-US" dirty="0">
+                <a:hlinkClick r:id="rId3"/>
+              </a:rPr>
+              <a:t>https://graphviz.gitlab.io/download</a:t>
+            </a:r>
+            <a:r>
+              <a:rPr lang="en-US" dirty="0" smtClean="0">
+                <a:hlinkClick r:id="rId3"/>
+              </a:rPr>
+              <a:t>/</a:t>
+            </a:r>
+            <a:endParaRPr lang="en-US" dirty="0" smtClean="0"/>
+          </a:p>
+          <a:p>
+            <a:r>
+              <a:rPr lang="en-US" dirty="0" smtClean="0"/>
+              <a:t>Windows Stable Installed (</a:t>
+            </a:r>
+            <a:r>
+              <a:rPr lang="en-US" dirty="0" err="1" smtClean="0"/>
+              <a:t>msi</a:t>
+            </a:r>
+            <a:r>
+              <a:rPr lang="en-US" dirty="0" smtClean="0"/>
+              <a:t>)</a:t>
+            </a:r>
+            <a:endParaRPr lang="en-US" dirty="0"/>
+          </a:p>
+        </p:txBody>
+      </p:sp>
+      <p:pic>
+        <p:nvPicPr>
+          <p:cNvPr id="4" name="Picture 3"/>
+          <p:cNvPicPr>
+            <a:picLocks noChangeAspect="1"/>
+          </p:cNvPicPr>
+          <p:nvPr/>
+        </p:nvPicPr>
+        <p:blipFill>
+          <a:blip r:embed="rId4"/>
+          <a:stretch>
+            <a:fillRect/>
+          </a:stretch>
+        </p:blipFill>
+        <p:spPr>
+          <a:xfrm>
+            <a:off x="6276337" y="4055947"/>
+            <a:ext cx="2857500" cy="2419350"/>
+          </a:xfrm>
+          <a:prstGeom prst="rect">
+            <a:avLst/>
+          </a:prstGeom>
+        </p:spPr>
+      </p:pic>
+      <p:sp>
+        <p:nvSpPr>
+          <p:cNvPr id="5" name="Rectangle 4"/>
+          <p:cNvSpPr/>
+          <p:nvPr/>
+        </p:nvSpPr>
+        <p:spPr>
+          <a:xfrm>
+            <a:off x="5562600" y="1217142"/>
+            <a:ext cx="3031599" cy="369332"/>
+          </a:xfrm>
+          <a:prstGeom prst="rect">
+            <a:avLst/>
+          </a:prstGeom>
+        </p:spPr>
+        <p:txBody>
+          <a:bodyPr wrap="none">
+            <a:spAutoFit/>
+          </a:bodyPr>
+          <a:lstStyle/>
+          <a:p>
+            <a:r>
+              <a:rPr lang="en-US" dirty="0">
+                <a:hlinkClick r:id="rId5"/>
+              </a:rPr>
+              <a:t>https://plantuml.com/eclipse</a:t>
+            </a:r>
+            <a:endParaRPr lang="en-US" dirty="0"/>
+          </a:p>
+        </p:txBody>
+      </p:sp>
+      <p:pic>
+        <p:nvPicPr>
+          <p:cNvPr id="6" name="Picture 5"/>
+          <p:cNvPicPr>
+            <a:picLocks noChangeAspect="1"/>
+          </p:cNvPicPr>
+          <p:nvPr/>
+        </p:nvPicPr>
+        <p:blipFill rotWithShape="1">
+          <a:blip r:embed="rId6"/>
+          <a:srcRect t="1645"/>
+          <a:stretch/>
+        </p:blipFill>
+        <p:spPr>
+          <a:xfrm>
+            <a:off x="117323" y="76200"/>
+            <a:ext cx="2964437" cy="3095560"/>
+          </a:xfrm>
+          <a:prstGeom prst="rect">
+            <a:avLst/>
+          </a:prstGeom>
+        </p:spPr>
+      </p:pic>
+      <p:sp>
+        <p:nvSpPr>
+          <p:cNvPr id="7" name="TextBox 6"/>
+          <p:cNvSpPr txBox="1"/>
+          <p:nvPr/>
+        </p:nvSpPr>
+        <p:spPr>
+          <a:xfrm>
+            <a:off x="3276600" y="152400"/>
+            <a:ext cx="5780942" cy="707886"/>
+          </a:xfrm>
+          <a:prstGeom prst="rect">
+            <a:avLst/>
+          </a:prstGeom>
+          <a:noFill/>
+        </p:spPr>
+        <p:txBody>
+          <a:bodyPr wrap="none" rtlCol="0">
+            <a:spAutoFit/>
+          </a:bodyPr>
+          <a:lstStyle/>
+          <a:p>
+            <a:r>
+              <a:rPr lang="en-US" sz="4000" dirty="0" err="1" smtClean="0"/>
+              <a:t>PlantUML</a:t>
+            </a:r>
+            <a:r>
+              <a:rPr lang="en-US" sz="4000" dirty="0" smtClean="0"/>
+              <a:t> Eclipse Plugin</a:t>
+            </a:r>
+            <a:endParaRPr lang="en-US" sz="4000" dirty="0"/>
+          </a:p>
+        </p:txBody>
+      </p:sp>
+      <p:sp>
+        <p:nvSpPr>
+          <p:cNvPr id="8" name="Down Arrow 7"/>
+          <p:cNvSpPr/>
+          <p:nvPr/>
+        </p:nvSpPr>
+        <p:spPr>
+          <a:xfrm flipV="1">
+            <a:off x="6648962" y="2476500"/>
+            <a:ext cx="580691" cy="1600200"/>
+          </a:xfrm>
+          <a:prstGeom prst="downArrow">
+            <a:avLst/>
+          </a:prstGeom>
+        </p:spPr>
+        <p:style>
+          <a:lnRef idx="2">
+            <a:schemeClr val="accent1">
+              <a:shade val="50000"/>
+            </a:schemeClr>
+          </a:lnRef>
+          <a:fillRef idx="1">
+            <a:schemeClr val="accent1"/>
+          </a:fillRef>
+          <a:effectRef idx="0">
+            <a:schemeClr val="accent1"/>
+          </a:effectRef>
+          <a:fontRef idx="minor">
+            <a:schemeClr val="lt1"/>
+          </a:fontRef>
+        </p:style>
+        <p:txBody>
+          <a:bodyPr rtlCol="0" anchor="ctr"/>
+          <a:lstStyle/>
+          <a:p>
+            <a:pPr algn="ctr"/>
+            <a:endParaRPr lang="en-US"/>
+          </a:p>
+        </p:txBody>
+      </p:sp>
+      <p:sp>
+        <p:nvSpPr>
+          <p:cNvPr id="9" name="TextBox 8"/>
+          <p:cNvSpPr txBox="1"/>
+          <p:nvPr/>
+        </p:nvSpPr>
+        <p:spPr>
+          <a:xfrm>
+            <a:off x="7138101" y="3155660"/>
+            <a:ext cx="1809150" cy="369332"/>
+          </a:xfrm>
+          <a:prstGeom prst="rect">
+            <a:avLst/>
+          </a:prstGeom>
+          <a:noFill/>
+        </p:spPr>
+        <p:txBody>
+          <a:bodyPr wrap="none" rtlCol="0">
+            <a:spAutoFit/>
+          </a:bodyPr>
+          <a:lstStyle/>
+          <a:p>
+            <a:r>
+              <a:rPr lang="en-US" dirty="0" smtClean="0"/>
+              <a:t>Install </a:t>
+            </a:r>
+            <a:r>
+              <a:rPr lang="en-US" dirty="0" err="1" smtClean="0"/>
+              <a:t>Graphviz</a:t>
+            </a:r>
+            <a:endParaRPr lang="en-US" dirty="0"/>
+          </a:p>
+        </p:txBody>
+      </p:sp>
+      <p:sp>
+        <p:nvSpPr>
+          <p:cNvPr id="12" name="Right Arrow 11"/>
+          <p:cNvSpPr/>
+          <p:nvPr/>
+        </p:nvSpPr>
+        <p:spPr>
+          <a:xfrm flipH="1">
+            <a:off x="1752600" y="2406940"/>
+            <a:ext cx="1828800" cy="587230"/>
+          </a:xfrm>
+          <a:prstGeom prst="rightArrow">
+            <a:avLst/>
+          </a:prstGeom>
+        </p:spPr>
+        <p:style>
+          <a:lnRef idx="2">
+            <a:schemeClr val="accent1">
+              <a:shade val="50000"/>
+            </a:schemeClr>
+          </a:lnRef>
+          <a:fillRef idx="1">
+            <a:schemeClr val="accent1"/>
+          </a:fillRef>
+          <a:effectRef idx="0">
+            <a:schemeClr val="accent1"/>
+          </a:effectRef>
+          <a:fontRef idx="minor">
+            <a:schemeClr val="lt1"/>
+          </a:fontRef>
+        </p:style>
+        <p:txBody>
+          <a:bodyPr rtlCol="0" anchor="ctr"/>
+          <a:lstStyle/>
+          <a:p>
+            <a:pPr algn="ctr"/>
+            <a:endParaRPr lang="en-US"/>
+          </a:p>
+        </p:txBody>
+      </p:sp>
+      <p:sp>
+        <p:nvSpPr>
+          <p:cNvPr id="13" name="Right Arrow 12"/>
+          <p:cNvSpPr/>
+          <p:nvPr/>
+        </p:nvSpPr>
+        <p:spPr>
+          <a:xfrm flipH="1">
+            <a:off x="1224581" y="4424799"/>
+            <a:ext cx="1828800" cy="587230"/>
+          </a:xfrm>
+          <a:prstGeom prst="rightArrow">
+            <a:avLst/>
+          </a:prstGeom>
+        </p:spPr>
+        <p:style>
+          <a:lnRef idx="2">
+            <a:schemeClr val="accent1">
+              <a:shade val="50000"/>
+            </a:schemeClr>
+          </a:lnRef>
+          <a:fillRef idx="1">
+            <a:schemeClr val="accent1"/>
+          </a:fillRef>
+          <a:effectRef idx="0">
+            <a:schemeClr val="accent1"/>
+          </a:effectRef>
+          <a:fontRef idx="minor">
+            <a:schemeClr val="lt1"/>
+          </a:fontRef>
+        </p:style>
+        <p:txBody>
+          <a:bodyPr rtlCol="0" anchor="ctr"/>
+          <a:lstStyle/>
+          <a:p>
+            <a:pPr algn="ctr"/>
+            <a:endParaRPr lang="en-US"/>
+          </a:p>
+        </p:txBody>
+      </p:sp>
+      <p:sp>
+        <p:nvSpPr>
+          <p:cNvPr id="14" name="Right Arrow 13"/>
+          <p:cNvSpPr/>
+          <p:nvPr/>
+        </p:nvSpPr>
+        <p:spPr>
+          <a:xfrm flipH="1">
+            <a:off x="685141" y="73871"/>
+            <a:ext cx="1828800" cy="587230"/>
+          </a:xfrm>
+          <a:prstGeom prst="rightArrow">
+            <a:avLst/>
+          </a:prstGeom>
+        </p:spPr>
+        <p:style>
+          <a:lnRef idx="2">
+            <a:schemeClr val="accent1">
+              <a:shade val="50000"/>
+            </a:schemeClr>
+          </a:lnRef>
+          <a:fillRef idx="1">
+            <a:schemeClr val="accent1"/>
+          </a:fillRef>
+          <a:effectRef idx="0">
+            <a:schemeClr val="accent1"/>
+          </a:effectRef>
+          <a:fontRef idx="minor">
+            <a:schemeClr val="lt1"/>
+          </a:fontRef>
+        </p:style>
+        <p:txBody>
+          <a:bodyPr rtlCol="0" anchor="ctr"/>
+          <a:lstStyle/>
+          <a:p>
+            <a:pPr algn="ctr"/>
+            <a:endParaRPr lang="en-US"/>
+          </a:p>
+        </p:txBody>
+      </p:sp>
+    </p:spTree>
+    <p:extLst>
+      <p:ext uri="{BB962C8B-B14F-4D97-AF65-F5344CB8AC3E}">
+        <p14:creationId xmlns:p14="http://schemas.microsoft.com/office/powerpoint/2010/main" val="779622604"/>
+      </p:ext>
+    </p:extLst>
+  </p:cSld>
+  <p:clrMapOvr>
+    <a:masterClrMapping/>
+  </p:clrMapOvr>
+  <p:timing>
+    <p:tnLst>
+      <p:par>
+        <p:cTn id="1" dur="indefinite" restart="never" nodeType="tmRoot"/>
+      </p:par>
+    </p:tnLst>
+  </p:timing>
+</p:sld>
+</file>
+
+<file path=ppt/slides/slide14.xml><?xml version="1.0" encoding="utf-8"?>
+<p:sld xmlns:a="http://schemas.openxmlformats.org/drawingml/2006/main" xmlns:r="http://schemas.openxmlformats.org/officeDocument/2006/relationships" xmlns:p="http://schemas.openxmlformats.org/presentationml/2006/main">
+  <p:cSld>
+    <p:spTree>
+      <p:nvGrpSpPr>
+        <p:cNvPr id="1" name=""/>
+        <p:cNvGrpSpPr/>
+        <p:nvPr/>
+      </p:nvGrpSpPr>
+      <p:grpSpPr>
+        <a:xfrm>
+          <a:off x="0" y="0"/>
+          <a:ext cx="0" cy="0"/>
+          <a:chOff x="0" y="0"/>
+          <a:chExt cx="0" cy="0"/>
+        </a:xfrm>
+      </p:grpSpPr>
+      <p:pic>
+        <p:nvPicPr>
+          <p:cNvPr id="2" name="Picture 1"/>
+          <p:cNvPicPr>
+            <a:picLocks noChangeAspect="1"/>
+          </p:cNvPicPr>
+          <p:nvPr/>
+        </p:nvPicPr>
+        <p:blipFill rotWithShape="1">
+          <a:blip r:embed="rId2"/>
+          <a:srcRect l="2003"/>
+          <a:stretch/>
+        </p:blipFill>
+        <p:spPr>
+          <a:xfrm>
+            <a:off x="144379" y="419230"/>
+            <a:ext cx="4800600" cy="5242363"/>
+          </a:xfrm>
+          <a:prstGeom prst="rect">
+            <a:avLst/>
+          </a:prstGeom>
+        </p:spPr>
+      </p:pic>
+      <p:pic>
+        <p:nvPicPr>
+          <p:cNvPr id="3" name="Picture 2"/>
+          <p:cNvPicPr>
+            <a:picLocks noChangeAspect="1"/>
+          </p:cNvPicPr>
+          <p:nvPr/>
+        </p:nvPicPr>
+        <p:blipFill>
+          <a:blip r:embed="rId3"/>
+          <a:stretch>
+            <a:fillRect/>
+          </a:stretch>
+        </p:blipFill>
+        <p:spPr>
+          <a:xfrm>
+            <a:off x="5073316" y="533662"/>
+            <a:ext cx="4006516" cy="5013501"/>
+          </a:xfrm>
+          <a:prstGeom prst="rect">
+            <a:avLst/>
+          </a:prstGeom>
+        </p:spPr>
+      </p:pic>
+    </p:spTree>
+    <p:extLst>
+      <p:ext uri="{BB962C8B-B14F-4D97-AF65-F5344CB8AC3E}">
+        <p14:creationId xmlns:p14="http://schemas.microsoft.com/office/powerpoint/2010/main" val="4214807830"/>
+      </p:ext>
+    </p:extLst>
+  </p:cSld>
+  <p:clrMapOvr>
+    <a:masterClrMapping/>
+  </p:clrMapOvr>
+  <p:timing>
+    <p:tnLst>
+      <p:par>
+        <p:cTn id="1" dur="indefinite" restart="never" nodeType="tmRoot"/>
+      </p:par>
+    </p:tnLst>
+  </p:timing>
+</p:sld>
+</file>
+
+<file path=ppt/slides/slide15.xml><?xml version="1.0" encoding="utf-8"?>
+<p:sld xmlns:a="http://schemas.openxmlformats.org/drawingml/2006/main" xmlns:r="http://schemas.openxmlformats.org/officeDocument/2006/relationships" xmlns:p="http://schemas.openxmlformats.org/presentationml/2006/main">
+  <p:cSld>
+    <p:spTree>
+      <p:nvGrpSpPr>
+        <p:cNvPr id="1" name=""/>
+        <p:cNvGrpSpPr/>
+        <p:nvPr/>
+      </p:nvGrpSpPr>
+      <p:grpSpPr>
+        <a:xfrm>
+          <a:off x="0" y="0"/>
+          <a:ext cx="0" cy="0"/>
+          <a:chOff x="0" y="0"/>
+          <a:chExt cx="0" cy="0"/>
+        </a:xfrm>
+      </p:grpSpPr>
+      <p:pic>
+        <p:nvPicPr>
+          <p:cNvPr id="2" name="Picture 1"/>
+          <p:cNvPicPr>
+            <a:picLocks noChangeAspect="1"/>
+          </p:cNvPicPr>
+          <p:nvPr/>
+        </p:nvPicPr>
+        <p:blipFill>
+          <a:blip r:embed="rId2"/>
+          <a:stretch>
+            <a:fillRect/>
+          </a:stretch>
+        </p:blipFill>
+        <p:spPr>
+          <a:xfrm>
+            <a:off x="124326" y="0"/>
+            <a:ext cx="8991600" cy="6721642"/>
+          </a:xfrm>
+          <a:prstGeom prst="rect">
+            <a:avLst/>
+          </a:prstGeom>
+        </p:spPr>
+      </p:pic>
+      <p:sp>
+        <p:nvSpPr>
+          <p:cNvPr id="3" name="TextBox 2"/>
+          <p:cNvSpPr txBox="1"/>
+          <p:nvPr/>
+        </p:nvSpPr>
+        <p:spPr>
+          <a:xfrm>
+            <a:off x="228600" y="2514600"/>
+            <a:ext cx="2492990" cy="1200329"/>
+          </a:xfrm>
+          <a:prstGeom prst="rect">
+            <a:avLst/>
+          </a:prstGeom>
+          <a:noFill/>
+        </p:spPr>
+        <p:txBody>
+          <a:bodyPr wrap="none" rtlCol="0">
+            <a:spAutoFit/>
+          </a:bodyPr>
+          <a:lstStyle/>
+          <a:p>
+            <a:r>
+              <a:rPr lang="en-US" sz="3600" dirty="0" smtClean="0"/>
+              <a:t>Information</a:t>
+            </a:r>
+          </a:p>
+          <a:p>
+            <a:r>
+              <a:rPr lang="en-US" sz="3600" dirty="0" smtClean="0"/>
+              <a:t>Overload!</a:t>
+            </a:r>
+            <a:endParaRPr lang="en-US" sz="3600" dirty="0"/>
+          </a:p>
+        </p:txBody>
+      </p:sp>
+    </p:spTree>
+    <p:extLst>
+      <p:ext uri="{BB962C8B-B14F-4D97-AF65-F5344CB8AC3E}">
+        <p14:creationId xmlns:p14="http://schemas.microsoft.com/office/powerpoint/2010/main" val="1360244471"/>
+      </p:ext>
+    </p:extLst>
+  </p:cSld>
+  <p:clrMapOvr>
+    <a:masterClrMapping/>
+  </p:clrMapOvr>
+  <p:timing>
+    <p:tnLst>
+      <p:par>
+        <p:cTn id="1" dur="indefinite" restart="never" nodeType="tmRoot"/>
+      </p:par>
+    </p:tnLst>
+  </p:timing>
+</p:sld>
+</file>
+
+<file path=ppt/slides/slide16.xml><?xml version="1.0" encoding="utf-8"?>
+<p:sld xmlns:a="http://schemas.openxmlformats.org/drawingml/2006/main" xmlns:r="http://schemas.openxmlformats.org/officeDocument/2006/relationships" xmlns:p="http://schemas.openxmlformats.org/presentationml/2006/main">
+  <p:cSld>
+    <p:spTree>
+      <p:nvGrpSpPr>
+        <p:cNvPr id="1" name=""/>
+        <p:cNvGrpSpPr/>
+        <p:nvPr/>
+      </p:nvGrpSpPr>
+      <p:grpSpPr>
+        <a:xfrm>
+          <a:off x="0" y="0"/>
+          <a:ext cx="0" cy="0"/>
+          <a:chOff x="0" y="0"/>
+          <a:chExt cx="0" cy="0"/>
+        </a:xfrm>
+      </p:grpSpPr>
+      <p:pic>
+        <p:nvPicPr>
+          <p:cNvPr id="1026" name="Picture 2" descr="PlantUML diagram"/>
+          <p:cNvPicPr>
+            <a:picLocks noChangeAspect="1" noChangeArrowheads="1"/>
+          </p:cNvPicPr>
+          <p:nvPr/>
+        </p:nvPicPr>
+        <p:blipFill>
+          <a:blip r:embed="rId2">
+            <a:extLst>
+              <a:ext uri="{28A0092B-C50C-407E-A947-70E740481C1C}">
+                <a14:useLocalDpi xmlns:a14="http://schemas.microsoft.com/office/drawing/2010/main" val="0"/>
+              </a:ext>
+            </a:extLst>
+          </a:blip>
+          <a:srcRect/>
+          <a:stretch>
+            <a:fillRect/>
+          </a:stretch>
+        </p:blipFill>
+        <p:spPr bwMode="auto">
+          <a:xfrm>
+            <a:off x="405174" y="1447800"/>
+            <a:ext cx="7772400" cy="5086350"/>
+          </a:xfrm>
+          <a:prstGeom prst="rect">
+            <a:avLst/>
+          </a:prstGeom>
+          <a:noFill/>
+          <a:extLst>
+            <a:ext uri="{909E8E84-426E-40DD-AFC4-6F175D3DCCD1}">
+              <a14:hiddenFill xmlns:a14="http://schemas.microsoft.com/office/drawing/2010/main">
+                <a:solidFill>
+                  <a:srgbClr val="FFFFFF"/>
+                </a:solidFill>
+              </a14:hiddenFill>
+            </a:ext>
+          </a:extLst>
+        </p:spPr>
+      </p:pic>
+      <p:pic>
+        <p:nvPicPr>
+          <p:cNvPr id="2" name="Picture 1"/>
+          <p:cNvPicPr>
+            <a:picLocks noChangeAspect="1"/>
+          </p:cNvPicPr>
+          <p:nvPr/>
+        </p:nvPicPr>
+        <p:blipFill rotWithShape="1">
+          <a:blip r:embed="rId3"/>
+          <a:srcRect t="21428" r="15080"/>
+          <a:stretch/>
+        </p:blipFill>
+        <p:spPr>
+          <a:xfrm>
+            <a:off x="152400" y="36786"/>
+            <a:ext cx="2133600" cy="1422400"/>
+          </a:xfrm>
+          <a:prstGeom prst="rect">
+            <a:avLst/>
+          </a:prstGeom>
+          <a:ln>
+            <a:noFill/>
+          </a:ln>
+          <a:effectLst>
+            <a:outerShdw blurRad="190500" algn="tl" rotWithShape="0">
+              <a:srgbClr val="000000">
+                <a:alpha val="70000"/>
+              </a:srgbClr>
+            </a:outerShdw>
+          </a:effectLst>
+        </p:spPr>
+      </p:pic>
+      <p:sp>
+        <p:nvSpPr>
+          <p:cNvPr id="3" name="TextBox 2"/>
+          <p:cNvSpPr txBox="1"/>
+          <p:nvPr/>
+        </p:nvSpPr>
+        <p:spPr>
+          <a:xfrm>
+            <a:off x="2269709" y="228600"/>
+            <a:ext cx="3581400" cy="830997"/>
+          </a:xfrm>
+          <a:prstGeom prst="rect">
+            <a:avLst/>
+          </a:prstGeom>
+          <a:noFill/>
+        </p:spPr>
+        <p:txBody>
+          <a:bodyPr wrap="square" rtlCol="0">
+            <a:spAutoFit/>
+          </a:bodyPr>
+          <a:lstStyle/>
+          <a:p>
+            <a:r>
+              <a:rPr lang="en-US" sz="2400" dirty="0" smtClean="0"/>
+              <a:t>&lt;- Copy UML source and </a:t>
+            </a:r>
+          </a:p>
+          <a:p>
+            <a:r>
+              <a:rPr lang="en-US" sz="2400" dirty="0" smtClean="0"/>
+              <a:t>then remove extra  -&gt;</a:t>
+            </a:r>
+            <a:endParaRPr lang="en-US" sz="2400" dirty="0"/>
+          </a:p>
+        </p:txBody>
+      </p:sp>
+      <p:pic>
+        <p:nvPicPr>
+          <p:cNvPr id="4" name="Picture 3"/>
+          <p:cNvPicPr>
+            <a:picLocks noChangeAspect="1"/>
+          </p:cNvPicPr>
+          <p:nvPr/>
+        </p:nvPicPr>
+        <p:blipFill>
+          <a:blip r:embed="rId4"/>
+          <a:stretch>
+            <a:fillRect/>
+          </a:stretch>
+        </p:blipFill>
+        <p:spPr>
+          <a:xfrm>
+            <a:off x="5834818" y="108936"/>
+            <a:ext cx="3205032" cy="1981201"/>
+          </a:xfrm>
+          <a:prstGeom prst="rect">
+            <a:avLst/>
+          </a:prstGeom>
+          <a:ln>
+            <a:noFill/>
+          </a:ln>
+          <a:effectLst>
+            <a:outerShdw blurRad="190500" algn="tl" rotWithShape="0">
+              <a:srgbClr val="000000">
+                <a:alpha val="70000"/>
+              </a:srgbClr>
+            </a:outerShdw>
+          </a:effectLst>
+        </p:spPr>
+      </p:pic>
+    </p:spTree>
+    <p:extLst>
+      <p:ext uri="{BB962C8B-B14F-4D97-AF65-F5344CB8AC3E}">
+        <p14:creationId xmlns:p14="http://schemas.microsoft.com/office/powerpoint/2010/main" val="3925319569"/>
+      </p:ext>
+    </p:extLst>
+  </p:cSld>
+  <p:clrMapOvr>
+    <a:masterClrMapping/>
+  </p:clrMapOvr>
+  <p:timing>
+    <p:tnLst>
+      <p:par>
+        <p:cTn id="1" dur="indefinite" restart="never" nodeType="tmRoot"/>
+      </p:par>
+    </p:tnLst>
+  </p:timing>
+</p:sld>
+</file>
+
+<file path=ppt/slides/slide17.xml><?xml version="1.0" encoding="utf-8"?>
+<p:sld xmlns:a="http://schemas.openxmlformats.org/drawingml/2006/main" xmlns:r="http://schemas.openxmlformats.org/officeDocument/2006/relationships" xmlns:p="http://schemas.openxmlformats.org/presentationml/2006/main">
+  <p:cSld>
+    <p:spTree>
+      <p:nvGrpSpPr>
+        <p:cNvPr id="1" name=""/>
+        <p:cNvGrpSpPr/>
+        <p:nvPr/>
+      </p:nvGrpSpPr>
+      <p:grpSpPr>
+        <a:xfrm>
+          <a:off x="0" y="0"/>
+          <a:ext cx="0" cy="0"/>
+          <a:chOff x="0" y="0"/>
+          <a:chExt cx="0" cy="0"/>
+        </a:xfrm>
+      </p:grpSpPr>
+      <p:sp>
+        <p:nvSpPr>
+          <p:cNvPr id="2" name="TextBox 1"/>
+          <p:cNvSpPr txBox="1"/>
+          <p:nvPr/>
+        </p:nvSpPr>
+        <p:spPr>
+          <a:xfrm>
+            <a:off x="179766" y="228600"/>
+            <a:ext cx="8820043" cy="7109639"/>
+          </a:xfrm>
+          <a:prstGeom prst="rect">
+            <a:avLst/>
+          </a:prstGeom>
+          <a:noFill/>
+        </p:spPr>
+        <p:txBody>
+          <a:bodyPr wrap="none" rtlCol="0">
+            <a:spAutoFit/>
+          </a:bodyPr>
+          <a:lstStyle/>
+          <a:p>
+            <a:pPr algn="ctr"/>
+            <a:r>
+              <a:rPr lang="en-US" sz="4000" b="1" dirty="0" smtClean="0"/>
+              <a:t>Final Project Advice:</a:t>
+            </a:r>
+          </a:p>
+          <a:p>
+            <a:pPr marL="742950" indent="-742950">
+              <a:buAutoNum type="arabicPeriod"/>
+            </a:pPr>
+            <a:r>
+              <a:rPr lang="en-US" sz="3200" dirty="0" smtClean="0"/>
+              <a:t>Pull, Edit, Pull, Commit + Push</a:t>
+            </a:r>
+          </a:p>
+          <a:p>
+            <a:pPr marL="742950" indent="-742950">
+              <a:buAutoNum type="arabicPeriod"/>
+            </a:pPr>
+            <a:r>
+              <a:rPr lang="en-US" sz="3200" dirty="0" smtClean="0"/>
+              <a:t>Only Commit working code</a:t>
+            </a:r>
+          </a:p>
+          <a:p>
+            <a:pPr marL="742950" indent="-742950">
+              <a:buAutoNum type="arabicPeriod"/>
+            </a:pPr>
+            <a:r>
+              <a:rPr lang="en-US" sz="3200" dirty="0" smtClean="0"/>
+              <a:t>Each Commit: smallest testable chunk</a:t>
+            </a:r>
+          </a:p>
+          <a:p>
+            <a:pPr marL="742950" indent="-742950">
+              <a:buAutoNum type="arabicPeriod"/>
+            </a:pPr>
+            <a:r>
+              <a:rPr lang="en-US" sz="3200" dirty="0" smtClean="0"/>
+              <a:t>No Major revisions after M3</a:t>
+            </a:r>
+          </a:p>
+          <a:p>
+            <a:pPr marL="742950" indent="-742950">
+              <a:buAutoNum type="arabicPeriod"/>
+            </a:pPr>
+            <a:r>
+              <a:rPr lang="en-US" sz="3200" b="1" u="sng" dirty="0" smtClean="0"/>
+              <a:t>Debugging Problem?</a:t>
+            </a:r>
+          </a:p>
+          <a:p>
+            <a:pPr marL="1200150" lvl="1" indent="-742950">
+              <a:buFont typeface="+mj-lt"/>
+              <a:buAutoNum type="alphaUcPeriod"/>
+            </a:pPr>
+            <a:r>
+              <a:rPr lang="en-US" sz="3200" dirty="0" smtClean="0"/>
+              <a:t>Is the code running where you think it is?</a:t>
+            </a:r>
+          </a:p>
+          <a:p>
+            <a:pPr marL="1200150" lvl="1" indent="-742950">
+              <a:buFont typeface="+mj-lt"/>
+              <a:buAutoNum type="alphaUcPeriod"/>
+            </a:pPr>
+            <a:r>
+              <a:rPr lang="en-US" sz="3200" dirty="0" smtClean="0"/>
+              <a:t>Are the values what you think they are?</a:t>
+            </a:r>
+          </a:p>
+          <a:p>
+            <a:pPr lvl="2"/>
+            <a:r>
+              <a:rPr lang="en-US" sz="3200" dirty="0" smtClean="0">
+                <a:latin typeface="+mj-lt"/>
+              </a:rPr>
+              <a:t>public static final </a:t>
+            </a:r>
+            <a:r>
+              <a:rPr lang="en-US" sz="3200" dirty="0" err="1" smtClean="0">
+                <a:latin typeface="+mj-lt"/>
+              </a:rPr>
+              <a:t>int</a:t>
+            </a:r>
+            <a:r>
+              <a:rPr lang="en-US" sz="3200" dirty="0" smtClean="0">
+                <a:latin typeface="+mj-lt"/>
+              </a:rPr>
+              <a:t> LOG_LEVEL=0;</a:t>
+            </a:r>
+          </a:p>
+          <a:p>
+            <a:pPr lvl="2"/>
+            <a:r>
+              <a:rPr lang="en-US" sz="3200" dirty="0" smtClean="0">
+                <a:latin typeface="+mj-lt"/>
+              </a:rPr>
+              <a:t>…</a:t>
+            </a:r>
+          </a:p>
+          <a:p>
+            <a:pPr lvl="2"/>
+            <a:r>
+              <a:rPr lang="en-US" sz="3200" dirty="0" smtClean="0">
+                <a:latin typeface="+mj-lt"/>
+              </a:rPr>
+              <a:t>if (LOG_LEVEL &gt; 0) </a:t>
+            </a:r>
+            <a:r>
+              <a:rPr lang="en-US" sz="3200" dirty="0" err="1">
+                <a:latin typeface="+mj-lt"/>
+              </a:rPr>
+              <a:t>System.out.println</a:t>
+            </a:r>
+            <a:r>
+              <a:rPr lang="en-US" sz="3200" dirty="0" smtClean="0">
+                <a:latin typeface="+mj-lt"/>
+              </a:rPr>
+              <a:t>();</a:t>
+            </a:r>
+            <a:endParaRPr lang="en-US" sz="3200" dirty="0" smtClean="0"/>
+          </a:p>
+          <a:p>
+            <a:pPr marL="1200150" lvl="1" indent="-742950">
+              <a:buFont typeface="+mj-lt"/>
+              <a:buAutoNum type="alphaUcPeriod"/>
+            </a:pPr>
+            <a:r>
+              <a:rPr lang="en-US" sz="3200" dirty="0" smtClean="0"/>
+              <a:t>The debugger is your friend!</a:t>
+            </a:r>
+          </a:p>
+          <a:p>
+            <a:pPr marL="1200150" lvl="1" indent="-742950">
+              <a:buAutoNum type="alphaUcPeriod"/>
+            </a:pPr>
+            <a:endParaRPr lang="en-US" sz="3200" dirty="0" smtClean="0"/>
+          </a:p>
+          <a:p>
+            <a:pPr marL="1200150" lvl="1" indent="-742950">
+              <a:buAutoNum type="alphaUcPeriod"/>
+            </a:pPr>
+            <a:endParaRPr lang="en-US" sz="3200" dirty="0"/>
+          </a:p>
+        </p:txBody>
+      </p:sp>
+    </p:spTree>
+    <p:extLst>
+      <p:ext uri="{BB962C8B-B14F-4D97-AF65-F5344CB8AC3E}">
+        <p14:creationId xmlns:p14="http://schemas.microsoft.com/office/powerpoint/2010/main" val="1537618969"/>
+      </p:ext>
+    </p:extLst>
+  </p:cSld>
+  <p:clrMapOvr>
+    <a:masterClrMapping/>
+  </p:clrMapOvr>
+  <p:timing>
+    <p:tnLst>
+      <p:par>
+        <p:cTn id="1" dur="indefinite" restart="never" nodeType="tmRoot"/>
+      </p:par>
+    </p:tnLst>
+  </p:timing>
+</p:sld>
+</file>
+
+<file path=ppt/slides/slide18.xml><?xml version="1.0" encoding="utf-8"?>
+<p:sld xmlns:a="http://schemas.openxmlformats.org/drawingml/2006/main" xmlns:r="http://schemas.openxmlformats.org/officeDocument/2006/relationships" xmlns:p="http://schemas.openxmlformats.org/presentationml/2006/main">
+  <p:cSld>
+    <p:spTree>
+      <p:nvGrpSpPr>
+        <p:cNvPr id="1" name=""/>
+        <p:cNvGrpSpPr/>
+        <p:nvPr/>
+      </p:nvGrpSpPr>
+      <p:grpSpPr>
+        <a:xfrm>
+          <a:off x="0" y="0"/>
+          <a:ext cx="0" cy="0"/>
+          <a:chOff x="0" y="0"/>
+          <a:chExt cx="0" cy="0"/>
+        </a:xfrm>
+      </p:grpSpPr>
+      <p:sp>
+        <p:nvSpPr>
+          <p:cNvPr id="2" name="Rectangle 1"/>
+          <p:cNvSpPr/>
+          <p:nvPr/>
+        </p:nvSpPr>
+        <p:spPr>
+          <a:xfrm>
+            <a:off x="2057400" y="152400"/>
+            <a:ext cx="6019800" cy="738664"/>
+          </a:xfrm>
+          <a:prstGeom prst="rect">
+            <a:avLst/>
+          </a:prstGeom>
+        </p:spPr>
+        <p:txBody>
+          <a:bodyPr wrap="square">
+            <a:spAutoFit/>
+          </a:bodyPr>
+          <a:lstStyle/>
+          <a:p>
+            <a:pPr algn="ctr"/>
+            <a:r>
+              <a:rPr lang="en-US" sz="2400" b="1" dirty="0" smtClean="0"/>
+              <a:t>Sounds of Sorting</a:t>
+            </a:r>
+            <a:endParaRPr lang="en-US" sz="2400" b="1" dirty="0" smtClean="0">
+              <a:hlinkClick r:id="rId3"/>
+            </a:endParaRPr>
+          </a:p>
+          <a:p>
+            <a:r>
+              <a:rPr lang="en-US" dirty="0" smtClean="0">
+                <a:hlinkClick r:id="rId3"/>
+              </a:rPr>
+              <a:t>https</a:t>
+            </a:r>
+            <a:r>
+              <a:rPr lang="en-US" dirty="0">
+                <a:hlinkClick r:id="rId3"/>
+              </a:rPr>
+              <a:t>://www.youtube.com/watch?v=kPRA0W1kECg</a:t>
+            </a:r>
+            <a:endParaRPr lang="en-US" dirty="0"/>
+          </a:p>
+        </p:txBody>
+      </p:sp>
+      <p:pic>
+        <p:nvPicPr>
+          <p:cNvPr id="3" name="kPRA0W1kECg"/>
+          <p:cNvPicPr>
+            <a:picLocks noRot="1" noChangeAspect="1"/>
+          </p:cNvPicPr>
+          <p:nvPr>
+            <a:videoFile r:link="rId1"/>
+          </p:nvPr>
+        </p:nvPicPr>
+        <p:blipFill>
+          <a:blip r:embed="rId4"/>
+          <a:stretch>
+            <a:fillRect/>
+          </a:stretch>
+        </p:blipFill>
+        <p:spPr>
+          <a:xfrm>
+            <a:off x="152400" y="1371600"/>
+            <a:ext cx="8805333" cy="4953000"/>
+          </a:xfrm>
+          <a:prstGeom prst="rect">
+            <a:avLst/>
+          </a:prstGeom>
+        </p:spPr>
+      </p:pic>
+    </p:spTree>
+    <p:extLst>
+      <p:ext uri="{BB962C8B-B14F-4D97-AF65-F5344CB8AC3E}">
+        <p14:creationId xmlns:p14="http://schemas.microsoft.com/office/powerpoint/2010/main" val="3682146539"/>
+      </p:ext>
+    </p:extLst>
+  </p:cSld>
+  <p:clrMapOvr>
+    <a:masterClrMapping/>
+  </p:clrMapOvr>
+  <p:timing>
+    <p:tnLst>
+      <p:par>
+        <p:cTn id="1" dur="indefinite" restart="never" nodeType="tmRoot"/>
+      </p:par>
+    </p:tnLst>
+  </p:timing>
+</p:sld>
+</file>
+
 <file path=ppt/slides/slide2.xml><?xml version="1.0" encoding="utf-8"?>
 <p:sld xmlns:a="http://schemas.openxmlformats.org/drawingml/2006/main" xmlns:r="http://schemas.openxmlformats.org/officeDocument/2006/relationships" xmlns:p="http://schemas.openxmlformats.org/presentationml/2006/main">
   <p:cSld>
@@ -4988,13 +7634,24 @@
             <p:ph idx="1"/>
           </p:nvPr>
         </p:nvSpPr>
-        <p:spPr/>
+        <p:spPr>
+          <a:xfrm>
+            <a:off x="457200" y="1600200"/>
+            <a:ext cx="8229600" cy="4525963"/>
+          </a:xfrm>
+        </p:spPr>
         <p:txBody>
           <a:bodyPr/>
           <a:lstStyle/>
           <a:p>
             <a:r>
               <a:rPr lang="en-US" dirty="0" smtClean="0"/>
+              <a:t>Review Sorts (Insertion, Selection)</a:t>
+            </a:r>
+          </a:p>
+          <a:p>
+            <a:r>
+              <a:rPr lang="en-US" dirty="0" smtClean="0"/>
               <a:t>Big-oh practice</a:t>
             </a:r>
           </a:p>
@@ -5005,10 +7662,83 @@
             </a:r>
           </a:p>
           <a:p>
+            <a:r>
+              <a:rPr lang="en-US" dirty="0" smtClean="0"/>
+              <a:t>Presentation Guidelines </a:t>
+            </a:r>
+          </a:p>
+          <a:p>
+            <a:pPr lvl="1"/>
+            <a:r>
+              <a:rPr lang="en-US" dirty="0" smtClean="0"/>
+              <a:t>(1 week from today!)</a:t>
+            </a:r>
+          </a:p>
+          <a:p>
             <a:endParaRPr lang="en-US" dirty="0" smtClean="0"/>
           </a:p>
         </p:txBody>
       </p:sp>
+      <p:pic>
+        <p:nvPicPr>
+          <p:cNvPr id="2" name="Picture 1"/>
+          <p:cNvPicPr>
+            <a:picLocks noChangeAspect="1"/>
+          </p:cNvPicPr>
+          <p:nvPr/>
+        </p:nvPicPr>
+        <p:blipFill>
+          <a:blip r:embed="rId2">
+            <a:extLst>
+              <a:ext uri="{28A0092B-C50C-407E-A947-70E740481C1C}">
+                <a14:useLocalDpi xmlns:a14="http://schemas.microsoft.com/office/drawing/2010/main" val="0"/>
+              </a:ext>
+            </a:extLst>
+          </a:blip>
+          <a:stretch>
+            <a:fillRect/>
+          </a:stretch>
+        </p:blipFill>
+        <p:spPr>
+          <a:xfrm>
+            <a:off x="609600" y="3880340"/>
+            <a:ext cx="4800600" cy="2880360"/>
+          </a:xfrm>
+          <a:prstGeom prst="rect">
+            <a:avLst/>
+          </a:prstGeom>
+        </p:spPr>
+      </p:pic>
+      <p:pic>
+        <p:nvPicPr>
+          <p:cNvPr id="3" name="Picture 2"/>
+          <p:cNvPicPr>
+            <a:picLocks noChangeAspect="1"/>
+          </p:cNvPicPr>
+          <p:nvPr/>
+        </p:nvPicPr>
+        <p:blipFill>
+          <a:blip r:embed="rId3">
+            <a:extLst>
+              <a:ext uri="{28A0092B-C50C-407E-A947-70E740481C1C}">
+                <a14:useLocalDpi xmlns:a14="http://schemas.microsoft.com/office/drawing/2010/main" val="0"/>
+              </a:ext>
+            </a:extLst>
+          </a:blip>
+          <a:stretch>
+            <a:fillRect/>
+          </a:stretch>
+        </p:blipFill>
+        <p:spPr>
+          <a:xfrm>
+            <a:off x="7010400" y="152400"/>
+            <a:ext cx="1752600" cy="6502146"/>
+          </a:xfrm>
+          <a:prstGeom prst="rect">
+            <a:avLst/>
+          </a:prstGeom>
+        </p:spPr>
+      </p:pic>
     </p:spTree>
     <p:extLst>
       <p:ext uri="{BB962C8B-B14F-4D97-AF65-F5344CB8AC3E}">
@@ -5173,6 +7903,630 @@
 </file>
 
 <file path=ppt/slides/slide4.xml><?xml version="1.0" encoding="utf-8"?>
+<p:sld xmlns:a="http://schemas.openxmlformats.org/drawingml/2006/main" xmlns:r="http://schemas.openxmlformats.org/officeDocument/2006/relationships" xmlns:p="http://schemas.openxmlformats.org/presentationml/2006/main">
+  <p:cSld>
+    <p:spTree>
+      <p:nvGrpSpPr>
+        <p:cNvPr id="1" name=""/>
+        <p:cNvGrpSpPr/>
+        <p:nvPr/>
+      </p:nvGrpSpPr>
+      <p:grpSpPr>
+        <a:xfrm>
+          <a:off x="0" y="0"/>
+          <a:ext cx="0" cy="0"/>
+          <a:chOff x="0" y="0"/>
+          <a:chExt cx="0" cy="0"/>
+        </a:xfrm>
+      </p:grpSpPr>
+      <p:sp>
+        <p:nvSpPr>
+          <p:cNvPr id="3" name="Title 2"/>
+          <p:cNvSpPr>
+            <a:spLocks noGrp="1"/>
+          </p:cNvSpPr>
+          <p:nvPr>
+            <p:ph type="title"/>
+          </p:nvPr>
+        </p:nvSpPr>
+        <p:spPr>
+          <a:xfrm>
+            <a:off x="457200" y="274638"/>
+            <a:ext cx="2971800" cy="1477962"/>
+          </a:xfrm>
+        </p:spPr>
+        <p:txBody>
+          <a:bodyPr>
+            <a:normAutofit/>
+          </a:bodyPr>
+          <a:lstStyle/>
+          <a:p>
+            <a:pPr>
+              <a:defRPr/>
+            </a:pPr>
+            <a:r>
+              <a:rPr lang="en-US" dirty="0" smtClean="0"/>
+              <a:t/>
+            </a:r>
+            <a:br>
+              <a:rPr lang="en-US" dirty="0" smtClean="0"/>
+            </a:br>
+            <a:r>
+              <a:rPr lang="en-US" dirty="0" smtClean="0"/>
+              <a:t>Merge Sort</a:t>
+            </a:r>
+            <a:endParaRPr lang="en-US" dirty="0"/>
+          </a:p>
+        </p:txBody>
+      </p:sp>
+      <p:sp>
+        <p:nvSpPr>
+          <p:cNvPr id="8" name="Content Placeholder 1"/>
+          <p:cNvSpPr>
+            <a:spLocks noGrp="1"/>
+          </p:cNvSpPr>
+          <p:nvPr>
+            <p:ph idx="1"/>
+          </p:nvPr>
+        </p:nvSpPr>
+        <p:spPr>
+          <a:xfrm>
+            <a:off x="3733800" y="198438"/>
+            <a:ext cx="5295900" cy="1869558"/>
+          </a:xfrm>
+          <a:ln>
+            <a:solidFill>
+              <a:schemeClr val="accent1"/>
+            </a:solidFill>
+          </a:ln>
+        </p:spPr>
+        <p:txBody>
+          <a:bodyPr>
+            <a:normAutofit lnSpcReduction="10000"/>
+          </a:bodyPr>
+          <a:lstStyle/>
+          <a:p>
+            <a:pPr>
+              <a:buNone/>
+            </a:pPr>
+            <a:r>
+              <a:rPr lang="en-US" sz="1800" dirty="0" smtClean="0"/>
+              <a:t>If list is length 0 or 1,</a:t>
+            </a:r>
+            <a:br>
+              <a:rPr lang="en-US" sz="1800" dirty="0" smtClean="0"/>
+            </a:br>
+            <a:r>
+              <a:rPr lang="en-US" sz="1800" dirty="0" smtClean="0"/>
+              <a:t>then it’s already sorted</a:t>
+            </a:r>
+          </a:p>
+          <a:p>
+            <a:r>
+              <a:rPr lang="en-US" sz="1800" dirty="0" smtClean="0"/>
+              <a:t>Otherwise:</a:t>
+            </a:r>
+          </a:p>
+          <a:p>
+            <a:pPr lvl="1"/>
+            <a:r>
+              <a:rPr lang="en-US" sz="1800" dirty="0" smtClean="0"/>
+              <a:t>Divide list into two halves</a:t>
+            </a:r>
+          </a:p>
+          <a:p>
+            <a:pPr lvl="1"/>
+            <a:r>
+              <a:rPr lang="en-US" sz="1800" dirty="0" smtClean="0"/>
+              <a:t>Recursively sort the two halves</a:t>
+            </a:r>
+          </a:p>
+          <a:p>
+            <a:pPr lvl="1"/>
+            <a:r>
+              <a:rPr lang="en-US" sz="1800" b="1" dirty="0" smtClean="0"/>
+              <a:t>Merge</a:t>
+            </a:r>
+            <a:r>
+              <a:rPr lang="en-US" sz="1800" dirty="0" smtClean="0"/>
+              <a:t> the sorted halves back together</a:t>
+            </a:r>
+          </a:p>
+        </p:txBody>
+      </p:sp>
+      <p:pic>
+        <p:nvPicPr>
+          <p:cNvPr id="40" name="Content Placeholder 5"/>
+          <p:cNvPicPr>
+            <a:picLocks noChangeAspect="1"/>
+          </p:cNvPicPr>
+          <p:nvPr/>
+        </p:nvPicPr>
+        <p:blipFill>
+          <a:blip r:embed="rId3">
+            <a:extLst>
+              <a:ext uri="{28A0092B-C50C-407E-A947-70E740481C1C}">
+                <a14:useLocalDpi xmlns:a14="http://schemas.microsoft.com/office/drawing/2010/main" val="0"/>
+              </a:ext>
+            </a:extLst>
+          </a:blip>
+          <a:stretch>
+            <a:fillRect/>
+          </a:stretch>
+        </p:blipFill>
+        <p:spPr>
+          <a:xfrm>
+            <a:off x="762000" y="2209800"/>
+            <a:ext cx="7543800" cy="4526280"/>
+          </a:xfrm>
+          <a:prstGeom prst="rect">
+            <a:avLst/>
+          </a:prstGeom>
+        </p:spPr>
+      </p:pic>
+    </p:spTree>
+  </p:cSld>
+  <p:clrMapOvr>
+    <a:masterClrMapping/>
+  </p:clrMapOvr>
+  <mc:AlternateContent xmlns:mc="http://schemas.openxmlformats.org/markup-compatibility/2006" xmlns:p14="http://schemas.microsoft.com/office/powerpoint/2010/main">
+    <mc:Choice Requires="p14">
+      <p:transition spd="med" p14:dur="700">
+        <p:fade/>
+      </p:transition>
+    </mc:Choice>
+    <mc:Fallback xmlns="">
+      <p:transition spd="med">
+        <p:fade/>
+      </p:transition>
+    </mc:Fallback>
+  </mc:AlternateContent>
+  <p:timing>
+    <p:tnLst>
+      <p:par>
+        <p:cTn id="1" dur="indefinite" restart="never" nodeType="tmRoot"/>
+      </p:par>
+    </p:tnLst>
+  </p:timing>
+</p:sld>
+</file>
+
+<file path=ppt/slides/slide5.xml><?xml version="1.0" encoding="utf-8"?>
+<p:sld xmlns:a="http://schemas.openxmlformats.org/drawingml/2006/main" xmlns:r="http://schemas.openxmlformats.org/officeDocument/2006/relationships" xmlns:p="http://schemas.openxmlformats.org/presentationml/2006/main">
+  <p:cSld>
+    <p:spTree>
+      <p:nvGrpSpPr>
+        <p:cNvPr id="1" name=""/>
+        <p:cNvGrpSpPr/>
+        <p:nvPr/>
+      </p:nvGrpSpPr>
+      <p:grpSpPr>
+        <a:xfrm>
+          <a:off x="0" y="0"/>
+          <a:ext cx="0" cy="0"/>
+          <a:chOff x="0" y="0"/>
+          <a:chExt cx="0" cy="0"/>
+        </a:xfrm>
+      </p:grpSpPr>
+      <p:sp>
+        <p:nvSpPr>
+          <p:cNvPr id="3" name="Title 2"/>
+          <p:cNvSpPr>
+            <a:spLocks noGrp="1"/>
+          </p:cNvSpPr>
+          <p:nvPr>
+            <p:ph type="title"/>
+          </p:nvPr>
+        </p:nvSpPr>
+        <p:spPr>
+          <a:xfrm>
+            <a:off x="457200" y="274638"/>
+            <a:ext cx="2971800" cy="1477962"/>
+          </a:xfrm>
+        </p:spPr>
+        <p:txBody>
+          <a:bodyPr>
+            <a:normAutofit/>
+          </a:bodyPr>
+          <a:lstStyle/>
+          <a:p>
+            <a:pPr>
+              <a:defRPr/>
+            </a:pPr>
+            <a:r>
+              <a:rPr lang="en-US" dirty="0" smtClean="0"/>
+              <a:t/>
+            </a:r>
+            <a:br>
+              <a:rPr lang="en-US" dirty="0" smtClean="0"/>
+            </a:br>
+            <a:r>
+              <a:rPr lang="en-US" dirty="0" smtClean="0"/>
+              <a:t>Merge Sort</a:t>
+            </a:r>
+            <a:endParaRPr lang="en-US" dirty="0"/>
+          </a:p>
+        </p:txBody>
+      </p:sp>
+      <p:sp>
+        <p:nvSpPr>
+          <p:cNvPr id="8" name="Content Placeholder 1"/>
+          <p:cNvSpPr>
+            <a:spLocks noGrp="1"/>
+          </p:cNvSpPr>
+          <p:nvPr>
+            <p:ph idx="1"/>
+          </p:nvPr>
+        </p:nvSpPr>
+        <p:spPr>
+          <a:xfrm>
+            <a:off x="3733800" y="198438"/>
+            <a:ext cx="5295900" cy="1869558"/>
+          </a:xfrm>
+          <a:ln>
+            <a:solidFill>
+              <a:schemeClr val="accent1"/>
+            </a:solidFill>
+          </a:ln>
+        </p:spPr>
+        <p:txBody>
+          <a:bodyPr>
+            <a:normAutofit lnSpcReduction="10000"/>
+          </a:bodyPr>
+          <a:lstStyle/>
+          <a:p>
+            <a:pPr>
+              <a:buNone/>
+            </a:pPr>
+            <a:r>
+              <a:rPr lang="en-US" sz="1800" dirty="0" smtClean="0"/>
+              <a:t>If list is length 0 or 1,</a:t>
+            </a:r>
+            <a:br>
+              <a:rPr lang="en-US" sz="1800" dirty="0" smtClean="0"/>
+            </a:br>
+            <a:r>
+              <a:rPr lang="en-US" sz="1800" dirty="0" smtClean="0"/>
+              <a:t>then it’s already sorted</a:t>
+            </a:r>
+          </a:p>
+          <a:p>
+            <a:r>
+              <a:rPr lang="en-US" sz="1800" dirty="0" smtClean="0"/>
+              <a:t>Otherwise:</a:t>
+            </a:r>
+          </a:p>
+          <a:p>
+            <a:pPr lvl="1"/>
+            <a:r>
+              <a:rPr lang="en-US" sz="1800" dirty="0" smtClean="0"/>
+              <a:t>Divide list into two halves</a:t>
+            </a:r>
+          </a:p>
+          <a:p>
+            <a:pPr lvl="1"/>
+            <a:r>
+              <a:rPr lang="en-US" sz="1800" dirty="0" smtClean="0"/>
+              <a:t>Recursively sort the two halves</a:t>
+            </a:r>
+          </a:p>
+          <a:p>
+            <a:pPr lvl="1"/>
+            <a:r>
+              <a:rPr lang="en-US" sz="1800" b="1" dirty="0" smtClean="0"/>
+              <a:t>Merge</a:t>
+            </a:r>
+            <a:r>
+              <a:rPr lang="en-US" sz="1800" dirty="0" smtClean="0"/>
+              <a:t> the sorted halves back together</a:t>
+            </a:r>
+          </a:p>
+        </p:txBody>
+      </p:sp>
+      <p:pic>
+        <p:nvPicPr>
+          <p:cNvPr id="5" name="Picture 2" descr="https://upload.wikimedia.org/wikipedia/commons/thumb/e/e6/Merge_sort_algorithm_diagram.svg/927px-Merge_sort_algorithm_diagram.svg.png"/>
+          <p:cNvPicPr>
+            <a:picLocks noChangeAspect="1" noChangeArrowheads="1"/>
+          </p:cNvPicPr>
+          <p:nvPr/>
+        </p:nvPicPr>
+        <p:blipFill>
+          <a:blip r:embed="rId3">
+            <a:extLst>
+              <a:ext uri="{28A0092B-C50C-407E-A947-70E740481C1C}">
+                <a14:useLocalDpi xmlns:a14="http://schemas.microsoft.com/office/drawing/2010/main" val="0"/>
+              </a:ext>
+            </a:extLst>
+          </a:blip>
+          <a:srcRect/>
+          <a:stretch>
+            <a:fillRect/>
+          </a:stretch>
+        </p:blipFill>
+        <p:spPr bwMode="auto">
+          <a:xfrm>
+            <a:off x="3657600" y="2183862"/>
+            <a:ext cx="4852101" cy="4674138"/>
+          </a:xfrm>
+          <a:prstGeom prst="rect">
+            <a:avLst/>
+          </a:prstGeom>
+          <a:noFill/>
+          <a:extLst>
+            <a:ext uri="{909E8E84-426E-40DD-AFC4-6F175D3DCCD1}">
+              <a14:hiddenFill xmlns:a14="http://schemas.microsoft.com/office/drawing/2010/main">
+                <a:solidFill>
+                  <a:srgbClr val="FFFFFF"/>
+                </a:solidFill>
+              </a14:hiddenFill>
+            </a:ext>
+          </a:extLst>
+        </p:spPr>
+      </p:pic>
+      <p:sp>
+        <p:nvSpPr>
+          <p:cNvPr id="6" name="Content Placeholder 2"/>
+          <p:cNvSpPr txBox="1">
+            <a:spLocks/>
+          </p:cNvSpPr>
+          <p:nvPr/>
+        </p:nvSpPr>
+        <p:spPr>
+          <a:xfrm>
+            <a:off x="76200" y="3048000"/>
+            <a:ext cx="3897236" cy="4525963"/>
+          </a:xfrm>
+          <a:prstGeom prst="rect">
+            <a:avLst/>
+          </a:prstGeom>
+        </p:spPr>
+        <p:txBody>
+          <a:bodyPr vert="horz" lIns="91440" tIns="45720" rIns="91440" bIns="45720" rtlCol="0">
+            <a:normAutofit/>
+          </a:bodyPr>
+          <a:lstStyle>
+            <a:lvl1pPr marL="342900" indent="-342900" algn="l" defTabSz="914400" rtl="0" eaLnBrk="1" latinLnBrk="0" hangingPunct="1">
+              <a:spcBef>
+                <a:spcPct val="20000"/>
+              </a:spcBef>
+              <a:buFont typeface="Arial" panose="020B0604020202020204" pitchFamily="34" charset="0"/>
+              <a:buChar char="•"/>
+              <a:defRPr sz="3200" kern="1200">
+                <a:solidFill>
+                  <a:schemeClr val="tx1"/>
+                </a:solidFill>
+                <a:latin typeface="+mn-lt"/>
+                <a:ea typeface="+mn-ea"/>
+                <a:cs typeface="+mn-cs"/>
+              </a:defRPr>
+            </a:lvl1pPr>
+            <a:lvl2pPr marL="742950" indent="-285750" algn="l" defTabSz="914400" rtl="0" eaLnBrk="1" latinLnBrk="0" hangingPunct="1">
+              <a:spcBef>
+                <a:spcPct val="20000"/>
+              </a:spcBef>
+              <a:buFont typeface="Arial" panose="020B0604020202020204" pitchFamily="34" charset="0"/>
+              <a:buChar char="–"/>
+              <a:defRPr sz="2800" kern="1200">
+                <a:solidFill>
+                  <a:schemeClr val="tx1"/>
+                </a:solidFill>
+                <a:latin typeface="+mn-lt"/>
+                <a:ea typeface="+mn-ea"/>
+                <a:cs typeface="+mn-cs"/>
+              </a:defRPr>
+            </a:lvl2pPr>
+            <a:lvl3pPr marL="1143000" indent="-228600" algn="l" defTabSz="914400" rtl="0" eaLnBrk="1" latinLnBrk="0" hangingPunct="1">
+              <a:spcBef>
+                <a:spcPct val="20000"/>
+              </a:spcBef>
+              <a:buFont typeface="Arial" panose="020B0604020202020204" pitchFamily="34" charset="0"/>
+              <a:buChar char="•"/>
+              <a:defRPr sz="2400" kern="1200">
+                <a:solidFill>
+                  <a:schemeClr val="tx1"/>
+                </a:solidFill>
+                <a:latin typeface="+mn-lt"/>
+                <a:ea typeface="+mn-ea"/>
+                <a:cs typeface="+mn-cs"/>
+              </a:defRPr>
+            </a:lvl3pPr>
+            <a:lvl4pPr marL="1600200" indent="-228600" algn="l" defTabSz="914400" rtl="0" eaLnBrk="1" latinLnBrk="0" hangingPunct="1">
+              <a:spcBef>
+                <a:spcPct val="20000"/>
+              </a:spcBef>
+              <a:buFont typeface="Arial" panose="020B0604020202020204" pitchFamily="34" charset="0"/>
+              <a:buChar char="–"/>
+              <a:defRPr sz="2000" kern="1200">
+                <a:solidFill>
+                  <a:schemeClr val="tx1"/>
+                </a:solidFill>
+                <a:latin typeface="+mn-lt"/>
+                <a:ea typeface="+mn-ea"/>
+                <a:cs typeface="+mn-cs"/>
+              </a:defRPr>
+            </a:lvl4pPr>
+            <a:lvl5pPr marL="2057400" indent="-228600" algn="l" defTabSz="914400" rtl="0" eaLnBrk="1" latinLnBrk="0" hangingPunct="1">
+              <a:spcBef>
+                <a:spcPct val="20000"/>
+              </a:spcBef>
+              <a:buFont typeface="Arial" panose="020B0604020202020204" pitchFamily="34" charset="0"/>
+              <a:buChar char="»"/>
+              <a:defRPr sz="2000" kern="1200">
+                <a:solidFill>
+                  <a:schemeClr val="tx1"/>
+                </a:solidFill>
+                <a:latin typeface="+mn-lt"/>
+                <a:ea typeface="+mn-ea"/>
+                <a:cs typeface="+mn-cs"/>
+              </a:defRPr>
+            </a:lvl5pPr>
+            <a:lvl6pPr marL="2514600" indent="-228600" algn="l" defTabSz="914400" rtl="0" eaLnBrk="1" latinLnBrk="0" hangingPunct="1">
+              <a:spcBef>
+                <a:spcPct val="20000"/>
+              </a:spcBef>
+              <a:buFont typeface="Arial" panose="020B0604020202020204" pitchFamily="34" charset="0"/>
+              <a:buChar char="•"/>
+              <a:defRPr sz="2000" kern="1200">
+                <a:solidFill>
+                  <a:schemeClr val="tx1"/>
+                </a:solidFill>
+                <a:latin typeface="+mn-lt"/>
+                <a:ea typeface="+mn-ea"/>
+                <a:cs typeface="+mn-cs"/>
+              </a:defRPr>
+            </a:lvl6pPr>
+            <a:lvl7pPr marL="2971800" indent="-228600" algn="l" defTabSz="914400" rtl="0" eaLnBrk="1" latinLnBrk="0" hangingPunct="1">
+              <a:spcBef>
+                <a:spcPct val="20000"/>
+              </a:spcBef>
+              <a:buFont typeface="Arial" panose="020B0604020202020204" pitchFamily="34" charset="0"/>
+              <a:buChar char="•"/>
+              <a:defRPr sz="2000" kern="1200">
+                <a:solidFill>
+                  <a:schemeClr val="tx1"/>
+                </a:solidFill>
+                <a:latin typeface="+mn-lt"/>
+                <a:ea typeface="+mn-ea"/>
+                <a:cs typeface="+mn-cs"/>
+              </a:defRPr>
+            </a:lvl7pPr>
+            <a:lvl8pPr marL="3429000" indent="-228600" algn="l" defTabSz="914400" rtl="0" eaLnBrk="1" latinLnBrk="0" hangingPunct="1">
+              <a:spcBef>
+                <a:spcPct val="20000"/>
+              </a:spcBef>
+              <a:buFont typeface="Arial" panose="020B0604020202020204" pitchFamily="34" charset="0"/>
+              <a:buChar char="•"/>
+              <a:defRPr sz="2000" kern="1200">
+                <a:solidFill>
+                  <a:schemeClr val="tx1"/>
+                </a:solidFill>
+                <a:latin typeface="+mn-lt"/>
+                <a:ea typeface="+mn-ea"/>
+                <a:cs typeface="+mn-cs"/>
+              </a:defRPr>
+            </a:lvl8pPr>
+            <a:lvl9pPr marL="3886200" indent="-228600" algn="l" defTabSz="914400" rtl="0" eaLnBrk="1" latinLnBrk="0" hangingPunct="1">
+              <a:spcBef>
+                <a:spcPct val="20000"/>
+              </a:spcBef>
+              <a:buFont typeface="Arial" panose="020B0604020202020204" pitchFamily="34" charset="0"/>
+              <a:buChar char="•"/>
+              <a:defRPr sz="2000" kern="1200">
+                <a:solidFill>
+                  <a:schemeClr val="tx1"/>
+                </a:solidFill>
+                <a:latin typeface="+mn-lt"/>
+                <a:ea typeface="+mn-ea"/>
+                <a:cs typeface="+mn-cs"/>
+              </a:defRPr>
+            </a:lvl9pPr>
+          </a:lstStyle>
+          <a:p>
+            <a:pPr fontAlgn="auto">
+              <a:spcAft>
+                <a:spcPts val="0"/>
+              </a:spcAft>
+            </a:pPr>
+            <a:r>
+              <a:rPr lang="en-US" dirty="0" smtClean="0">
+                <a:solidFill>
+                  <a:srgbClr val="FF0000"/>
+                </a:solidFill>
+              </a:rPr>
+              <a:t>Red: Dividing -&gt;</a:t>
+            </a:r>
+          </a:p>
+          <a:p>
+            <a:pPr fontAlgn="auto">
+              <a:spcAft>
+                <a:spcPts val="0"/>
+              </a:spcAft>
+            </a:pPr>
+            <a:endParaRPr lang="en-US" dirty="0" smtClean="0">
+              <a:solidFill>
+                <a:srgbClr val="FF0000"/>
+              </a:solidFill>
+            </a:endParaRPr>
+          </a:p>
+          <a:p>
+            <a:pPr fontAlgn="auto">
+              <a:spcAft>
+                <a:spcPts val="0"/>
+              </a:spcAft>
+            </a:pPr>
+            <a:r>
+              <a:rPr lang="en-US" dirty="0" smtClean="0"/>
+              <a:t>7 sorted lists -&gt;</a:t>
+            </a:r>
+          </a:p>
+          <a:p>
+            <a:pPr fontAlgn="auto">
+              <a:spcAft>
+                <a:spcPts val="0"/>
+              </a:spcAft>
+            </a:pPr>
+            <a:endParaRPr lang="en-US" dirty="0" smtClean="0">
+              <a:solidFill>
+                <a:srgbClr val="FF0000"/>
+              </a:solidFill>
+            </a:endParaRPr>
+          </a:p>
+          <a:p>
+            <a:pPr fontAlgn="auto">
+              <a:spcAft>
+                <a:spcPts val="0"/>
+              </a:spcAft>
+            </a:pPr>
+            <a:r>
+              <a:rPr lang="en-US" dirty="0" smtClean="0">
+                <a:solidFill>
+                  <a:srgbClr val="00B050"/>
+                </a:solidFill>
+              </a:rPr>
+              <a:t>Green: Merging -&gt;</a:t>
+            </a:r>
+            <a:endParaRPr lang="en-US" dirty="0">
+              <a:solidFill>
+                <a:srgbClr val="00B050"/>
+              </a:solidFill>
+            </a:endParaRPr>
+          </a:p>
+        </p:txBody>
+      </p:sp>
+    </p:spTree>
+    <p:extLst>
+      <p:ext uri="{BB962C8B-B14F-4D97-AF65-F5344CB8AC3E}">
+        <p14:creationId xmlns:p14="http://schemas.microsoft.com/office/powerpoint/2010/main" val="3686374159"/>
+      </p:ext>
+    </p:extLst>
+  </p:cSld>
+  <p:clrMapOvr>
+    <a:masterClrMapping/>
+  </p:clrMapOvr>
+  <mc:AlternateContent xmlns:mc="http://schemas.openxmlformats.org/markup-compatibility/2006" xmlns:p14="http://schemas.microsoft.com/office/powerpoint/2010/main">
+    <mc:Choice Requires="p14">
+      <p:transition spd="med" p14:dur="700">
+        <p:fade/>
+      </p:transition>
+    </mc:Choice>
+    <mc:Fallback xmlns="">
+      <p:transition spd="med">
+        <p:fade/>
+      </p:transition>
+    </mc:Fallback>
+  </mc:AlternateContent>
+  <p:timing>
+    <p:tnLst>
+      <p:par>
+        <p:cTn id="1" dur="indefinite" restart="never" nodeType="tmRoot"/>
+      </p:par>
+    </p:tnLst>
+  </p:timing>
+</p:sld>
+</file>
+
+<file path=ppt/slides/slide6.xml><?xml version="1.0" encoding="utf-8"?>
 <p:sld xmlns:a="http://schemas.openxmlformats.org/drawingml/2006/main" xmlns:r="http://schemas.openxmlformats.org/officeDocument/2006/relationships" xmlns:p="http://schemas.openxmlformats.org/presentationml/2006/main">
   <p:cSld>
     <p:spTree>
@@ -6474,6 +9828,11 @@
         </p:txBody>
       </p:sp>
     </p:spTree>
+    <p:extLst>
+      <p:ext uri="{BB962C8B-B14F-4D97-AF65-F5344CB8AC3E}">
+        <p14:creationId xmlns:p14="http://schemas.microsoft.com/office/powerpoint/2010/main" val="1942888041"/>
+      </p:ext>
+    </p:extLst>
   </p:cSld>
   <p:clrMapOvr>
     <a:masterClrMapping/>
@@ -7129,7 +10488,7 @@
 </p:sld>
 </file>
 
-<file path=ppt/slides/slide5.xml><?xml version="1.0" encoding="utf-8"?>
+<file path=ppt/slides/slide7.xml><?xml version="1.0" encoding="utf-8"?>
 <p:sld xmlns:a="http://schemas.openxmlformats.org/drawingml/2006/main" xmlns:r="http://schemas.openxmlformats.org/officeDocument/2006/relationships" xmlns:p="http://schemas.openxmlformats.org/presentationml/2006/main">
   <p:cSld>
     <p:spTree>
@@ -7148,6 +10507,204 @@
       </p:grpSpPr>
       <p:sp>
         <p:nvSpPr>
+          <p:cNvPr id="2" name="Title 1"/>
+          <p:cNvSpPr>
+            <a:spLocks noGrp="1"/>
+          </p:cNvSpPr>
+          <p:nvPr>
+            <p:ph type="title"/>
+          </p:nvPr>
+        </p:nvSpPr>
+        <p:spPr/>
+        <p:txBody>
+          <a:bodyPr/>
+          <a:lstStyle/>
+          <a:p>
+            <a:r>
+              <a:rPr lang="en-US" dirty="0" smtClean="0"/>
+              <a:t>Work on </a:t>
+            </a:r>
+            <a:r>
+              <a:rPr lang="en-US" dirty="0" err="1" smtClean="0"/>
+              <a:t>MergeSort</a:t>
+            </a:r>
+            <a:r>
+              <a:rPr lang="en-US" u="sng" dirty="0" err="1" smtClean="0"/>
+              <a:t>Simple</a:t>
+            </a:r>
+            <a:endParaRPr lang="en-US" u="sng" dirty="0"/>
+          </a:p>
+        </p:txBody>
+      </p:sp>
+      <p:sp>
+        <p:nvSpPr>
+          <p:cNvPr id="3" name="Content Placeholder 2"/>
+          <p:cNvSpPr>
+            <a:spLocks noGrp="1"/>
+          </p:cNvSpPr>
+          <p:nvPr>
+            <p:ph idx="1"/>
+          </p:nvPr>
+        </p:nvSpPr>
+        <p:spPr/>
+        <p:txBody>
+          <a:bodyPr/>
+          <a:lstStyle/>
+          <a:p>
+            <a:r>
+              <a:rPr lang="en-US" dirty="0" smtClean="0"/>
+              <a:t>Simpler with a String</a:t>
+            </a:r>
+          </a:p>
+          <a:p>
+            <a:r>
+              <a:rPr lang="en-US" dirty="0" smtClean="0"/>
+              <a:t>Same general algorithm applies</a:t>
+            </a:r>
+          </a:p>
+          <a:p>
+            <a:r>
+              <a:rPr lang="en-US" u="sng" dirty="0" smtClean="0"/>
+              <a:t>Harder</a:t>
+            </a:r>
+            <a:r>
+              <a:rPr lang="en-US" dirty="0" smtClean="0"/>
+              <a:t> (more room for errors) if you track positions in array</a:t>
+            </a:r>
+            <a:endParaRPr lang="en-US" dirty="0"/>
+          </a:p>
+        </p:txBody>
+      </p:sp>
+    </p:spTree>
+    <p:extLst>
+      <p:ext uri="{BB962C8B-B14F-4D97-AF65-F5344CB8AC3E}">
+        <p14:creationId xmlns:p14="http://schemas.microsoft.com/office/powerpoint/2010/main" val="2085811604"/>
+      </p:ext>
+    </p:extLst>
+  </p:cSld>
+  <p:clrMapOvr>
+    <a:masterClrMapping/>
+  </p:clrMapOvr>
+  <p:timing>
+    <p:tnLst>
+      <p:par>
+        <p:cTn id="1" dur="indefinite" restart="never" nodeType="tmRoot"/>
+      </p:par>
+    </p:tnLst>
+  </p:timing>
+</p:sld>
+</file>
+
+<file path=ppt/slides/slide8.xml><?xml version="1.0" encoding="utf-8"?>
+<p:sld xmlns:a="http://schemas.openxmlformats.org/drawingml/2006/main" xmlns:r="http://schemas.openxmlformats.org/officeDocument/2006/relationships" xmlns:p="http://schemas.openxmlformats.org/presentationml/2006/main">
+  <p:cSld>
+    <p:spTree>
+      <p:nvGrpSpPr>
+        <p:cNvPr id="1" name=""/>
+        <p:cNvGrpSpPr/>
+        <p:nvPr/>
+      </p:nvGrpSpPr>
+      <p:grpSpPr>
+        <a:xfrm>
+          <a:off x="0" y="0"/>
+          <a:ext cx="0" cy="0"/>
+          <a:chOff x="0" y="0"/>
+          <a:chExt cx="0" cy="0"/>
+        </a:xfrm>
+      </p:grpSpPr>
+      <p:pic>
+        <p:nvPicPr>
+          <p:cNvPr id="2" name="Picture 1"/>
+          <p:cNvPicPr>
+            <a:picLocks noChangeAspect="1"/>
+          </p:cNvPicPr>
+          <p:nvPr/>
+        </p:nvPicPr>
+        <p:blipFill>
+          <a:blip r:embed="rId3"/>
+          <a:stretch>
+            <a:fillRect/>
+          </a:stretch>
+        </p:blipFill>
+        <p:spPr>
+          <a:xfrm>
+            <a:off x="20053" y="1371600"/>
+            <a:ext cx="9123947" cy="3970813"/>
+          </a:xfrm>
+          <a:prstGeom prst="rect">
+            <a:avLst/>
+          </a:prstGeom>
+        </p:spPr>
+      </p:pic>
+      <p:sp>
+        <p:nvSpPr>
+          <p:cNvPr id="3" name="TextBox 2"/>
+          <p:cNvSpPr txBox="1"/>
+          <p:nvPr/>
+        </p:nvSpPr>
+        <p:spPr>
+          <a:xfrm>
+            <a:off x="417095" y="381000"/>
+            <a:ext cx="8763000" cy="461665"/>
+          </a:xfrm>
+          <a:prstGeom prst="rect">
+            <a:avLst/>
+          </a:prstGeom>
+          <a:noFill/>
+        </p:spPr>
+        <p:txBody>
+          <a:bodyPr wrap="square" rtlCol="0">
+            <a:spAutoFit/>
+          </a:bodyPr>
+          <a:lstStyle/>
+          <a:p>
+            <a:r>
+              <a:rPr lang="en-US" sz="2400" dirty="0" smtClean="0"/>
+              <a:t>From the project specification document (ArcadeGame.docx)</a:t>
+            </a:r>
+            <a:endParaRPr lang="en-US" sz="2400" dirty="0"/>
+          </a:p>
+        </p:txBody>
+      </p:sp>
+    </p:spTree>
+    <p:extLst>
+      <p:ext uri="{BB962C8B-B14F-4D97-AF65-F5344CB8AC3E}">
+        <p14:creationId xmlns:p14="http://schemas.microsoft.com/office/powerpoint/2010/main" val="3671066369"/>
+      </p:ext>
+    </p:extLst>
+  </p:cSld>
+  <p:clrMapOvr>
+    <a:masterClrMapping/>
+  </p:clrMapOvr>
+  <p:timing>
+    <p:tnLst>
+      <p:par>
+        <p:cTn id="1" dur="indefinite" restart="never" nodeType="tmRoot"/>
+      </p:par>
+    </p:tnLst>
+  </p:timing>
+</p:sld>
+</file>
+
+<file path=ppt/slides/slide9.xml><?xml version="1.0" encoding="utf-8"?>
+<p:sld xmlns:a="http://schemas.openxmlformats.org/drawingml/2006/main" xmlns:r="http://schemas.openxmlformats.org/officeDocument/2006/relationships" xmlns:p="http://schemas.openxmlformats.org/presentationml/2006/main">
+  <p:cSld>
+    <p:spTree>
+      <p:nvGrpSpPr>
+        <p:cNvPr id="1" name=""/>
+        <p:cNvGrpSpPr/>
+        <p:nvPr/>
+      </p:nvGrpSpPr>
+      <p:grpSpPr>
+        <a:xfrm>
+          <a:off x="0" y="0"/>
+          <a:ext cx="0" cy="0"/>
+          <a:chOff x="0" y="0"/>
+          <a:chExt cx="0" cy="0"/>
+        </a:xfrm>
+      </p:grpSpPr>
+      <p:sp>
+        <p:nvSpPr>
           <p:cNvPr id="127" name="TextShape 1"/>
           <p:cNvSpPr txBox="1"/>
           <p:nvPr/>
@@ -7175,20 +10732,6 @@
               </a:lnSpc>
             </a:pPr>
             <a:r>
-              <a:rPr lang="en-US" sz="4400" spc="-1" dirty="0">
-                <a:solidFill>
-                  <a:srgbClr val="000000"/>
-                </a:solidFill>
-                <a:uFill>
-                  <a:solidFill>
-                    <a:srgbClr val="FFFFFF"/>
-                  </a:solidFill>
-                </a:uFill>
-                <a:latin typeface="Calibri"/>
-              </a:rPr>
-              <a:t>Next </a:t>
-            </a:r>
-            <a:r>
               <a:rPr lang="en-US" sz="4400" spc="-1" dirty="0" smtClean="0">
                 <a:solidFill>
                   <a:srgbClr val="000000"/>
@@ -7200,21 +10743,7 @@
                 </a:uFill>
                 <a:latin typeface="Calibri"/>
               </a:rPr>
-              <a:t>Week: </a:t>
-            </a:r>
-            <a:r>
-              <a:rPr lang="en-US" sz="4400" spc="-1" dirty="0" smtClean="0">
-                <a:solidFill>
-                  <a:srgbClr val="000000"/>
-                </a:solidFill>
-                <a:uFill>
-                  <a:solidFill>
-                    <a:srgbClr val="FFFFFF"/>
-                  </a:solidFill>
-                </a:uFill>
-                <a:latin typeface="Calibri"/>
-              </a:rPr>
-              <a:t>Your Presentations</a:t>
+              <a:t>Video: Final Project Presentations</a:t>
             </a:r>
             <a:endParaRPr lang="en-US" sz="1800" b="0" strike="noStrike" spc="-1" dirty="0">
               <a:solidFill>
@@ -7238,8 +10767,8 @@
         </p:nvSpPr>
         <p:spPr>
           <a:xfrm>
-            <a:off x="457200" y="1600200"/>
-            <a:ext cx="8229240" cy="4525560"/>
+            <a:off x="0" y="1295400"/>
+            <a:ext cx="9144000" cy="4525560"/>
           </a:xfrm>
           <a:prstGeom prst="rect">
             <a:avLst/>
@@ -7264,7 +10793,7 @@
               <a:buChar char="•"/>
             </a:pPr>
             <a:r>
-              <a:rPr lang="en-US" sz="3200" b="0" strike="noStrike" spc="-1">
+              <a:rPr lang="en-US" sz="2400" b="0" strike="noStrike" spc="-1" dirty="0" smtClean="0">
                 <a:solidFill>
                   <a:srgbClr val="000000"/>
                 </a:solidFill>
@@ -7275,8 +10804,57 @@
                 </a:uFill>
                 <a:latin typeface="Calibri"/>
               </a:rPr>
-              <a:t>8 minutes long</a:t>
-            </a:r>
+              <a:t>~7 </a:t>
+            </a:r>
+            <a:r>
+              <a:rPr lang="en-US" sz="2400" b="0" strike="noStrike" spc="-1" dirty="0">
+                <a:solidFill>
+                  <a:srgbClr val="000000"/>
+                </a:solidFill>
+                <a:uFill>
+                  <a:solidFill>
+                    <a:srgbClr val="FFFFFF"/>
+                  </a:solidFill>
+                </a:uFill>
+                <a:latin typeface="Calibri"/>
+              </a:rPr>
+              <a:t>minutes </a:t>
+            </a:r>
+            <a:r>
+              <a:rPr lang="en-US" sz="2400" b="0" strike="noStrike" spc="-1" dirty="0" smtClean="0">
+                <a:solidFill>
+                  <a:srgbClr val="000000"/>
+                </a:solidFill>
+                <a:uFill>
+                  <a:solidFill>
+                    <a:srgbClr val="FFFFFF"/>
+                  </a:solidFill>
+                </a:uFill>
+                <a:latin typeface="Calibri"/>
+              </a:rPr>
+              <a:t>long</a:t>
+            </a:r>
+          </a:p>
+          <a:p>
+            <a:pPr marL="360">
+              <a:lnSpc>
+                <a:spcPct val="100000"/>
+              </a:lnSpc>
+              <a:buClr>
+                <a:srgbClr val="000000"/>
+              </a:buClr>
+            </a:pPr>
+            <a:endParaRPr lang="en-US" sz="2400" b="0" strike="noStrike" spc="-1" dirty="0">
+              <a:solidFill>
+                <a:srgbClr val="000000"/>
+              </a:solidFill>
+              <a:uFill>
+                <a:solidFill>
+                  <a:srgbClr val="FFFFFF"/>
+                </a:solidFill>
+              </a:uFill>
+              <a:latin typeface="Calibri"/>
+            </a:endParaRPr>
           </a:p>
           <a:p>
             <a:pPr marL="343080" indent="-342720">
@@ -7290,7 +10868,7 @@
               <a:buChar char="•"/>
             </a:pPr>
             <a:r>
-              <a:rPr lang="en-US" sz="3200" b="0" strike="noStrike" spc="-1">
+              <a:rPr lang="en-US" sz="2400" b="0" strike="noStrike" spc="-1" dirty="0">
                 <a:solidFill>
                   <a:srgbClr val="000000"/>
                 </a:solidFill>
@@ -7301,8 +10879,107 @@
                 </a:uFill>
                 <a:latin typeface="Calibri"/>
               </a:rPr>
-              <a:t>~3 minutes showing off your extra features</a:t>
-            </a:r>
+              <a:t>~3 </a:t>
+            </a:r>
+            <a:r>
+              <a:rPr lang="en-US" sz="2400" b="0" strike="noStrike" spc="-1" dirty="0" smtClean="0">
+                <a:solidFill>
+                  <a:srgbClr val="000000"/>
+                </a:solidFill>
+                <a:uFill>
+                  <a:solidFill>
+                    <a:srgbClr val="FFFFFF"/>
+                  </a:solidFill>
+                </a:uFill>
+                <a:latin typeface="Calibri"/>
+              </a:rPr>
+              <a:t>min. Showing </a:t>
+            </a:r>
+            <a:r>
+              <a:rPr lang="en-US" sz="2400" b="0" strike="noStrike" spc="-1" dirty="0">
+                <a:solidFill>
+                  <a:srgbClr val="000000"/>
+                </a:solidFill>
+                <a:uFill>
+                  <a:solidFill>
+                    <a:srgbClr val="FFFFFF"/>
+                  </a:solidFill>
+                </a:uFill>
+                <a:latin typeface="Calibri"/>
+              </a:rPr>
+              <a:t>off your </a:t>
+            </a:r>
+            <a:r>
+              <a:rPr lang="en-US" sz="2400" b="1" strike="noStrike" spc="-1" dirty="0">
+                <a:solidFill>
+                  <a:srgbClr val="000000"/>
+                </a:solidFill>
+                <a:uFill>
+                  <a:solidFill>
+                    <a:srgbClr val="FFFFFF"/>
+                  </a:solidFill>
+                </a:uFill>
+                <a:latin typeface="Calibri"/>
+              </a:rPr>
+              <a:t>extra </a:t>
+            </a:r>
+            <a:r>
+              <a:rPr lang="en-US" sz="2400" b="1" strike="noStrike" spc="-1" dirty="0" smtClean="0">
+                <a:solidFill>
+                  <a:srgbClr val="000000"/>
+                </a:solidFill>
+                <a:uFill>
+                  <a:solidFill>
+                    <a:srgbClr val="FFFFFF"/>
+                  </a:solidFill>
+                </a:uFill>
+                <a:latin typeface="Calibri"/>
+              </a:rPr>
+              <a:t>features</a:t>
+            </a:r>
+          </a:p>
+          <a:p>
+            <a:pPr marL="800280" lvl="1" indent="-342720">
+              <a:buClr>
+                <a:srgbClr val="000000"/>
+              </a:buClr>
+              <a:buFont typeface="Arial"/>
+              <a:buChar char="•"/>
+            </a:pPr>
+            <a:r>
+              <a:rPr lang="en-US" sz="2400" spc="-1" dirty="0" smtClean="0">
+                <a:solidFill>
+                  <a:srgbClr val="000000"/>
+                </a:solidFill>
+                <a:uFill>
+                  <a:solidFill>
+                    <a:srgbClr val="FFFFFF"/>
+                  </a:solidFill>
+                </a:uFill>
+                <a:latin typeface="Calibri"/>
+              </a:rPr>
+              <a:t>(Preferably record a video! (live demo “Acceptable”) )</a:t>
+            </a:r>
+          </a:p>
+          <a:p>
+            <a:pPr marL="800280" lvl="1" indent="-342720">
+              <a:buClr>
+                <a:srgbClr val="000000"/>
+              </a:buClr>
+              <a:buFont typeface="Arial"/>
+              <a:buChar char="•"/>
+            </a:pPr>
+            <a:endParaRPr lang="en-US" sz="2400" b="0" strike="noStrike" spc="-1" dirty="0">
+              <a:solidFill>
+                <a:srgbClr val="000000"/>
+              </a:solidFill>
+              <a:uFill>
+                <a:solidFill>
+                  <a:srgbClr val="FFFFFF"/>
+                </a:solidFill>
+              </a:uFill>
+              <a:latin typeface="Calibri"/>
+            </a:endParaRPr>
           </a:p>
           <a:p>
             <a:pPr marL="343080" indent="-342720">
@@ -7316,7 +10993,7 @@
               <a:buChar char="•"/>
             </a:pPr>
             <a:r>
-              <a:rPr lang="en-US" sz="3200" b="0" strike="noStrike" spc="-1">
+              <a:rPr lang="en-US" sz="2400" b="0" strike="noStrike" spc="-1" dirty="0" smtClean="0">
                 <a:solidFill>
                   <a:srgbClr val="000000"/>
                 </a:solidFill>
@@ -7327,20 +11004,10 @@
                 </a:uFill>
                 <a:latin typeface="Calibri"/>
               </a:rPr>
-              <a:t>~5 minutes explaining JUST ONE technical decision in detail</a:t>
-            </a:r>
-          </a:p>
-          <a:p>
-            <a:pPr marL="864000" lvl="1" indent="-324000">
-              <a:buClr>
-                <a:srgbClr val="000000"/>
-              </a:buClr>
-              <a:buSzPct val="75000"/>
-              <a:buFont typeface="Symbol" charset="2"/>
-              <a:buChar char=""/>
-            </a:pPr>
-            <a:r>
-              <a:rPr lang="en-US" sz="3200" b="0" strike="noStrike" spc="-1">
+              <a:t>~2 min. </a:t>
+            </a:r>
+            <a:r>
+              <a:rPr lang="en-US" sz="2400" b="1" strike="noStrike" spc="-1" dirty="0" smtClean="0">
                 <a:solidFill>
                   <a:srgbClr val="000000"/>
                 </a:solidFill>
@@ -7351,9 +11018,83 @@
                 </a:uFill>
                 <a:latin typeface="Calibri"/>
               </a:rPr>
-              <a:t>Could be a design decision, feature implementation, or tricky bug</a:t>
-            </a:r>
-            <a:endParaRPr lang="en-US" sz="2400" b="0" strike="noStrike" spc="-1">
+              <a:t>Explaining your </a:t>
+            </a:r>
+            <a:r>
+              <a:rPr lang="en-US" sz="2400" b="1" spc="-1" dirty="0">
+                <a:solidFill>
+                  <a:srgbClr val="000000"/>
+                </a:solidFill>
+                <a:uFill>
+                  <a:solidFill>
+                    <a:srgbClr val="FFFFFF"/>
+                  </a:solidFill>
+                </a:uFill>
+                <a:latin typeface="Calibri"/>
+              </a:rPr>
+              <a:t>o</a:t>
+            </a:r>
+            <a:r>
+              <a:rPr lang="en-US" sz="2400" b="1" strike="noStrike" spc="-1" dirty="0" smtClean="0">
+                <a:solidFill>
+                  <a:srgbClr val="000000"/>
+                </a:solidFill>
+                <a:uFill>
+                  <a:solidFill>
+                    <a:srgbClr val="FFFFFF"/>
+                  </a:solidFill>
+                </a:uFill>
+                <a:latin typeface="Calibri"/>
+              </a:rPr>
+              <a:t>verall design </a:t>
+            </a:r>
+            <a:r>
+              <a:rPr lang="en-US" sz="2400" b="0" strike="noStrike" spc="-1" dirty="0" smtClean="0">
+                <a:solidFill>
+                  <a:srgbClr val="000000"/>
+                </a:solidFill>
+                <a:uFill>
+                  <a:solidFill>
+                    <a:srgbClr val="FFFFFF"/>
+                  </a:solidFill>
+                </a:uFill>
+                <a:latin typeface="Calibri"/>
+              </a:rPr>
+              <a:t>(major classes, NOT all)</a:t>
+            </a:r>
+          </a:p>
+          <a:p>
+            <a:pPr marL="800280" lvl="1" indent="-342720">
+              <a:buClr>
+                <a:srgbClr val="000000"/>
+              </a:buClr>
+              <a:buFont typeface="Arial"/>
+              <a:buChar char="•"/>
+            </a:pPr>
+            <a:r>
+              <a:rPr lang="en-US" sz="2400" spc="-1" dirty="0" smtClean="0">
+                <a:solidFill>
+                  <a:srgbClr val="000000"/>
+                </a:solidFill>
+                <a:uFill>
+                  <a:solidFill>
+                    <a:srgbClr val="FFFFFF"/>
+                  </a:solidFill>
+                </a:uFill>
+                <a:latin typeface="Calibri"/>
+              </a:rPr>
+              <a:t>“Coupling/Cohesion” or other “Good/Bad” aspects of design</a:t>
+            </a:r>
+          </a:p>
+          <a:p>
+            <a:pPr marL="800280" lvl="1" indent="-342720">
+              <a:buClr>
+                <a:srgbClr val="000000"/>
+              </a:buClr>
+              <a:buFont typeface="Arial"/>
+              <a:buChar char="•"/>
+            </a:pPr>
+            <a:endParaRPr lang="en-US" sz="2400" spc="-1" dirty="0">
               <a:solidFill>
                 <a:srgbClr val="000000"/>
               </a:solidFill>
@@ -7366,6 +11107,57 @@
             </a:endParaRPr>
           </a:p>
           <a:p>
+            <a:pPr marL="343080" indent="-342720">
+              <a:buClr>
+                <a:srgbClr val="000000"/>
+              </a:buClr>
+              <a:buFont typeface="Arial"/>
+              <a:buChar char="•"/>
+            </a:pPr>
+            <a:r>
+              <a:rPr lang="en-US" sz="2400" b="0" strike="noStrike" spc="-1" dirty="0" smtClean="0">
+                <a:solidFill>
+                  <a:srgbClr val="000000"/>
+                </a:solidFill>
+                <a:uFill>
+                  <a:solidFill>
+                    <a:srgbClr val="FFFFFF"/>
+                  </a:solidFill>
+                </a:uFill>
+                <a:latin typeface="Calibri"/>
+              </a:rPr>
+              <a:t>~2 min. </a:t>
+            </a:r>
+            <a:r>
+              <a:rPr lang="en-US" sz="2400" b="1" strike="noStrike" spc="-1" dirty="0" smtClean="0">
+                <a:solidFill>
+                  <a:srgbClr val="000000"/>
+                </a:solidFill>
+                <a:uFill>
+                  <a:solidFill>
+                    <a:srgbClr val="FFFFFF"/>
+                  </a:solidFill>
+                </a:uFill>
+                <a:latin typeface="Calibri"/>
+              </a:rPr>
+              <a:t>Design </a:t>
+            </a:r>
+            <a:r>
+              <a:rPr lang="en-US" sz="2400" b="1" strike="noStrike" spc="-1" dirty="0">
+                <a:solidFill>
+                  <a:srgbClr val="000000"/>
+                </a:solidFill>
+                <a:uFill>
+                  <a:solidFill>
+                    <a:srgbClr val="FFFFFF"/>
+                  </a:solidFill>
+                </a:uFill>
+                <a:latin typeface="Calibri"/>
+              </a:rPr>
+              <a:t>decision, feature implementation, or tricky bug</a:t>
+            </a:r>
+          </a:p>
+          <a:p>
             <a:pPr marL="864000" lvl="1" indent="-324000">
               <a:buClr>
                 <a:srgbClr val="000000"/>
@@ -7375,7 +11167,7 @@
               <a:buChar char=""/>
             </a:pPr>
             <a:r>
-              <a:rPr lang="en-US" sz="3200" b="0" strike="noStrike" spc="-1">
+              <a:rPr lang="en-US" sz="2400" b="0" strike="noStrike" spc="-1" dirty="0">
                 <a:solidFill>
                   <a:srgbClr val="000000"/>
                 </a:solidFill>
@@ -7388,17 +11180,6 @@
               </a:rPr>
               <a:t>Be careful about code examples (good – but in moderation)</a:t>
             </a:r>
-            <a:endParaRPr lang="en-US" sz="2400" b="0" strike="noStrike" spc="-1">
-              <a:solidFill>
-                <a:srgbClr val="000000"/>
-              </a:solidFill>
-              <a:uFill>
-                <a:solidFill>
-                  <a:srgbClr val="FFFFFF"/>
-                </a:solidFill>
-              </a:uFill>
-              <a:latin typeface="Calibri"/>
-            </a:endParaRPr>
           </a:p>
           <a:p>
             <a:pPr marL="864000" lvl="1" indent="-324000">
@@ -7410,7 +11191,7 @@
               <a:buChar char=""/>
             </a:pPr>
             <a:r>
-              <a:rPr lang="en-US" sz="3200" b="0" strike="noStrike" spc="-1">
+              <a:rPr lang="en-US" sz="2400" b="0" strike="noStrike" spc="-1" dirty="0">
                 <a:solidFill>
                   <a:srgbClr val="000000"/>
                 </a:solidFill>
@@ -7423,17 +11204,6 @@
               </a:rPr>
               <a:t>Should include prepared slides usually including diagrams</a:t>
             </a:r>
-            <a:endParaRPr lang="en-US" sz="2400" b="0" strike="noStrike" spc="-1">
-              <a:solidFill>
-                <a:srgbClr val="000000"/>
-              </a:solidFill>
-              <a:uFill>
-                <a:solidFill>
-                  <a:srgbClr val="FFFFFF"/>
-                </a:solidFill>
-              </a:uFill>
-              <a:latin typeface="Calibri"/>
-            </a:endParaRPr>
           </a:p>
         </p:txBody>
       </p:sp>
@@ -7471,67 +11241,6 @@
             </p:seq>
           </p:childTnLst>
         </p:cTn>
-      </p:par>
-    </p:tnLst>
-  </p:timing>
-</p:sld>
-</file>
-
-<file path=ppt/slides/slide6.xml><?xml version="1.0" encoding="utf-8"?>
-<p:sld xmlns:a="http://schemas.openxmlformats.org/drawingml/2006/main" xmlns:r="http://schemas.openxmlformats.org/officeDocument/2006/relationships" xmlns:p="http://schemas.openxmlformats.org/presentationml/2006/main">
-  <p:cSld>
-    <p:spTree>
-      <p:nvGrpSpPr>
-        <p:cNvPr id="1" name=""/>
-        <p:cNvGrpSpPr/>
-        <p:nvPr/>
-      </p:nvGrpSpPr>
-      <p:grpSpPr>
-        <a:xfrm>
-          <a:off x="0" y="0"/>
-          <a:ext cx="0" cy="0"/>
-          <a:chOff x="0" y="0"/>
-          <a:chExt cx="0" cy="0"/>
-        </a:xfrm>
-      </p:grpSpPr>
-      <p:pic>
-        <p:nvPicPr>
-          <p:cNvPr id="4" name="Picture 3"/>
-          <p:cNvPicPr>
-            <a:picLocks noChangeAspect="1"/>
-          </p:cNvPicPr>
-          <p:nvPr/>
-        </p:nvPicPr>
-        <p:blipFill>
-          <a:blip r:embed="rId3"/>
-          <a:stretch>
-            <a:fillRect/>
-          </a:stretch>
-        </p:blipFill>
-        <p:spPr>
-          <a:xfrm>
-            <a:off x="939531" y="192504"/>
-            <a:ext cx="7048370" cy="6665496"/>
-          </a:xfrm>
-          <a:prstGeom prst="rect">
-            <a:avLst/>
-          </a:prstGeom>
-        </p:spPr>
-      </p:pic>
-    </p:spTree>
-    <p:extLst>
-      <p:ext uri="{BB962C8B-B14F-4D97-AF65-F5344CB8AC3E}">
-        <p14:creationId xmlns:p14="http://schemas.microsoft.com/office/powerpoint/2010/main" val="3671066369"/>
-      </p:ext>
-    </p:extLst>
-  </p:cSld>
-  <p:clrMapOvr>
-    <a:masterClrMapping/>
-  </p:clrMapOvr>
-  <p:timing>
-    <p:tnLst>
-      <p:par>
-        <p:cTn id="1" dur="indefinite" restart="never" nodeType="tmRoot"/>
       </p:par>
     </p:tnLst>
   </p:timing>

--- a/ClassMaterials/MergeSort/Slides/MergeSort.pptx
+++ b/ClassMaterials/MergeSort/Slides/MergeSort.pptx
@@ -305,7 +305,7 @@
               <a:pPr>
                 <a:defRPr/>
               </a:pPr>
-              <a:t>5/9/2020</a:t>
+              <a:t>2/19/2021</a:t>
             </a:fld>
             <a:endParaRPr lang="en-US"/>
           </a:p>
@@ -540,7 +540,7 @@
               <a:pPr>
                 <a:defRPr/>
               </a:pPr>
-              <a:t>5/9/2020</a:t>
+              <a:t>2/19/2021</a:t>
             </a:fld>
             <a:endParaRPr lang="en-US"/>
           </a:p>
@@ -2316,7 +2316,7 @@
               <a:pPr>
                 <a:defRPr/>
               </a:pPr>
-              <a:t>Saturday, May 9, 2020</a:t>
+              <a:t>Friday, February 19, 2021</a:t>
             </a:fld>
             <a:endParaRPr lang="en-US" dirty="0"/>
           </a:p>
@@ -2501,7 +2501,7 @@
               <a:pPr>
                 <a:defRPr/>
               </a:pPr>
-              <a:t>Saturday, May 9, 2020</a:t>
+              <a:t>Friday, February 19, 2021</a:t>
             </a:fld>
             <a:endParaRPr lang="en-US" dirty="0"/>
           </a:p>
@@ -2696,7 +2696,7 @@
               <a:pPr>
                 <a:defRPr/>
               </a:pPr>
-              <a:t>Saturday, May 9, 2020</a:t>
+              <a:t>Friday, February 19, 2021</a:t>
             </a:fld>
             <a:endParaRPr lang="en-US" dirty="0"/>
           </a:p>
@@ -2986,7 +2986,7 @@
               <a:pPr>
                 <a:defRPr/>
               </a:pPr>
-              <a:t>Saturday, May 9, 2020</a:t>
+              <a:t>Friday, February 19, 2021</a:t>
             </a:fld>
             <a:endParaRPr lang="en-US" dirty="0"/>
           </a:p>
@@ -3247,7 +3247,7 @@
               <a:pPr>
                 <a:defRPr/>
               </a:pPr>
-              <a:t>Saturday, May 9, 2020</a:t>
+              <a:t>Friday, February 19, 2021</a:t>
             </a:fld>
             <a:endParaRPr lang="en-US"/>
           </a:p>
@@ -3550,7 +3550,7 @@
               <a:pPr>
                 <a:defRPr/>
               </a:pPr>
-              <a:t>Saturday, May 9, 2020</a:t>
+              <a:t>Friday, February 19, 2021</a:t>
             </a:fld>
             <a:endParaRPr lang="en-US"/>
           </a:p>
@@ -3987,7 +3987,7 @@
               <a:pPr>
                 <a:defRPr/>
               </a:pPr>
-              <a:t>Saturday, May 9, 2020</a:t>
+              <a:t>Friday, February 19, 2021</a:t>
             </a:fld>
             <a:endParaRPr lang="en-US"/>
           </a:p>
@@ -4120,7 +4120,7 @@
               <a:pPr>
                 <a:defRPr/>
               </a:pPr>
-              <a:t>Saturday, May 9, 2020</a:t>
+              <a:t>Friday, February 19, 2021</a:t>
             </a:fld>
             <a:endParaRPr lang="en-US"/>
           </a:p>
@@ -4230,7 +4230,7 @@
               <a:pPr>
                 <a:defRPr/>
               </a:pPr>
-              <a:t>Saturday, May 9, 2020</a:t>
+              <a:t>Friday, February 19, 2021</a:t>
             </a:fld>
             <a:endParaRPr lang="en-US" dirty="0"/>
           </a:p>
@@ -4522,7 +4522,7 @@
               <a:pPr>
                 <a:defRPr/>
               </a:pPr>
-              <a:t>Saturday, May 9, 2020</a:t>
+              <a:t>Friday, February 19, 2021</a:t>
             </a:fld>
             <a:endParaRPr lang="en-US"/>
           </a:p>
@@ -4790,7 +4790,7 @@
               <a:pPr>
                 <a:defRPr/>
               </a:pPr>
-              <a:t>Saturday, May 9, 2020</a:t>
+              <a:t>Friday, February 19, 2021</a:t>
             </a:fld>
             <a:endParaRPr lang="en-US"/>
           </a:p>
@@ -5018,7 +5018,7 @@
               <a:pPr>
                 <a:defRPr/>
               </a:pPr>
-              <a:t>Saturday, May 9, 2020</a:t>
+              <a:t>Friday, February 19, 2021</a:t>
             </a:fld>
             <a:endParaRPr lang="en-US" dirty="0"/>
           </a:p>
@@ -6117,11 +6117,11 @@
   <p:clrMapOvr>
     <a:masterClrMapping/>
   </p:clrMapOvr>
-  <mc:AlternateContent xmlns:mc="http://schemas.openxmlformats.org/markup-compatibility/2006">
-    <mc:Choice xmlns:p14="http://schemas.microsoft.com/office/powerpoint/2010/main" Requires="p14">
+  <mc:AlternateContent xmlns:mc="http://schemas.openxmlformats.org/markup-compatibility/2006" xmlns:p14="http://schemas.microsoft.com/office/powerpoint/2010/main">
+    <mc:Choice Requires="p14">
       <p:transition spd="slow" p14:dur="2000"/>
     </mc:Choice>
-    <mc:Fallback>
+    <mc:Fallback xmlns="">
       <p:transition spd="slow"/>
     </mc:Fallback>
   </mc:AlternateContent>

--- a/ClassMaterials/MergeSort/Slides/MergeSort.pptx
+++ b/ClassMaterials/MergeSort/Slides/MergeSort.pptx
@@ -305,7 +305,7 @@
               <a:pPr>
                 <a:defRPr/>
               </a:pPr>
-              <a:t>2/19/2021</a:t>
+              <a:t>5/9/2020</a:t>
             </a:fld>
             <a:endParaRPr lang="en-US"/>
           </a:p>
@@ -540,7 +540,7 @@
               <a:pPr>
                 <a:defRPr/>
               </a:pPr>
-              <a:t>2/19/2021</a:t>
+              <a:t>5/9/2020</a:t>
             </a:fld>
             <a:endParaRPr lang="en-US"/>
           </a:p>
@@ -2316,7 +2316,7 @@
               <a:pPr>
                 <a:defRPr/>
               </a:pPr>
-              <a:t>Friday, February 19, 2021</a:t>
+              <a:t>Saturday, May 9, 2020</a:t>
             </a:fld>
             <a:endParaRPr lang="en-US" dirty="0"/>
           </a:p>
@@ -2501,7 +2501,7 @@
               <a:pPr>
                 <a:defRPr/>
               </a:pPr>
-              <a:t>Friday, February 19, 2021</a:t>
+              <a:t>Saturday, May 9, 2020</a:t>
             </a:fld>
             <a:endParaRPr lang="en-US" dirty="0"/>
           </a:p>
@@ -2696,7 +2696,7 @@
               <a:pPr>
                 <a:defRPr/>
               </a:pPr>
-              <a:t>Friday, February 19, 2021</a:t>
+              <a:t>Saturday, May 9, 2020</a:t>
             </a:fld>
             <a:endParaRPr lang="en-US" dirty="0"/>
           </a:p>
@@ -2986,7 +2986,7 @@
               <a:pPr>
                 <a:defRPr/>
               </a:pPr>
-              <a:t>Friday, February 19, 2021</a:t>
+              <a:t>Saturday, May 9, 2020</a:t>
             </a:fld>
             <a:endParaRPr lang="en-US" dirty="0"/>
           </a:p>
@@ -3247,7 +3247,7 @@
               <a:pPr>
                 <a:defRPr/>
               </a:pPr>
-              <a:t>Friday, February 19, 2021</a:t>
+              <a:t>Saturday, May 9, 2020</a:t>
             </a:fld>
             <a:endParaRPr lang="en-US"/>
           </a:p>
@@ -3550,7 +3550,7 @@
               <a:pPr>
                 <a:defRPr/>
               </a:pPr>
-              <a:t>Friday, February 19, 2021</a:t>
+              <a:t>Saturday, May 9, 2020</a:t>
             </a:fld>
             <a:endParaRPr lang="en-US"/>
           </a:p>
@@ -3987,7 +3987,7 @@
               <a:pPr>
                 <a:defRPr/>
               </a:pPr>
-              <a:t>Friday, February 19, 2021</a:t>
+              <a:t>Saturday, May 9, 2020</a:t>
             </a:fld>
             <a:endParaRPr lang="en-US"/>
           </a:p>
@@ -4120,7 +4120,7 @@
               <a:pPr>
                 <a:defRPr/>
               </a:pPr>
-              <a:t>Friday, February 19, 2021</a:t>
+              <a:t>Saturday, May 9, 2020</a:t>
             </a:fld>
             <a:endParaRPr lang="en-US"/>
           </a:p>
@@ -4230,7 +4230,7 @@
               <a:pPr>
                 <a:defRPr/>
               </a:pPr>
-              <a:t>Friday, February 19, 2021</a:t>
+              <a:t>Saturday, May 9, 2020</a:t>
             </a:fld>
             <a:endParaRPr lang="en-US" dirty="0"/>
           </a:p>
@@ -4522,7 +4522,7 @@
               <a:pPr>
                 <a:defRPr/>
               </a:pPr>
-              <a:t>Friday, February 19, 2021</a:t>
+              <a:t>Saturday, May 9, 2020</a:t>
             </a:fld>
             <a:endParaRPr lang="en-US"/>
           </a:p>
@@ -4790,7 +4790,7 @@
               <a:pPr>
                 <a:defRPr/>
               </a:pPr>
-              <a:t>Friday, February 19, 2021</a:t>
+              <a:t>Saturday, May 9, 2020</a:t>
             </a:fld>
             <a:endParaRPr lang="en-US"/>
           </a:p>
@@ -5018,7 +5018,7 @@
               <a:pPr>
                 <a:defRPr/>
               </a:pPr>
-              <a:t>Friday, February 19, 2021</a:t>
+              <a:t>Saturday, May 9, 2020</a:t>
             </a:fld>
             <a:endParaRPr lang="en-US" dirty="0"/>
           </a:p>
@@ -6117,11 +6117,11 @@
   <p:clrMapOvr>
     <a:masterClrMapping/>
   </p:clrMapOvr>
-  <mc:AlternateContent xmlns:mc="http://schemas.openxmlformats.org/markup-compatibility/2006" xmlns:p14="http://schemas.microsoft.com/office/powerpoint/2010/main">
-    <mc:Choice Requires="p14">
+  <mc:AlternateContent xmlns:mc="http://schemas.openxmlformats.org/markup-compatibility/2006">
+    <mc:Choice xmlns:p14="http://schemas.microsoft.com/office/powerpoint/2010/main" Requires="p14">
       <p:transition spd="slow" p14:dur="2000"/>
     </mc:Choice>
-    <mc:Fallback xmlns="">
+    <mc:Fallback>
       <p:transition spd="slow"/>
     </mc:Fallback>
   </mc:AlternateContent>

--- a/ClassMaterials/MergeSort/Slides/MergeSort.pptx
+++ b/ClassMaterials/MergeSort/Slides/MergeSort.pptx
@@ -305,7 +305,7 @@
               <a:pPr>
                 <a:defRPr/>
               </a:pPr>
-              <a:t>5/9/2020</a:t>
+              <a:t>2/24/22</a:t>
             </a:fld>
             <a:endParaRPr lang="en-US"/>
           </a:p>
@@ -540,7 +540,7 @@
               <a:pPr>
                 <a:defRPr/>
               </a:pPr>
-              <a:t>5/9/2020</a:t>
+              <a:t>2/24/22</a:t>
             </a:fld>
             <a:endParaRPr lang="en-US"/>
           </a:p>
@@ -616,39 +616,37 @@
           <a:p>
             <a:pPr lvl="0"/>
             <a:r>
-              <a:rPr lang="en-US" noProof="0" smtClean="0"/>
+              <a:rPr lang="en-US" noProof="0"/>
               <a:t>Click to edit Master text styles</a:t>
             </a:r>
-            <a:endParaRPr lang="en-US" noProof="0"/>
           </a:p>
           <a:p>
             <a:pPr lvl="1"/>
             <a:r>
-              <a:rPr lang="en-US" noProof="0" smtClean="0"/>
+              <a:rPr lang="en-US" noProof="0"/>
               <a:t>Second level</a:t>
             </a:r>
           </a:p>
           <a:p>
             <a:pPr lvl="2"/>
             <a:r>
-              <a:rPr lang="en-US" noProof="0" smtClean="0"/>
+              <a:rPr lang="en-US" noProof="0"/>
               <a:t>Third level</a:t>
             </a:r>
           </a:p>
           <a:p>
             <a:pPr lvl="3"/>
             <a:r>
-              <a:rPr lang="en-US" noProof="0" smtClean="0"/>
+              <a:rPr lang="en-US" noProof="0"/>
               <a:t>Fourth level</a:t>
             </a:r>
           </a:p>
           <a:p>
             <a:pPr lvl="4"/>
             <a:r>
-              <a:rPr lang="en-US" noProof="0" smtClean="0"/>
+              <a:rPr lang="en-US" noProof="0"/>
               <a:t>Fifth level</a:t>
             </a:r>
-            <a:endParaRPr lang="en-US" noProof="0"/>
           </a:p>
         </p:txBody>
       </p:sp>
@@ -949,7 +947,7 @@
               </a:spcBef>
             </a:pPr>
             <a:r>
-              <a:rPr lang="en-US" dirty="0" smtClean="0"/>
+              <a:rPr lang="en-US" dirty="0"/>
               <a:t>No quiz today.</a:t>
             </a:r>
           </a:p>
@@ -959,7 +957,7 @@
                 <a:spcPct val="0"/>
               </a:spcBef>
             </a:pPr>
-            <a:endParaRPr lang="en-US" dirty="0" smtClean="0"/>
+            <a:endParaRPr lang="en-US" dirty="0"/>
           </a:p>
           <a:p>
             <a:pPr eaLnBrk="1" hangingPunct="1">
@@ -968,22 +966,22 @@
               </a:spcBef>
             </a:pPr>
             <a:r>
-              <a:rPr lang="en-US" dirty="0" smtClean="0"/>
+              <a:rPr lang="en-US" dirty="0"/>
               <a:t>Bring printouts</a:t>
             </a:r>
             <a:r>
-              <a:rPr lang="en-US" baseline="0" dirty="0" smtClean="0"/>
+              <a:rPr lang="en-US" baseline="0" dirty="0"/>
               <a:t> from the </a:t>
             </a:r>
             <a:r>
-              <a:rPr lang="en-US" baseline="0" dirty="0" err="1" smtClean="0"/>
+              <a:rPr lang="en-US" baseline="0" dirty="0" err="1"/>
               <a:t>MergeSortSimpleSolution</a:t>
             </a:r>
             <a:r>
-              <a:rPr lang="en-US" baseline="0" dirty="0" smtClean="0"/>
+              <a:rPr lang="en-US" baseline="0" dirty="0"/>
               <a:t>.</a:t>
             </a:r>
-            <a:endParaRPr lang="en-US" dirty="0" smtClean="0"/>
+            <a:endParaRPr lang="en-US" dirty="0"/>
           </a:p>
         </p:txBody>
       </p:sp>
@@ -1009,7 +1007,7 @@
               <a:pPr/>
               <a:t>1</a:t>
             </a:fld>
-            <a:endParaRPr lang="en-US" smtClean="0"/>
+            <a:endParaRPr lang="en-US"/>
           </a:p>
         </p:txBody>
       </p:sp>
@@ -1084,30 +1082,30 @@
           <a:lstStyle/>
           <a:p>
             <a:r>
-              <a:rPr lang="en-US" dirty="0" smtClean="0"/>
+              <a:rPr lang="en-US" dirty="0"/>
               <a:t>D</a:t>
             </a:r>
             <a:r>
-              <a:rPr lang="en-US" baseline="0" dirty="0" smtClean="0"/>
+              <a:rPr lang="en-US" baseline="0" dirty="0"/>
               <a:t>on’t burn too much time on it. They understand recursion…</a:t>
             </a:r>
           </a:p>
           <a:p>
             <a:r>
-              <a:rPr lang="en-US" dirty="0" smtClean="0"/>
+              <a:rPr lang="en-US" dirty="0"/>
               <a:t>Demo with cards or</a:t>
             </a:r>
             <a:r>
-              <a:rPr lang="en-US" baseline="0" dirty="0" smtClean="0"/>
+              <a:rPr lang="en-US" baseline="0" dirty="0"/>
               <a:t> big letters</a:t>
             </a:r>
           </a:p>
           <a:p>
             <a:r>
-              <a:rPr lang="en-US" baseline="0" dirty="0" smtClean="0"/>
+              <a:rPr lang="en-US" baseline="0" dirty="0"/>
               <a:t>[I reviewed selection and insertion sort stressing the differences before going over merge sort.  That helps emphasize the differences.]</a:t>
             </a:r>
-            <a:endParaRPr lang="en-US" dirty="0" smtClean="0"/>
+            <a:endParaRPr lang="en-US" dirty="0"/>
           </a:p>
         </p:txBody>
       </p:sp>
@@ -1133,7 +1131,7 @@
               <a:pPr/>
               <a:t>3</a:t>
             </a:fld>
-            <a:endParaRPr lang="en-US" smtClean="0"/>
+            <a:endParaRPr lang="en-US"/>
           </a:p>
         </p:txBody>
       </p:sp>
@@ -1207,7 +1205,7 @@
           <a:bodyPr/>
           <a:lstStyle/>
           <a:p>
-            <a:endParaRPr lang="en-US" dirty="0" smtClean="0"/>
+            <a:endParaRPr lang="en-US" dirty="0"/>
           </a:p>
         </p:txBody>
       </p:sp>
@@ -1233,7 +1231,7 @@
               <a:pPr/>
               <a:t>4</a:t>
             </a:fld>
-            <a:endParaRPr lang="en-US" smtClean="0"/>
+            <a:endParaRPr lang="en-US"/>
           </a:p>
         </p:txBody>
       </p:sp>
@@ -1307,7 +1305,7 @@
           <a:bodyPr/>
           <a:lstStyle/>
           <a:p>
-            <a:endParaRPr lang="en-US" dirty="0" smtClean="0"/>
+            <a:endParaRPr lang="en-US" dirty="0"/>
           </a:p>
         </p:txBody>
       </p:sp>
@@ -1333,7 +1331,7 @@
               <a:pPr/>
               <a:t>5</a:t>
             </a:fld>
-            <a:endParaRPr lang="en-US" smtClean="0"/>
+            <a:endParaRPr lang="en-US"/>
           </a:p>
         </p:txBody>
       </p:sp>
@@ -1425,28 +1423,28 @@
               <a:defRPr/>
             </a:pPr>
             <a:r>
-              <a:rPr lang="en-US" baseline="0" dirty="0" smtClean="0"/>
+              <a:rPr lang="en-US" baseline="0" dirty="0"/>
               <a:t>Just summarize it here.  Don’t dawdle; this will make more sense when they implement it.</a:t>
             </a:r>
           </a:p>
           <a:p>
-            <a:endParaRPr lang="en-US" baseline="0" dirty="0" smtClean="0"/>
-          </a:p>
-          <a:p>
-            <a:r>
-              <a:rPr lang="en-US" baseline="0" dirty="0" smtClean="0"/>
+            <a:endParaRPr lang="en-US" baseline="0" dirty="0"/>
+          </a:p>
+          <a:p>
+            <a:r>
+              <a:rPr lang="en-US" baseline="0" dirty="0"/>
               <a:t>Leading Questions:</a:t>
             </a:r>
           </a:p>
           <a:p>
-            <a:endParaRPr lang="en-US" baseline="0" dirty="0" smtClean="0"/>
+            <a:endParaRPr lang="en-US" baseline="0" dirty="0"/>
           </a:p>
           <a:p>
             <a:pPr marL="228600" indent="-228600">
               <a:buAutoNum type="arabicPeriod"/>
             </a:pPr>
             <a:r>
-              <a:rPr lang="en-US" baseline="0" dirty="0" smtClean="0"/>
+              <a:rPr lang="en-US" baseline="0" dirty="0"/>
               <a:t>What is the run-time for merging N items?   O(N)</a:t>
             </a:r>
           </a:p>
@@ -1469,7 +1467,7 @@
               <a:defRPr/>
             </a:pPr>
             <a:r>
-              <a:rPr lang="en-US" baseline="0" dirty="0" smtClean="0"/>
+              <a:rPr lang="en-US" baseline="0" dirty="0"/>
               <a:t>What is the run-time for merging N/2 items?   O(N)</a:t>
             </a:r>
           </a:p>
@@ -1492,7 +1490,7 @@
               <a:defRPr/>
             </a:pPr>
             <a:r>
-              <a:rPr lang="en-US" baseline="0" dirty="0" smtClean="0"/>
+              <a:rPr lang="en-US" baseline="0" dirty="0"/>
               <a:t>What is the run-time for merging N/2 items TWO times?   O(N)</a:t>
             </a:r>
           </a:p>
@@ -1515,7 +1513,7 @@
               <a:defRPr/>
             </a:pPr>
             <a:r>
-              <a:rPr lang="en-US" baseline="0" dirty="0" smtClean="0"/>
+              <a:rPr lang="en-US" baseline="0" dirty="0"/>
               <a:t>Each row takes O(N)</a:t>
             </a:r>
           </a:p>
@@ -1538,7 +1536,7 @@
               <a:defRPr/>
             </a:pPr>
             <a:r>
-              <a:rPr lang="en-US" baseline="0" dirty="0" smtClean="0"/>
+              <a:rPr lang="en-US" baseline="0" dirty="0"/>
               <a:t>How many rows?   (divides in half each time)   O( log(N) )</a:t>
             </a:r>
           </a:p>
@@ -1560,7 +1558,7 @@
               <a:tabLst/>
               <a:defRPr/>
             </a:pPr>
-            <a:endParaRPr lang="en-US" baseline="0" dirty="0" smtClean="0"/>
+            <a:endParaRPr lang="en-US" baseline="0" dirty="0"/>
           </a:p>
           <a:p>
             <a:pPr marL="0" marR="0" lvl="0" indent="0" algn="l" defTabSz="914400" rtl="0" eaLnBrk="0" fontAlgn="base" latinLnBrk="0" hangingPunct="0">
@@ -1580,7 +1578,7 @@
               <a:tabLst/>
               <a:defRPr/>
             </a:pPr>
-            <a:endParaRPr lang="en-US" dirty="0" smtClean="0"/>
+            <a:endParaRPr lang="en-US" dirty="0"/>
           </a:p>
           <a:p>
             <a:pPr marL="0" marR="0" lvl="0" indent="0" algn="l" defTabSz="914400" rtl="0" eaLnBrk="0" fontAlgn="base" latinLnBrk="0" hangingPunct="0">
@@ -1601,19 +1599,19 @@
               <a:defRPr/>
             </a:pPr>
             <a:r>
-              <a:rPr lang="en-US" dirty="0" smtClean="0"/>
+              <a:rPr lang="en-US" dirty="0"/>
               <a:t>Have students implement</a:t>
             </a:r>
             <a:r>
-              <a:rPr lang="en-US" baseline="0" dirty="0" smtClean="0"/>
+              <a:rPr lang="en-US" baseline="0" dirty="0"/>
               <a:t> </a:t>
             </a:r>
             <a:r>
-              <a:rPr lang="en-US" baseline="0" dirty="0" err="1" smtClean="0"/>
+              <a:rPr lang="en-US" baseline="0" dirty="0" err="1"/>
               <a:t>mergesort.StringMergeSort</a:t>
             </a:r>
             <a:r>
-              <a:rPr lang="en-US" baseline="0" dirty="0" smtClean="0"/>
+              <a:rPr lang="en-US" baseline="0" dirty="0"/>
               <a:t>.  Walk around the room and help students as needed. Have your TAs do the same. Keep students engaged.</a:t>
             </a:r>
           </a:p>
@@ -1621,7 +1619,7 @@
             <a:pPr marL="0" indent="0">
               <a:buNone/>
             </a:pPr>
-            <a:endParaRPr lang="en-US" dirty="0" smtClean="0"/>
+            <a:endParaRPr lang="en-US" dirty="0"/>
           </a:p>
         </p:txBody>
       </p:sp>
@@ -1647,7 +1645,7 @@
               <a:pPr/>
               <a:t>6</a:t>
             </a:fld>
-            <a:endParaRPr lang="en-US" smtClean="0"/>
+            <a:endParaRPr lang="en-US"/>
           </a:p>
         </p:txBody>
       </p:sp>
@@ -1723,11 +1721,11 @@
           <a:lstStyle/>
           <a:p>
             <a:r>
-              <a:rPr lang="en-US" dirty="0" smtClean="0"/>
+              <a:rPr lang="en-US" dirty="0"/>
               <a:t>Dress</a:t>
             </a:r>
             <a:r>
-              <a:rPr lang="en-US" baseline="0" dirty="0" smtClean="0"/>
+              <a:rPr lang="en-US" baseline="0" dirty="0"/>
               <a:t> 1 step up form your normal dress level</a:t>
             </a:r>
             <a:endParaRPr lang="en-US" dirty="0"/>
@@ -2167,10 +2165,9 @@
           <a:lstStyle/>
           <a:p>
             <a:r>
-              <a:rPr lang="en-US" smtClean="0"/>
+              <a:rPr lang="en-US"/>
               <a:t>Click to edit Master title style</a:t>
             </a:r>
-            <a:endParaRPr lang="en-US"/>
           </a:p>
         </p:txBody>
       </p:sp>
@@ -2286,10 +2283,9 @@
           </a:lstStyle>
           <a:p>
             <a:r>
-              <a:rPr lang="en-US" smtClean="0"/>
+              <a:rPr lang="en-US"/>
               <a:t>Click to edit Master subtitle style</a:t>
             </a:r>
-            <a:endParaRPr lang="en-US"/>
           </a:p>
         </p:txBody>
       </p:sp>
@@ -2316,7 +2312,7 @@
               <a:pPr>
                 <a:defRPr/>
               </a:pPr>
-              <a:t>Saturday, May 9, 2020</a:t>
+              <a:t>Thursday, February 24, 2022</a:t>
             </a:fld>
             <a:endParaRPr lang="en-US" dirty="0"/>
           </a:p>
@@ -2419,10 +2415,9 @@
           <a:lstStyle/>
           <a:p>
             <a:r>
-              <a:rPr lang="en-US" smtClean="0"/>
+              <a:rPr lang="en-US"/>
               <a:t>Click to edit Master title style</a:t>
             </a:r>
-            <a:endParaRPr lang="en-US"/>
           </a:p>
         </p:txBody>
       </p:sp>
@@ -2443,38 +2438,37 @@
           <a:p>
             <a:pPr lvl="0"/>
             <a:r>
-              <a:rPr lang="en-US" smtClean="0"/>
+              <a:rPr lang="en-US"/>
               <a:t>Click to edit Master text styles</a:t>
             </a:r>
           </a:p>
           <a:p>
             <a:pPr lvl="1"/>
             <a:r>
-              <a:rPr lang="en-US" smtClean="0"/>
+              <a:rPr lang="en-US"/>
               <a:t>Second level</a:t>
             </a:r>
           </a:p>
           <a:p>
             <a:pPr lvl="2"/>
             <a:r>
-              <a:rPr lang="en-US" smtClean="0"/>
+              <a:rPr lang="en-US"/>
               <a:t>Third level</a:t>
             </a:r>
           </a:p>
           <a:p>
             <a:pPr lvl="3"/>
             <a:r>
-              <a:rPr lang="en-US" smtClean="0"/>
+              <a:rPr lang="en-US"/>
               <a:t>Fourth level</a:t>
             </a:r>
           </a:p>
           <a:p>
             <a:pPr lvl="4"/>
             <a:r>
-              <a:rPr lang="en-US" smtClean="0"/>
+              <a:rPr lang="en-US"/>
               <a:t>Fifth level</a:t>
             </a:r>
-            <a:endParaRPr lang="en-US"/>
           </a:p>
         </p:txBody>
       </p:sp>
@@ -2501,7 +2495,7 @@
               <a:pPr>
                 <a:defRPr/>
               </a:pPr>
-              <a:t>Saturday, May 9, 2020</a:t>
+              <a:t>Thursday, February 24, 2022</a:t>
             </a:fld>
             <a:endParaRPr lang="en-US" dirty="0"/>
           </a:p>
@@ -2609,10 +2603,9 @@
           <a:lstStyle/>
           <a:p>
             <a:r>
-              <a:rPr lang="en-US" smtClean="0"/>
+              <a:rPr lang="en-US"/>
               <a:t>Click to edit Master title style</a:t>
             </a:r>
-            <a:endParaRPr lang="en-US"/>
           </a:p>
         </p:txBody>
       </p:sp>
@@ -2638,38 +2631,37 @@
           <a:p>
             <a:pPr lvl="0"/>
             <a:r>
-              <a:rPr lang="en-US" smtClean="0"/>
+              <a:rPr lang="en-US"/>
               <a:t>Click to edit Master text styles</a:t>
             </a:r>
           </a:p>
           <a:p>
             <a:pPr lvl="1"/>
             <a:r>
-              <a:rPr lang="en-US" smtClean="0"/>
+              <a:rPr lang="en-US"/>
               <a:t>Second level</a:t>
             </a:r>
           </a:p>
           <a:p>
             <a:pPr lvl="2"/>
             <a:r>
-              <a:rPr lang="en-US" smtClean="0"/>
+              <a:rPr lang="en-US"/>
               <a:t>Third level</a:t>
             </a:r>
           </a:p>
           <a:p>
             <a:pPr lvl="3"/>
             <a:r>
-              <a:rPr lang="en-US" smtClean="0"/>
+              <a:rPr lang="en-US"/>
               <a:t>Fourth level</a:t>
             </a:r>
           </a:p>
           <a:p>
             <a:pPr lvl="4"/>
             <a:r>
-              <a:rPr lang="en-US" smtClean="0"/>
+              <a:rPr lang="en-US"/>
               <a:t>Fifth level</a:t>
             </a:r>
-            <a:endParaRPr lang="en-US"/>
           </a:p>
         </p:txBody>
       </p:sp>
@@ -2696,7 +2688,7 @@
               <a:pPr>
                 <a:defRPr/>
               </a:pPr>
-              <a:t>Saturday, May 9, 2020</a:t>
+              <a:t>Thursday, February 24, 2022</a:t>
             </a:fld>
             <a:endParaRPr lang="en-US" dirty="0"/>
           </a:p>
@@ -2904,10 +2896,9 @@
           <a:lstStyle/>
           <a:p>
             <a:r>
-              <a:rPr lang="en-US" smtClean="0"/>
+              <a:rPr lang="en-US"/>
               <a:t>Click to edit Master title style</a:t>
             </a:r>
-            <a:endParaRPr lang="en-US"/>
           </a:p>
         </p:txBody>
       </p:sp>
@@ -2928,38 +2919,37 @@
           <a:p>
             <a:pPr lvl="0"/>
             <a:r>
-              <a:rPr lang="en-US" smtClean="0"/>
+              <a:rPr lang="en-US"/>
               <a:t>Click to edit Master text styles</a:t>
             </a:r>
           </a:p>
           <a:p>
             <a:pPr lvl="1"/>
             <a:r>
-              <a:rPr lang="en-US" smtClean="0"/>
+              <a:rPr lang="en-US"/>
               <a:t>Second level</a:t>
             </a:r>
           </a:p>
           <a:p>
             <a:pPr lvl="2"/>
             <a:r>
-              <a:rPr lang="en-US" smtClean="0"/>
+              <a:rPr lang="en-US"/>
               <a:t>Third level</a:t>
             </a:r>
           </a:p>
           <a:p>
             <a:pPr lvl="3"/>
             <a:r>
-              <a:rPr lang="en-US" smtClean="0"/>
+              <a:rPr lang="en-US"/>
               <a:t>Fourth level</a:t>
             </a:r>
           </a:p>
           <a:p>
             <a:pPr lvl="4"/>
             <a:r>
-              <a:rPr lang="en-US" smtClean="0"/>
+              <a:rPr lang="en-US"/>
               <a:t>Fifth level</a:t>
             </a:r>
-            <a:endParaRPr lang="en-US"/>
           </a:p>
         </p:txBody>
       </p:sp>
@@ -2986,7 +2976,7 @@
               <a:pPr>
                 <a:defRPr/>
               </a:pPr>
-              <a:t>Saturday, May 9, 2020</a:t>
+              <a:t>Thursday, February 24, 2022</a:t>
             </a:fld>
             <a:endParaRPr lang="en-US" dirty="0"/>
           </a:p>
@@ -3098,10 +3088,9 @@
           </a:lstStyle>
           <a:p>
             <a:r>
-              <a:rPr lang="en-US" smtClean="0"/>
+              <a:rPr lang="en-US"/>
               <a:t>Click to edit Master title style</a:t>
             </a:r>
-            <a:endParaRPr lang="en-US"/>
           </a:p>
         </p:txBody>
       </p:sp>
@@ -3218,7 +3207,7 @@
           <a:p>
             <a:pPr lvl="0"/>
             <a:r>
-              <a:rPr lang="en-US" smtClean="0"/>
+              <a:rPr lang="en-US"/>
               <a:t>Click to edit Master text styles</a:t>
             </a:r>
           </a:p>
@@ -3247,7 +3236,7 @@
               <a:pPr>
                 <a:defRPr/>
               </a:pPr>
-              <a:t>Saturday, May 9, 2020</a:t>
+              <a:t>Thursday, February 24, 2022</a:t>
             </a:fld>
             <a:endParaRPr lang="en-US"/>
           </a:p>
@@ -3350,10 +3339,9 @@
           <a:lstStyle/>
           <a:p>
             <a:r>
-              <a:rPr lang="en-US" smtClean="0"/>
+              <a:rPr lang="en-US"/>
               <a:t>Click to edit Master title style</a:t>
             </a:r>
-            <a:endParaRPr lang="en-US"/>
           </a:p>
         </p:txBody>
       </p:sp>
@@ -3407,38 +3395,37 @@
           <a:p>
             <a:pPr lvl="0"/>
             <a:r>
-              <a:rPr lang="en-US" smtClean="0"/>
+              <a:rPr lang="en-US"/>
               <a:t>Click to edit Master text styles</a:t>
             </a:r>
           </a:p>
           <a:p>
             <a:pPr lvl="1"/>
             <a:r>
-              <a:rPr lang="en-US" smtClean="0"/>
+              <a:rPr lang="en-US"/>
               <a:t>Second level</a:t>
             </a:r>
           </a:p>
           <a:p>
             <a:pPr lvl="2"/>
             <a:r>
-              <a:rPr lang="en-US" smtClean="0"/>
+              <a:rPr lang="en-US"/>
               <a:t>Third level</a:t>
             </a:r>
           </a:p>
           <a:p>
             <a:pPr lvl="3"/>
             <a:r>
-              <a:rPr lang="en-US" smtClean="0"/>
+              <a:rPr lang="en-US"/>
               <a:t>Fourth level</a:t>
             </a:r>
           </a:p>
           <a:p>
             <a:pPr lvl="4"/>
             <a:r>
-              <a:rPr lang="en-US" smtClean="0"/>
+              <a:rPr lang="en-US"/>
               <a:t>Fifth level</a:t>
             </a:r>
-            <a:endParaRPr lang="en-US"/>
           </a:p>
         </p:txBody>
       </p:sp>
@@ -3492,38 +3479,37 @@
           <a:p>
             <a:pPr lvl="0"/>
             <a:r>
-              <a:rPr lang="en-US" smtClean="0"/>
+              <a:rPr lang="en-US"/>
               <a:t>Click to edit Master text styles</a:t>
             </a:r>
           </a:p>
           <a:p>
             <a:pPr lvl="1"/>
             <a:r>
-              <a:rPr lang="en-US" smtClean="0"/>
+              <a:rPr lang="en-US"/>
               <a:t>Second level</a:t>
             </a:r>
           </a:p>
           <a:p>
             <a:pPr lvl="2"/>
             <a:r>
-              <a:rPr lang="en-US" smtClean="0"/>
+              <a:rPr lang="en-US"/>
               <a:t>Third level</a:t>
             </a:r>
           </a:p>
           <a:p>
             <a:pPr lvl="3"/>
             <a:r>
-              <a:rPr lang="en-US" smtClean="0"/>
+              <a:rPr lang="en-US"/>
               <a:t>Fourth level</a:t>
             </a:r>
           </a:p>
           <a:p>
             <a:pPr lvl="4"/>
             <a:r>
-              <a:rPr lang="en-US" smtClean="0"/>
+              <a:rPr lang="en-US"/>
               <a:t>Fifth level</a:t>
             </a:r>
-            <a:endParaRPr lang="en-US"/>
           </a:p>
         </p:txBody>
       </p:sp>
@@ -3550,7 +3536,7 @@
               <a:pPr>
                 <a:defRPr/>
               </a:pPr>
-              <a:t>Saturday, May 9, 2020</a:t>
+              <a:t>Thursday, February 24, 2022</a:t>
             </a:fld>
             <a:endParaRPr lang="en-US"/>
           </a:p>
@@ -3657,10 +3643,9 @@
           </a:lstStyle>
           <a:p>
             <a:r>
-              <a:rPr lang="en-US" smtClean="0"/>
+              <a:rPr lang="en-US"/>
               <a:t>Click to edit Master title style</a:t>
             </a:r>
-            <a:endParaRPr lang="en-US"/>
           </a:p>
         </p:txBody>
       </p:sp>
@@ -3723,7 +3708,7 @@
           <a:p>
             <a:pPr lvl="0"/>
             <a:r>
-              <a:rPr lang="en-US" smtClean="0"/>
+              <a:rPr lang="en-US"/>
               <a:t>Click to edit Master text styles</a:t>
             </a:r>
           </a:p>
@@ -3779,38 +3764,37 @@
           <a:p>
             <a:pPr lvl="0"/>
             <a:r>
-              <a:rPr lang="en-US" smtClean="0"/>
+              <a:rPr lang="en-US"/>
               <a:t>Click to edit Master text styles</a:t>
             </a:r>
           </a:p>
           <a:p>
             <a:pPr lvl="1"/>
             <a:r>
-              <a:rPr lang="en-US" smtClean="0"/>
+              <a:rPr lang="en-US"/>
               <a:t>Second level</a:t>
             </a:r>
           </a:p>
           <a:p>
             <a:pPr lvl="2"/>
             <a:r>
-              <a:rPr lang="en-US" smtClean="0"/>
+              <a:rPr lang="en-US"/>
               <a:t>Third level</a:t>
             </a:r>
           </a:p>
           <a:p>
             <a:pPr lvl="3"/>
             <a:r>
-              <a:rPr lang="en-US" smtClean="0"/>
+              <a:rPr lang="en-US"/>
               <a:t>Fourth level</a:t>
             </a:r>
           </a:p>
           <a:p>
             <a:pPr lvl="4"/>
             <a:r>
-              <a:rPr lang="en-US" smtClean="0"/>
+              <a:rPr lang="en-US"/>
               <a:t>Fifth level</a:t>
             </a:r>
-            <a:endParaRPr lang="en-US"/>
           </a:p>
         </p:txBody>
       </p:sp>
@@ -3873,7 +3857,7 @@
           <a:p>
             <a:pPr lvl="0"/>
             <a:r>
-              <a:rPr lang="en-US" smtClean="0"/>
+              <a:rPr lang="en-US"/>
               <a:t>Click to edit Master text styles</a:t>
             </a:r>
           </a:p>
@@ -3929,38 +3913,37 @@
           <a:p>
             <a:pPr lvl="0"/>
             <a:r>
-              <a:rPr lang="en-US" smtClean="0"/>
+              <a:rPr lang="en-US"/>
               <a:t>Click to edit Master text styles</a:t>
             </a:r>
           </a:p>
           <a:p>
             <a:pPr lvl="1"/>
             <a:r>
-              <a:rPr lang="en-US" smtClean="0"/>
+              <a:rPr lang="en-US"/>
               <a:t>Second level</a:t>
             </a:r>
           </a:p>
           <a:p>
             <a:pPr lvl="2"/>
             <a:r>
-              <a:rPr lang="en-US" smtClean="0"/>
+              <a:rPr lang="en-US"/>
               <a:t>Third level</a:t>
             </a:r>
           </a:p>
           <a:p>
             <a:pPr lvl="3"/>
             <a:r>
-              <a:rPr lang="en-US" smtClean="0"/>
+              <a:rPr lang="en-US"/>
               <a:t>Fourth level</a:t>
             </a:r>
           </a:p>
           <a:p>
             <a:pPr lvl="4"/>
             <a:r>
-              <a:rPr lang="en-US" smtClean="0"/>
+              <a:rPr lang="en-US"/>
               <a:t>Fifth level</a:t>
             </a:r>
-            <a:endParaRPr lang="en-US"/>
           </a:p>
         </p:txBody>
       </p:sp>
@@ -3987,7 +3970,7 @@
               <a:pPr>
                 <a:defRPr/>
               </a:pPr>
-              <a:t>Saturday, May 9, 2020</a:t>
+              <a:t>Thursday, February 24, 2022</a:t>
             </a:fld>
             <a:endParaRPr lang="en-US"/>
           </a:p>
@@ -4090,10 +4073,9 @@
           <a:lstStyle/>
           <a:p>
             <a:r>
-              <a:rPr lang="en-US" smtClean="0"/>
+              <a:rPr lang="en-US"/>
               <a:t>Click to edit Master title style</a:t>
             </a:r>
-            <a:endParaRPr lang="en-US"/>
           </a:p>
         </p:txBody>
       </p:sp>
@@ -4120,7 +4102,7 @@
               <a:pPr>
                 <a:defRPr/>
               </a:pPr>
-              <a:t>Saturday, May 9, 2020</a:t>
+              <a:t>Thursday, February 24, 2022</a:t>
             </a:fld>
             <a:endParaRPr lang="en-US"/>
           </a:p>
@@ -4230,7 +4212,7 @@
               <a:pPr>
                 <a:defRPr/>
               </a:pPr>
-              <a:t>Saturday, May 9, 2020</a:t>
+              <a:t>Thursday, February 24, 2022</a:t>
             </a:fld>
             <a:endParaRPr lang="en-US" dirty="0"/>
           </a:p>
@@ -4342,10 +4324,9 @@
           </a:lstStyle>
           <a:p>
             <a:r>
-              <a:rPr lang="en-US" smtClean="0"/>
+              <a:rPr lang="en-US"/>
               <a:t>Click to edit Master title style</a:t>
             </a:r>
-            <a:endParaRPr lang="en-US"/>
           </a:p>
         </p:txBody>
       </p:sp>
@@ -4399,38 +4380,37 @@
           <a:p>
             <a:pPr lvl="0"/>
             <a:r>
-              <a:rPr lang="en-US" smtClean="0"/>
+              <a:rPr lang="en-US"/>
               <a:t>Click to edit Master text styles</a:t>
             </a:r>
           </a:p>
           <a:p>
             <a:pPr lvl="1"/>
             <a:r>
-              <a:rPr lang="en-US" smtClean="0"/>
+              <a:rPr lang="en-US"/>
               <a:t>Second level</a:t>
             </a:r>
           </a:p>
           <a:p>
             <a:pPr lvl="2"/>
             <a:r>
-              <a:rPr lang="en-US" smtClean="0"/>
+              <a:rPr lang="en-US"/>
               <a:t>Third level</a:t>
             </a:r>
           </a:p>
           <a:p>
             <a:pPr lvl="3"/>
             <a:r>
-              <a:rPr lang="en-US" smtClean="0"/>
+              <a:rPr lang="en-US"/>
               <a:t>Fourth level</a:t>
             </a:r>
           </a:p>
           <a:p>
             <a:pPr lvl="4"/>
             <a:r>
-              <a:rPr lang="en-US" smtClean="0"/>
+              <a:rPr lang="en-US"/>
               <a:t>Fifth level</a:t>
             </a:r>
-            <a:endParaRPr lang="en-US"/>
           </a:p>
         </p:txBody>
       </p:sp>
@@ -4493,7 +4473,7 @@
           <a:p>
             <a:pPr lvl="0"/>
             <a:r>
-              <a:rPr lang="en-US" smtClean="0"/>
+              <a:rPr lang="en-US"/>
               <a:t>Click to edit Master text styles</a:t>
             </a:r>
           </a:p>
@@ -4522,7 +4502,7 @@
               <a:pPr>
                 <a:defRPr/>
               </a:pPr>
-              <a:t>Saturday, May 9, 2020</a:t>
+              <a:t>Thursday, February 24, 2022</a:t>
             </a:fld>
             <a:endParaRPr lang="en-US"/>
           </a:p>
@@ -4634,10 +4614,9 @@
           </a:lstStyle>
           <a:p>
             <a:r>
-              <a:rPr lang="en-US" smtClean="0"/>
+              <a:rPr lang="en-US"/>
               <a:t>Click to edit Master title style</a:t>
             </a:r>
-            <a:endParaRPr lang="en-US"/>
           </a:p>
         </p:txBody>
       </p:sp>
@@ -4761,7 +4740,7 @@
           <a:p>
             <a:pPr lvl="0"/>
             <a:r>
-              <a:rPr lang="en-US" smtClean="0"/>
+              <a:rPr lang="en-US"/>
               <a:t>Click to edit Master text styles</a:t>
             </a:r>
           </a:p>
@@ -4790,7 +4769,7 @@
               <a:pPr>
                 <a:defRPr/>
               </a:pPr>
-              <a:t>Saturday, May 9, 2020</a:t>
+              <a:t>Thursday, February 24, 2022</a:t>
             </a:fld>
             <a:endParaRPr lang="en-US"/>
           </a:p>
@@ -4908,10 +4887,9 @@
           <a:lstStyle/>
           <a:p>
             <a:r>
-              <a:rPr lang="en-US" smtClean="0"/>
+              <a:rPr lang="en-US"/>
               <a:t>Click to edit Master title style</a:t>
             </a:r>
-            <a:endParaRPr lang="en-US"/>
           </a:p>
         </p:txBody>
       </p:sp>
@@ -4942,38 +4920,37 @@
           <a:p>
             <a:pPr lvl="0"/>
             <a:r>
-              <a:rPr lang="en-US" smtClean="0"/>
+              <a:rPr lang="en-US"/>
               <a:t>Click to edit Master text styles</a:t>
             </a:r>
           </a:p>
           <a:p>
             <a:pPr lvl="1"/>
             <a:r>
-              <a:rPr lang="en-US" smtClean="0"/>
+              <a:rPr lang="en-US"/>
               <a:t>Second level</a:t>
             </a:r>
           </a:p>
           <a:p>
             <a:pPr lvl="2"/>
             <a:r>
-              <a:rPr lang="en-US" smtClean="0"/>
+              <a:rPr lang="en-US"/>
               <a:t>Third level</a:t>
             </a:r>
           </a:p>
           <a:p>
             <a:pPr lvl="3"/>
             <a:r>
-              <a:rPr lang="en-US" smtClean="0"/>
+              <a:rPr lang="en-US"/>
               <a:t>Fourth level</a:t>
             </a:r>
           </a:p>
           <a:p>
             <a:pPr lvl="4"/>
             <a:r>
-              <a:rPr lang="en-US" smtClean="0"/>
+              <a:rPr lang="en-US"/>
               <a:t>Fifth level</a:t>
             </a:r>
-            <a:endParaRPr lang="en-US"/>
           </a:p>
         </p:txBody>
       </p:sp>
@@ -5018,7 +4995,7 @@
               <a:pPr>
                 <a:defRPr/>
               </a:pPr>
-              <a:t>Saturday, May 9, 2020</a:t>
+              <a:t>Thursday, February 24, 2022</a:t>
             </a:fld>
             <a:endParaRPr lang="en-US" dirty="0"/>
           </a:p>
@@ -5425,10 +5402,9 @@
               <a:defRPr/>
             </a:pPr>
             <a:r>
-              <a:rPr lang="en-US" dirty="0" smtClean="0"/>
+              <a:rPr lang="en-US" dirty="0"/>
               <a:t>CSSE 220</a:t>
             </a:r>
-            <a:endParaRPr lang="en-US" dirty="0"/>
           </a:p>
         </p:txBody>
       </p:sp>
@@ -5453,7 +5429,7 @@
               </a:lnSpc>
             </a:pPr>
             <a:r>
-              <a:rPr lang="en-US" sz="2500" dirty="0" smtClean="0"/>
+              <a:rPr lang="en-US" sz="2500" dirty="0"/>
               <a:t>Merge Sort</a:t>
             </a:r>
           </a:p>
@@ -5463,7 +5439,7 @@
                 <a:spcPct val="90000"/>
               </a:lnSpc>
             </a:pPr>
-            <a:endParaRPr lang="en-US" sz="2500" dirty="0" smtClean="0"/>
+            <a:endParaRPr lang="en-US" sz="2500" dirty="0"/>
           </a:p>
           <a:p>
             <a:pPr marR="0" eaLnBrk="1" hangingPunct="1">
@@ -5471,75 +5447,100 @@
                 <a:spcPct val="90000"/>
               </a:lnSpc>
             </a:pPr>
-            <a:endParaRPr lang="en-US" sz="2500" dirty="0" smtClean="0"/>
-          </a:p>
-        </p:txBody>
-      </p:sp>
-      <p:sp>
-        <p:nvSpPr>
-          <p:cNvPr id="4" name="TextBox 3"/>
-          <p:cNvSpPr txBox="1"/>
+            <a:endParaRPr lang="en-US" sz="2500" dirty="0"/>
+          </a:p>
+        </p:txBody>
+      </p:sp>
+      <p:sp>
+        <p:nvSpPr>
+          <p:cNvPr id="5" name="Rectangle 4">
+            <a:extLst>
+              <a:ext uri="{FF2B5EF4-FFF2-40B4-BE49-F238E27FC236}">
+                <a16:creationId xmlns:a16="http://schemas.microsoft.com/office/drawing/2014/main" id="{0CAE7307-1561-AB49-AE8E-CD9D14D77EEA}"/>
+              </a:ext>
+            </a:extLst>
+          </p:cNvPr>
+          <p:cNvSpPr/>
           <p:nvPr/>
         </p:nvSpPr>
         <p:spPr>
           <a:xfrm>
-            <a:off x="285750" y="6242050"/>
-            <a:ext cx="5657850" cy="369332"/>
+            <a:off x="304800" y="4991100"/>
+            <a:ext cx="8534400" cy="1295400"/>
           </a:xfrm>
           <a:prstGeom prst="rect">
             <a:avLst/>
           </a:prstGeom>
+          <a:solidFill>
+            <a:schemeClr val="accent3"/>
+          </a:solidFill>
         </p:spPr>
         <p:style>
           <a:lnRef idx="2">
-            <a:schemeClr val="accent4">
+            <a:schemeClr val="accent3">
               <a:shade val="50000"/>
             </a:schemeClr>
           </a:lnRef>
           <a:fillRef idx="1">
-            <a:schemeClr val="accent4"/>
+            <a:schemeClr val="accent3"/>
           </a:fillRef>
           <a:effectRef idx="0">
-            <a:schemeClr val="accent4"/>
+            <a:schemeClr val="accent3"/>
           </a:effectRef>
           <a:fontRef idx="minor">
             <a:schemeClr val="lt1"/>
           </a:fontRef>
         </p:style>
         <p:txBody>
-          <a:bodyPr>
-            <a:spAutoFit/>
-          </a:bodyPr>
+          <a:bodyPr rtlCol="0" anchor="ctr"/>
           <a:lstStyle/>
           <a:p>
-            <a:pPr>
-              <a:defRPr/>
+            <a:r>
+              <a:rPr lang="en-US" sz="2400" dirty="0">
+                <a:solidFill>
+                  <a:srgbClr val="FFFFFF"/>
+                </a:solidFill>
+              </a:rPr>
+              <a:t>The </a:t>
+            </a:r>
+            <a:r>
+              <a:rPr lang="en-US" sz="2400" i="1" dirty="0">
+                <a:solidFill>
+                  <a:srgbClr val="FFFFFF"/>
+                </a:solidFill>
+              </a:rPr>
+              <a:t>git</a:t>
+            </a:r>
+            <a:r>
+              <a:rPr lang="en-US" sz="2400" dirty="0">
+                <a:solidFill>
+                  <a:srgbClr val="FFFFFF"/>
+                </a:solidFill>
+              </a:rPr>
+              <a:t> projects for today are:</a:t>
+            </a:r>
+          </a:p>
+          <a:p>
+            <a:pPr marL="342900" indent="-342900">
+              <a:buFont typeface="Arial" panose="020B0604020202020204" pitchFamily="34" charset="0"/>
+              <a:buChar char="•"/>
             </a:pPr>
             <a:r>
-              <a:rPr lang="en-US" dirty="0"/>
-              <a:t>Checkout </a:t>
-            </a:r>
-            <a:r>
-              <a:rPr lang="en-US" i="1" dirty="0" err="1" smtClean="0"/>
-              <a:t>MergeSortSimple</a:t>
-            </a:r>
-            <a:r>
-              <a:rPr lang="en-US" i="1" dirty="0" smtClean="0"/>
-              <a:t> </a:t>
-            </a:r>
-            <a:r>
-              <a:rPr lang="en-US" dirty="0" smtClean="0"/>
-              <a:t>project </a:t>
-            </a:r>
-            <a:r>
-              <a:rPr lang="en-US" dirty="0"/>
-              <a:t>from </a:t>
-            </a:r>
-            <a:r>
-              <a:rPr lang="en-US" dirty="0" err="1" smtClean="0"/>
-              <a:t>Git</a:t>
-            </a:r>
-            <a:endParaRPr lang="en-US" dirty="0"/>
+              <a:rPr lang="en-US" sz="2400" i="1" dirty="0" err="1"/>
+              <a:t>PracticeMergeSortSimple</a:t>
+            </a:r>
+            <a:endParaRPr lang="en-US" sz="2400" i="1" dirty="0"/>
+          </a:p>
+          <a:p>
+            <a:pPr marL="342900" indent="-342900">
+              <a:buFont typeface="Arial" panose="020B0604020202020204" pitchFamily="34" charset="0"/>
+              <a:buChar char="•"/>
+            </a:pPr>
+            <a:r>
+              <a:rPr lang="en-US" sz="2400" i="1" dirty="0" err="1"/>
+              <a:t>PracticeMergeSortSimpleSolution</a:t>
+            </a:r>
+            <a:endParaRPr lang="en-US" sz="2400" i="1" dirty="0"/>
           </a:p>
         </p:txBody>
       </p:sp>
@@ -5560,13 +5561,6 @@
       </p:transition>
     </mc:Fallback>
   </mc:AlternateContent>
-  <p:timing>
-    <p:tnLst>
-      <p:par>
-        <p:cTn id="1" dur="indefinite" restart="never" nodeType="tmRoot"/>
-      </p:par>
-    </p:tnLst>
-  </p:timing>
 </p:sld>
 </file>
 
@@ -5627,21 +5621,7 @@
                 </a:uFill>
                 <a:latin typeface="Calibri"/>
               </a:rPr>
-              <a:t>Next </a:t>
-            </a:r>
-            <a:r>
-              <a:rPr lang="en-US" sz="4400" spc="-1" dirty="0" smtClean="0">
-                <a:solidFill>
-                  <a:srgbClr val="000000"/>
-                </a:solidFill>
-                <a:uFill>
-                  <a:solidFill>
-                    <a:srgbClr val="FFFFFF"/>
-                  </a:solidFill>
-                </a:uFill>
-                <a:latin typeface="Calibri"/>
-              </a:rPr>
-              <a:t>Week: Your Presentations</a:t>
+              <a:t>Next Week: Your Presentations</a:t>
             </a:r>
             <a:endParaRPr lang="en-US" sz="1800" b="0" strike="noStrike" spc="-1" dirty="0">
               <a:solidFill>
@@ -5691,20 +5671,6 @@
               <a:buChar char="•"/>
             </a:pPr>
             <a:r>
-              <a:rPr lang="en-US" sz="2400" b="0" strike="noStrike" spc="-1" dirty="0" smtClean="0">
-                <a:solidFill>
-                  <a:srgbClr val="000000"/>
-                </a:solidFill>
-                <a:uFill>
-                  <a:solidFill>
-                    <a:srgbClr val="FFFFFF"/>
-                  </a:solidFill>
-                </a:uFill>
-                <a:latin typeface="Calibri"/>
-              </a:rPr>
-              <a:t>7 </a:t>
-            </a:r>
-            <a:r>
               <a:rPr lang="en-US" sz="2400" b="0" strike="noStrike" spc="-1" dirty="0">
                 <a:solidFill>
                   <a:srgbClr val="000000"/>
@@ -5716,21 +5682,7 @@
                 </a:uFill>
                 <a:latin typeface="Calibri"/>
               </a:rPr>
-              <a:t>minutes </a:t>
-            </a:r>
-            <a:r>
-              <a:rPr lang="en-US" sz="2400" b="0" strike="noStrike" spc="-1" dirty="0" smtClean="0">
-                <a:solidFill>
-                  <a:srgbClr val="000000"/>
-                </a:solidFill>
-                <a:uFill>
-                  <a:solidFill>
-                    <a:srgbClr val="FFFFFF"/>
-                  </a:solidFill>
-                </a:uFill>
-                <a:latin typeface="Calibri"/>
-              </a:rPr>
-              <a:t>long (Rehearse! Aim to be within 30 seconds +/- )</a:t>
+              <a:t>7 minutes long (Rehearse! Aim to be within 30 seconds +/- )</a:t>
             </a:r>
           </a:p>
           <a:p>
@@ -5779,35 +5731,7 @@
                 </a:uFill>
                 <a:latin typeface="Calibri"/>
               </a:rPr>
-              <a:t>~3 </a:t>
-            </a:r>
-            <a:r>
-              <a:rPr lang="en-US" sz="2400" b="0" strike="noStrike" spc="-1" dirty="0" smtClean="0">
-                <a:solidFill>
-                  <a:srgbClr val="000000"/>
-                </a:solidFill>
-                <a:uFill>
-                  <a:solidFill>
-                    <a:srgbClr val="FFFFFF"/>
-                  </a:solidFill>
-                </a:uFill>
-                <a:latin typeface="Calibri"/>
-              </a:rPr>
-              <a:t>min. Showing </a:t>
-            </a:r>
-            <a:r>
-              <a:rPr lang="en-US" sz="2400" b="0" strike="noStrike" spc="-1" dirty="0">
-                <a:solidFill>
-                  <a:srgbClr val="000000"/>
-                </a:solidFill>
-                <a:uFill>
-                  <a:solidFill>
-                    <a:srgbClr val="FFFFFF"/>
-                  </a:solidFill>
-                </a:uFill>
-                <a:latin typeface="Calibri"/>
-              </a:rPr>
-              <a:t>off your </a:t>
+              <a:t>~3 min. Showing off your </a:t>
             </a:r>
             <a:r>
               <a:rPr lang="en-US" sz="2400" b="1" strike="noStrike" spc="-1" dirty="0">
@@ -5821,21 +5745,7 @@
                 </a:uFill>
                 <a:latin typeface="Calibri"/>
               </a:rPr>
-              <a:t>extra </a:t>
-            </a:r>
-            <a:r>
-              <a:rPr lang="en-US" sz="2400" b="1" strike="noStrike" spc="-1" dirty="0" smtClean="0">
-                <a:solidFill>
-                  <a:srgbClr val="000000"/>
-                </a:solidFill>
-                <a:uFill>
-                  <a:solidFill>
-                    <a:srgbClr val="FFFFFF"/>
-                  </a:solidFill>
-                </a:uFill>
-                <a:latin typeface="Calibri"/>
-              </a:rPr>
-              <a:t>features</a:t>
+              <a:t>extra features</a:t>
             </a:r>
           </a:p>
           <a:p>
@@ -5847,7 +5757,7 @@
               <a:buChar char="•"/>
             </a:pPr>
             <a:r>
-              <a:rPr lang="en-US" sz="2400" spc="-1" dirty="0" smtClean="0">
+              <a:rPr lang="en-US" sz="2400" spc="-1" dirty="0">
                 <a:solidFill>
                   <a:srgbClr val="000000"/>
                 </a:solidFill>
@@ -5893,7 +5803,7 @@
               <a:buChar char="•"/>
             </a:pPr>
             <a:r>
-              <a:rPr lang="en-US" sz="2400" b="0" strike="noStrike" spc="-1" dirty="0" smtClean="0">
+              <a:rPr lang="en-US" sz="2400" b="0" strike="noStrike" spc="-1" dirty="0">
                 <a:solidFill>
                   <a:srgbClr val="000000"/>
                 </a:solidFill>
@@ -5907,7 +5817,7 @@
               <a:t>~2 min. </a:t>
             </a:r>
             <a:r>
-              <a:rPr lang="en-US" sz="2400" b="1" strike="noStrike" spc="-1" dirty="0" smtClean="0">
+              <a:rPr lang="en-US" sz="2400" b="1" strike="noStrike" spc="-1" dirty="0">
                 <a:solidFill>
                   <a:srgbClr val="000000"/>
                 </a:solidFill>
@@ -5935,7 +5845,7 @@
               <a:t>o</a:t>
             </a:r>
             <a:r>
-              <a:rPr lang="en-US" sz="2400" b="1" strike="noStrike" spc="-1" dirty="0" smtClean="0">
+              <a:rPr lang="en-US" sz="2400" b="1" strike="noStrike" spc="-1" dirty="0">
                 <a:solidFill>
                   <a:srgbClr val="000000"/>
                 </a:solidFill>
@@ -5949,7 +5859,7 @@
               <a:t>verall design </a:t>
             </a:r>
             <a:r>
-              <a:rPr lang="en-US" sz="2400" b="0" strike="noStrike" spc="-1" dirty="0" smtClean="0">
+              <a:rPr lang="en-US" sz="2400" b="0" strike="noStrike" spc="-1" dirty="0">
                 <a:solidFill>
                   <a:srgbClr val="000000"/>
                 </a:solidFill>
@@ -5972,7 +5882,7 @@
               <a:buChar char="•"/>
             </a:pPr>
             <a:r>
-              <a:rPr lang="en-US" sz="2400" spc="-1" dirty="0" smtClean="0">
+              <a:rPr lang="en-US" sz="2400" spc="-1" dirty="0">
                 <a:solidFill>
                   <a:srgbClr val="000000"/>
                 </a:solidFill>
@@ -6015,7 +5925,7 @@
               <a:buChar char="•"/>
             </a:pPr>
             <a:r>
-              <a:rPr lang="en-US" sz="2400" b="0" strike="noStrike" spc="-1" dirty="0" smtClean="0">
+              <a:rPr lang="en-US" sz="2400" b="0" strike="noStrike" spc="-1" dirty="0">
                 <a:solidFill>
                   <a:srgbClr val="000000"/>
                 </a:solidFill>
@@ -6029,20 +5939,6 @@
               <a:t>~2 min. </a:t>
             </a:r>
             <a:r>
-              <a:rPr lang="en-US" sz="2400" b="1" strike="noStrike" spc="-1" dirty="0" smtClean="0">
-                <a:solidFill>
-                  <a:srgbClr val="000000"/>
-                </a:solidFill>
-                <a:uFill>
-                  <a:solidFill>
-                    <a:srgbClr val="FFFFFF"/>
-                  </a:solidFill>
-                </a:uFill>
-                <a:latin typeface="Calibri"/>
-              </a:rPr>
-              <a:t>Design </a:t>
-            </a:r>
-            <a:r>
               <a:rPr lang="en-US" sz="2400" b="1" strike="noStrike" spc="-1" dirty="0">
                 <a:solidFill>
                   <a:srgbClr val="000000"/>
@@ -6054,7 +5950,7 @@
                 </a:uFill>
                 <a:latin typeface="Calibri"/>
               </a:rPr>
-              <a:t>decision, feature implementation, or tricky bug</a:t>
+              <a:t>Design decision, feature implementation, or tricky bug</a:t>
             </a:r>
           </a:p>
           <a:p>
@@ -6117,14 +6013,6 @@
   <p:clrMapOvr>
     <a:masterClrMapping/>
   </p:clrMapOvr>
-  <mc:AlternateContent xmlns:mc="http://schemas.openxmlformats.org/markup-compatibility/2006">
-    <mc:Choice xmlns:p14="http://schemas.microsoft.com/office/powerpoint/2010/main" Requires="p14">
-      <p:transition spd="slow" p14:dur="2000"/>
-    </mc:Choice>
-    <mc:Fallback>
-      <p:transition spd="slow"/>
-    </mc:Fallback>
-  </mc:AlternateContent>
   <p:timing>
     <p:tnLst>
       <p:par>
@@ -6228,28 +6116,18 @@
           <a:p>
             <a:r>
               <a:rPr lang="en-US" dirty="0"/>
-              <a:t>How to record your screen on Windows 10 using Game </a:t>
-            </a:r>
-            <a:r>
-              <a:rPr lang="en-US" dirty="0" smtClean="0"/>
-              <a:t>Bar (Windows Key  + g)</a:t>
-            </a:r>
-            <a:endParaRPr lang="en-US" dirty="0" smtClean="0">
+              <a:t>How to record your screen on Windows 10 using Game Bar (Windows Key  + g)</a:t>
+            </a:r>
+            <a:endParaRPr lang="en-US" dirty="0">
               <a:hlinkClick r:id="rId5"/>
             </a:endParaRPr>
           </a:p>
           <a:p>
-            <a:r>
-              <a:rPr lang="en-US" dirty="0" smtClean="0">
-                <a:hlinkClick r:id="rId5"/>
-              </a:rPr>
-              <a:t>https</a:t>
-            </a:r>
             <a:r>
               <a:rPr lang="en-US" dirty="0">
                 <a:hlinkClick r:id="rId5"/>
               </a:rPr>
-              <a:t>://www.businessinsider.com/how-to-record-screen-on-windows-10</a:t>
+              <a:t>https://www.businessinsider.com/how-to-record-screen-on-windows-10</a:t>
             </a:r>
             <a:endParaRPr lang="en-US" dirty="0"/>
           </a:p>
@@ -6412,28 +6290,27 @@
           <a:lstStyle/>
           <a:p>
             <a:r>
-              <a:rPr lang="en-US" sz="3200" dirty="0" smtClean="0"/>
+              <a:rPr lang="en-US" sz="3200" dirty="0"/>
               <a:t>First “</a:t>
             </a:r>
             <a:r>
-              <a:rPr lang="en-US" sz="3200" dirty="0" err="1" smtClean="0"/>
+              <a:rPr lang="en-US" sz="3200" dirty="0" err="1"/>
               <a:t>RainDrop</a:t>
             </a:r>
             <a:r>
-              <a:rPr lang="en-US" sz="3200" dirty="0" smtClean="0"/>
+              <a:rPr lang="en-US" sz="3200" dirty="0"/>
               <a:t>” sim:</a:t>
             </a:r>
           </a:p>
           <a:p>
             <a:r>
-              <a:rPr lang="en-US" sz="3200" dirty="0" smtClean="0"/>
+              <a:rPr lang="en-US" sz="3200" dirty="0"/>
               <a:t>Coupling - ?</a:t>
             </a:r>
-            <a:endParaRPr lang="en-US" sz="3200" dirty="0"/>
-          </a:p>
-          <a:p>
-            <a:r>
-              <a:rPr lang="en-US" sz="3200" dirty="0" smtClean="0"/>
+          </a:p>
+          <a:p>
+            <a:r>
+              <a:rPr lang="en-US" sz="3200" dirty="0"/>
               <a:t>Cohesion – ?</a:t>
             </a:r>
           </a:p>
@@ -6478,13 +6355,6 @@
   <p:clrMapOvr>
     <a:masterClrMapping/>
   </p:clrMapOvr>
-  <p:timing>
-    <p:tnLst>
-      <p:par>
-        <p:cTn id="1" dur="indefinite" restart="never" nodeType="tmRoot"/>
-      </p:par>
-    </p:tnLst>
-  </p:timing>
 </p:sld>
 </file>
 
@@ -6553,30 +6423,23 @@
               <a:rPr lang="en-US" dirty="0">
                 <a:hlinkClick r:id="rId3"/>
               </a:rPr>
-              <a:t>https://graphviz.gitlab.io/download</a:t>
-            </a:r>
-            <a:r>
-              <a:rPr lang="en-US" dirty="0" smtClean="0">
-                <a:hlinkClick r:id="rId3"/>
-              </a:rPr>
-              <a:t>/</a:t>
-            </a:r>
-            <a:endParaRPr lang="en-US" dirty="0" smtClean="0"/>
-          </a:p>
-          <a:p>
-            <a:r>
-              <a:rPr lang="en-US" dirty="0" smtClean="0"/>
+              <a:t>https://graphviz.gitlab.io/download/</a:t>
+            </a:r>
+            <a:endParaRPr lang="en-US" dirty="0"/>
+          </a:p>
+          <a:p>
+            <a:r>
+              <a:rPr lang="en-US" dirty="0"/>
               <a:t>Windows Stable Installed (</a:t>
             </a:r>
             <a:r>
-              <a:rPr lang="en-US" dirty="0" err="1" smtClean="0"/>
+              <a:rPr lang="en-US" dirty="0" err="1"/>
               <a:t>msi</a:t>
             </a:r>
             <a:r>
-              <a:rPr lang="en-US" dirty="0" smtClean="0"/>
+              <a:rPr lang="en-US" dirty="0"/>
               <a:t>)</a:t>
             </a:r>
-            <a:endParaRPr lang="en-US" dirty="0"/>
           </a:p>
         </p:txBody>
       </p:sp>
@@ -6681,14 +6544,13 @@
           <a:lstStyle/>
           <a:p>
             <a:r>
-              <a:rPr lang="en-US" sz="4000" dirty="0" err="1" smtClean="0"/>
+              <a:rPr lang="en-US" sz="4000" dirty="0" err="1"/>
               <a:t>PlantUML</a:t>
             </a:r>
             <a:r>
-              <a:rPr lang="en-US" sz="4000" dirty="0" smtClean="0"/>
+              <a:rPr lang="en-US" sz="4000" dirty="0"/>
               <a:t> Eclipse Plugin</a:t>
             </a:r>
-            <a:endParaRPr lang="en-US" sz="4000" dirty="0"/>
           </a:p>
         </p:txBody>
       </p:sp>
@@ -6755,11 +6617,11 @@
           <a:lstStyle/>
           <a:p>
             <a:r>
-              <a:rPr lang="en-US" dirty="0" smtClean="0"/>
+              <a:rPr lang="en-US" dirty="0"/>
               <a:t>Install </a:t>
             </a:r>
             <a:r>
-              <a:rPr lang="en-US" dirty="0" err="1" smtClean="0"/>
+              <a:rPr lang="en-US" dirty="0" err="1"/>
               <a:t>Graphviz</a:t>
             </a:r>
             <a:endParaRPr lang="en-US" dirty="0"/>
@@ -6896,13 +6758,6 @@
   <p:clrMapOvr>
     <a:masterClrMapping/>
   </p:clrMapOvr>
-  <p:timing>
-    <p:tnLst>
-      <p:par>
-        <p:cTn id="1" dur="indefinite" restart="never" nodeType="tmRoot"/>
-      </p:par>
-    </p:tnLst>
-  </p:timing>
 </p:sld>
 </file>
 
@@ -6980,13 +6835,6 @@
   <p:clrMapOvr>
     <a:masterClrMapping/>
   </p:clrMapOvr>
-  <p:timing>
-    <p:tnLst>
-      <p:par>
-        <p:cTn id="1" dur="indefinite" restart="never" nodeType="tmRoot"/>
-      </p:par>
-    </p:tnLst>
-  </p:timing>
 </p:sld>
 </file>
 
@@ -7054,16 +6902,15 @@
           <a:lstStyle/>
           <a:p>
             <a:r>
-              <a:rPr lang="en-US" sz="3600" dirty="0" smtClean="0"/>
+              <a:rPr lang="en-US" sz="3600" dirty="0"/>
               <a:t>Information</a:t>
             </a:r>
           </a:p>
           <a:p>
             <a:r>
-              <a:rPr lang="en-US" sz="3600" dirty="0" smtClean="0"/>
+              <a:rPr lang="en-US" sz="3600" dirty="0"/>
               <a:t>Overload!</a:t>
             </a:r>
-            <a:endParaRPr lang="en-US" sz="3600" dirty="0"/>
           </a:p>
         </p:txBody>
       </p:sp>
@@ -7077,13 +6924,6 @@
   <p:clrMapOvr>
     <a:masterClrMapping/>
   </p:clrMapOvr>
-  <p:timing>
-    <p:tnLst>
-      <p:par>
-        <p:cTn id="1" dur="indefinite" restart="never" nodeType="tmRoot"/>
-      </p:par>
-    </p:tnLst>
-  </p:timing>
 </p:sld>
 </file>
 
@@ -7201,16 +7041,15 @@
           <a:lstStyle/>
           <a:p>
             <a:r>
-              <a:rPr lang="en-US" sz="2400" dirty="0" smtClean="0"/>
+              <a:rPr lang="en-US" sz="2400" dirty="0"/>
               <a:t>&lt;- Copy UML source and </a:t>
             </a:r>
           </a:p>
           <a:p>
             <a:r>
-              <a:rPr lang="en-US" sz="2400" dirty="0" smtClean="0"/>
+              <a:rPr lang="en-US" sz="2400" dirty="0"/>
               <a:t>then remove extra  -&gt;</a:t>
             </a:r>
-            <a:endParaRPr lang="en-US" sz="2400" dirty="0"/>
           </a:p>
         </p:txBody>
       </p:sp>
@@ -7258,13 +7097,6 @@
   <p:clrMapOvr>
     <a:masterClrMapping/>
   </p:clrMapOvr>
-  <p:timing>
-    <p:tnLst>
-      <p:par>
-        <p:cTn id="1" dur="indefinite" restart="never" nodeType="tmRoot"/>
-      </p:par>
-    </p:tnLst>
-  </p:timing>
 </p:sld>
 </file>
 
@@ -7309,7 +7141,7 @@
           <a:p>
             <a:pPr algn="ctr"/>
             <a:r>
-              <a:rPr lang="en-US" sz="4000" b="1" dirty="0" smtClean="0"/>
+              <a:rPr lang="en-US" sz="4000" b="1" dirty="0"/>
               <a:t>Final Project Advice:</a:t>
             </a:r>
           </a:p>
@@ -7318,7 +7150,7 @@
               <a:buAutoNum type="arabicPeriod"/>
             </a:pPr>
             <a:r>
-              <a:rPr lang="en-US" sz="3200" dirty="0" smtClean="0"/>
+              <a:rPr lang="en-US" sz="3200" dirty="0"/>
               <a:t>Pull, Edit, Pull, Commit + Push</a:t>
             </a:r>
           </a:p>
@@ -7327,7 +7159,7 @@
               <a:buAutoNum type="arabicPeriod"/>
             </a:pPr>
             <a:r>
-              <a:rPr lang="en-US" sz="3200" dirty="0" smtClean="0"/>
+              <a:rPr lang="en-US" sz="3200" dirty="0"/>
               <a:t>Only Commit working code</a:t>
             </a:r>
           </a:p>
@@ -7336,7 +7168,7 @@
               <a:buAutoNum type="arabicPeriod"/>
             </a:pPr>
             <a:r>
-              <a:rPr lang="en-US" sz="3200" dirty="0" smtClean="0"/>
+              <a:rPr lang="en-US" sz="3200" dirty="0"/>
               <a:t>Each Commit: smallest testable chunk</a:t>
             </a:r>
           </a:p>
@@ -7345,7 +7177,7 @@
               <a:buAutoNum type="arabicPeriod"/>
             </a:pPr>
             <a:r>
-              <a:rPr lang="en-US" sz="3200" dirty="0" smtClean="0"/>
+              <a:rPr lang="en-US" sz="3200" dirty="0"/>
               <a:t>No Major revisions after M3</a:t>
             </a:r>
           </a:p>
@@ -7354,7 +7186,7 @@
               <a:buAutoNum type="arabicPeriod"/>
             </a:pPr>
             <a:r>
-              <a:rPr lang="en-US" sz="3200" b="1" u="sng" dirty="0" smtClean="0"/>
+              <a:rPr lang="en-US" sz="3200" b="1" u="sng" dirty="0"/>
               <a:t>Debugging Problem?</a:t>
             </a:r>
           </a:p>
@@ -7364,7 +7196,7 @@
               <a:buAutoNum type="alphaUcPeriod"/>
             </a:pPr>
             <a:r>
-              <a:rPr lang="en-US" sz="3200" dirty="0" smtClean="0"/>
+              <a:rPr lang="en-US" sz="3200" dirty="0"/>
               <a:t>Is the code running where you think it is?</a:t>
             </a:r>
           </a:p>
@@ -7374,26 +7206,26 @@
               <a:buAutoNum type="alphaUcPeriod"/>
             </a:pPr>
             <a:r>
-              <a:rPr lang="en-US" sz="3200" dirty="0" smtClean="0"/>
+              <a:rPr lang="en-US" sz="3200" dirty="0"/>
               <a:t>Are the values what you think they are?</a:t>
             </a:r>
           </a:p>
           <a:p>
             <a:pPr lvl="2"/>
             <a:r>
-              <a:rPr lang="en-US" sz="3200" dirty="0" smtClean="0">
+              <a:rPr lang="en-US" sz="3200" dirty="0">
                 <a:latin typeface="+mj-lt"/>
               </a:rPr>
               <a:t>public static final </a:t>
             </a:r>
             <a:r>
-              <a:rPr lang="en-US" sz="3200" dirty="0" err="1" smtClean="0">
+              <a:rPr lang="en-US" sz="3200" dirty="0" err="1">
                 <a:latin typeface="+mj-lt"/>
               </a:rPr>
               <a:t>int</a:t>
             </a:r>
             <a:r>
-              <a:rPr lang="en-US" sz="3200" dirty="0" smtClean="0">
+              <a:rPr lang="en-US" sz="3200" dirty="0">
                 <a:latin typeface="+mj-lt"/>
               </a:rPr>
               <a:t> LOG_LEVEL=0;</a:t>
@@ -7402,7 +7234,7 @@
           <a:p>
             <a:pPr lvl="2"/>
             <a:r>
-              <a:rPr lang="en-US" sz="3200" dirty="0" smtClean="0">
+              <a:rPr lang="en-US" sz="3200" dirty="0">
                 <a:latin typeface="+mj-lt"/>
               </a:rPr>
               <a:t>…</a:t>
@@ -7411,7 +7243,7 @@
           <a:p>
             <a:pPr lvl="2"/>
             <a:r>
-              <a:rPr lang="en-US" sz="3200" dirty="0" smtClean="0">
+              <a:rPr lang="en-US" sz="3200" dirty="0">
                 <a:latin typeface="+mj-lt"/>
               </a:rPr>
               <a:t>if (LOG_LEVEL &gt; 0) </a:t>
@@ -7423,12 +7255,12 @@
               <a:t>System.out.println</a:t>
             </a:r>
             <a:r>
-              <a:rPr lang="en-US" sz="3200" dirty="0" smtClean="0">
+              <a:rPr lang="en-US" sz="3200" dirty="0">
                 <a:latin typeface="+mj-lt"/>
               </a:rPr>
               <a:t>();</a:t>
             </a:r>
-            <a:endParaRPr lang="en-US" sz="3200" dirty="0" smtClean="0"/>
+            <a:endParaRPr lang="en-US" sz="3200" dirty="0"/>
           </a:p>
           <a:p>
             <a:pPr marL="1200150" lvl="1" indent="-742950">
@@ -7436,7 +7268,7 @@
               <a:buAutoNum type="alphaUcPeriod"/>
             </a:pPr>
             <a:r>
-              <a:rPr lang="en-US" sz="3200" dirty="0" smtClean="0"/>
+              <a:rPr lang="en-US" sz="3200" dirty="0"/>
               <a:t>The debugger is your friend!</a:t>
             </a:r>
           </a:p>
@@ -7444,7 +7276,7 @@
             <a:pPr marL="1200150" lvl="1" indent="-742950">
               <a:buAutoNum type="alphaUcPeriod"/>
             </a:pPr>
-            <a:endParaRPr lang="en-US" sz="3200" dirty="0" smtClean="0"/>
+            <a:endParaRPr lang="en-US" sz="3200" dirty="0"/>
           </a:p>
           <a:p>
             <a:pPr marL="1200150" lvl="1" indent="-742950">
@@ -7464,13 +7296,6 @@
   <p:clrMapOvr>
     <a:masterClrMapping/>
   </p:clrMapOvr>
-  <p:timing>
-    <p:tnLst>
-      <p:par>
-        <p:cTn id="1" dur="indefinite" restart="never" nodeType="tmRoot"/>
-      </p:par>
-    </p:tnLst>
-  </p:timing>
 </p:sld>
 </file>
 
@@ -7514,25 +7339,19 @@
           <a:p>
             <a:pPr algn="ctr"/>
             <a:r>
-              <a:rPr lang="en-US" sz="2400" b="1" dirty="0" smtClean="0"/>
+              <a:rPr lang="en-US" sz="2400" b="1" dirty="0"/>
               <a:t>Sounds of Sorting</a:t>
             </a:r>
-            <a:endParaRPr lang="en-US" sz="2400" b="1" dirty="0" smtClean="0">
+            <a:endParaRPr lang="en-US" sz="2400" b="1" dirty="0">
               <a:hlinkClick r:id="rId3"/>
             </a:endParaRPr>
           </a:p>
           <a:p>
-            <a:r>
-              <a:rPr lang="en-US" dirty="0" smtClean="0">
-                <a:hlinkClick r:id="rId3"/>
-              </a:rPr>
-              <a:t>https</a:t>
-            </a:r>
             <a:r>
               <a:rPr lang="en-US" dirty="0">
                 <a:hlinkClick r:id="rId3"/>
               </a:rPr>
-              <a:t>://www.youtube.com/watch?v=kPRA0W1kECg</a:t>
+              <a:t>https://www.youtube.com/watch?v=kPRA0W1kECg</a:t>
             </a:r>
             <a:endParaRPr lang="en-US" dirty="0"/>
           </a:p>
@@ -7574,13 +7393,6 @@
   <p:clrMapOvr>
     <a:masterClrMapping/>
   </p:clrMapOvr>
-  <p:timing>
-    <p:tnLst>
-      <p:par>
-        <p:cTn id="1" dur="indefinite" restart="never" nodeType="tmRoot"/>
-      </p:par>
-    </p:tnLst>
-  </p:timing>
 </p:sld>
 </file>
 
@@ -7617,10 +7429,9 @@
           <a:lstStyle/>
           <a:p>
             <a:r>
-              <a:rPr lang="en-US" dirty="0" smtClean="0"/>
+              <a:rPr lang="en-US" dirty="0"/>
               <a:t>Today’s Plan</a:t>
             </a:r>
-            <a:endParaRPr lang="en-US" dirty="0"/>
           </a:p>
         </p:txBody>
       </p:sp>
@@ -7645,37 +7456,37 @@
           <a:lstStyle/>
           <a:p>
             <a:r>
-              <a:rPr lang="en-US" dirty="0" smtClean="0"/>
+              <a:rPr lang="en-US" dirty="0"/>
               <a:t>Review Sorts (Insertion, Selection)</a:t>
             </a:r>
           </a:p>
           <a:p>
             <a:r>
-              <a:rPr lang="en-US" dirty="0" smtClean="0"/>
+              <a:rPr lang="en-US" dirty="0"/>
               <a:t>Big-oh practice</a:t>
             </a:r>
           </a:p>
           <a:p>
             <a:r>
-              <a:rPr lang="en-US" dirty="0" smtClean="0"/>
+              <a:rPr lang="en-US" dirty="0"/>
               <a:t>Merge sort</a:t>
             </a:r>
           </a:p>
           <a:p>
             <a:r>
-              <a:rPr lang="en-US" dirty="0" smtClean="0"/>
+              <a:rPr lang="en-US" dirty="0"/>
               <a:t>Presentation Guidelines </a:t>
             </a:r>
           </a:p>
           <a:p>
             <a:pPr lvl="1"/>
             <a:r>
-              <a:rPr lang="en-US" dirty="0" smtClean="0"/>
+              <a:rPr lang="en-US" dirty="0"/>
               <a:t>(1 week from today!)</a:t>
             </a:r>
           </a:p>
           <a:p>
-            <a:endParaRPr lang="en-US" dirty="0" smtClean="0"/>
+            <a:endParaRPr lang="en-US" dirty="0"/>
           </a:p>
         </p:txBody>
       </p:sp>
@@ -7761,13 +7572,6 @@
       </p:transition>
     </mc:Fallback>
   </mc:AlternateContent>
-  <p:timing>
-    <p:tnLst>
-      <p:par>
-        <p:cTn id="1" dur="indefinite" restart="never" nodeType="tmRoot"/>
-      </p:par>
-    </p:tnLst>
-  </p:timing>
 </p:sld>
 </file>
 
@@ -7807,10 +7611,9 @@
               <a:defRPr/>
             </a:pPr>
             <a:r>
-              <a:rPr lang="en-US" dirty="0" smtClean="0"/>
+              <a:rPr lang="en-US" dirty="0"/>
               <a:t>Merge Sort</a:t>
             </a:r>
-            <a:endParaRPr lang="en-US" dirty="0"/>
           </a:p>
         </p:txBody>
       </p:sp>
@@ -7830,46 +7633,46 @@
           <a:lstStyle/>
           <a:p>
             <a:r>
-              <a:rPr lang="en-US" dirty="0" smtClean="0"/>
+              <a:rPr lang="en-US" dirty="0"/>
               <a:t>Basic recursive idea:</a:t>
             </a:r>
           </a:p>
           <a:p>
             <a:pPr lvl="1"/>
             <a:r>
-              <a:rPr lang="en-US" dirty="0" smtClean="0"/>
+              <a:rPr lang="en-US" dirty="0"/>
               <a:t>If list is length 0 or 1, then it’s already sorted</a:t>
             </a:r>
           </a:p>
           <a:p>
             <a:pPr lvl="1"/>
             <a:r>
-              <a:rPr lang="en-US" dirty="0" smtClean="0"/>
+              <a:rPr lang="en-US" dirty="0"/>
               <a:t>Otherwise:</a:t>
             </a:r>
           </a:p>
           <a:p>
             <a:pPr lvl="2"/>
             <a:r>
-              <a:rPr lang="en-US" dirty="0" smtClean="0"/>
+              <a:rPr lang="en-US" dirty="0"/>
               <a:t>Divide list into two halves</a:t>
             </a:r>
           </a:p>
           <a:p>
             <a:pPr lvl="2"/>
             <a:r>
-              <a:rPr lang="en-US" dirty="0" smtClean="0"/>
+              <a:rPr lang="en-US" dirty="0"/>
               <a:t>Recursively sort the two halves</a:t>
             </a:r>
           </a:p>
           <a:p>
             <a:pPr lvl="2"/>
             <a:r>
-              <a:rPr lang="en-US" b="1" dirty="0" smtClean="0"/>
+              <a:rPr lang="en-US" b="1" dirty="0"/>
               <a:t>Merge</a:t>
             </a:r>
             <a:r>
-              <a:rPr lang="en-US" dirty="0" smtClean="0"/>
+              <a:rPr lang="en-US" dirty="0"/>
               <a:t> the sorted halves back together</a:t>
             </a:r>
           </a:p>
@@ -7892,13 +7695,6 @@
       </p:transition>
     </mc:Fallback>
   </mc:AlternateContent>
-  <p:timing>
-    <p:tnLst>
-      <p:par>
-        <p:cTn id="1" dur="indefinite" restart="never" nodeType="tmRoot"/>
-      </p:par>
-    </p:tnLst>
-  </p:timing>
 </p:sld>
 </file>
 
@@ -7944,18 +7740,13 @@
             <a:pPr>
               <a:defRPr/>
             </a:pPr>
-            <a:r>
-              <a:rPr lang="en-US" dirty="0" smtClean="0"/>
-              <a:t/>
-            </a:r>
             <a:br>
-              <a:rPr lang="en-US" dirty="0" smtClean="0"/>
+              <a:rPr lang="en-US" dirty="0"/>
             </a:br>
             <a:r>
-              <a:rPr lang="en-US" dirty="0" smtClean="0"/>
+              <a:rPr lang="en-US" dirty="0"/>
               <a:t>Merge Sort</a:t>
             </a:r>
-            <a:endParaRPr lang="en-US" dirty="0"/>
           </a:p>
         </p:txBody>
       </p:sp>
@@ -7990,45 +7781,45 @@
               <a:buNone/>
             </a:pPr>
             <a:r>
-              <a:rPr lang="en-US" sz="1800" dirty="0" smtClean="0"/>
+              <a:rPr lang="en-US" sz="1800" dirty="0"/>
               <a:t>If list is length 0 or 1,</a:t>
             </a:r>
             <a:br>
-              <a:rPr lang="en-US" sz="1800" dirty="0" smtClean="0"/>
+              <a:rPr lang="en-US" sz="1800" dirty="0"/>
             </a:br>
             <a:r>
-              <a:rPr lang="en-US" sz="1800" dirty="0" smtClean="0"/>
+              <a:rPr lang="en-US" sz="1800" dirty="0"/>
               <a:t>then it’s already sorted</a:t>
             </a:r>
           </a:p>
           <a:p>
             <a:r>
-              <a:rPr lang="en-US" sz="1800" dirty="0" smtClean="0"/>
+              <a:rPr lang="en-US" sz="1800" dirty="0"/>
               <a:t>Otherwise:</a:t>
             </a:r>
           </a:p>
           <a:p>
             <a:pPr lvl="1"/>
             <a:r>
-              <a:rPr lang="en-US" sz="1800" dirty="0" smtClean="0"/>
+              <a:rPr lang="en-US" sz="1800" dirty="0"/>
               <a:t>Divide list into two halves</a:t>
             </a:r>
           </a:p>
           <a:p>
             <a:pPr lvl="1"/>
             <a:r>
-              <a:rPr lang="en-US" sz="1800" dirty="0" smtClean="0"/>
+              <a:rPr lang="en-US" sz="1800" dirty="0"/>
               <a:t>Recursively sort the two halves</a:t>
             </a:r>
           </a:p>
           <a:p>
             <a:pPr lvl="1"/>
             <a:r>
-              <a:rPr lang="en-US" sz="1800" b="1" dirty="0" smtClean="0"/>
+              <a:rPr lang="en-US" sz="1800" b="1" dirty="0"/>
               <a:t>Merge</a:t>
             </a:r>
             <a:r>
-              <a:rPr lang="en-US" sz="1800" dirty="0" smtClean="0"/>
+              <a:rPr lang="en-US" sz="1800" dirty="0"/>
               <a:t> the sorted halves back together</a:t>
             </a:r>
           </a:p>
@@ -8081,13 +7872,6 @@
       </p:transition>
     </mc:Fallback>
   </mc:AlternateContent>
-  <p:timing>
-    <p:tnLst>
-      <p:par>
-        <p:cTn id="1" dur="indefinite" restart="never" nodeType="tmRoot"/>
-      </p:par>
-    </p:tnLst>
-  </p:timing>
 </p:sld>
 </file>
 
@@ -8133,18 +7917,13 @@
             <a:pPr>
               <a:defRPr/>
             </a:pPr>
-            <a:r>
-              <a:rPr lang="en-US" dirty="0" smtClean="0"/>
-              <a:t/>
-            </a:r>
             <a:br>
-              <a:rPr lang="en-US" dirty="0" smtClean="0"/>
+              <a:rPr lang="en-US" dirty="0"/>
             </a:br>
             <a:r>
-              <a:rPr lang="en-US" dirty="0" smtClean="0"/>
+              <a:rPr lang="en-US" dirty="0"/>
               <a:t>Merge Sort</a:t>
             </a:r>
-            <a:endParaRPr lang="en-US" dirty="0"/>
           </a:p>
         </p:txBody>
       </p:sp>
@@ -8179,45 +7958,45 @@
               <a:buNone/>
             </a:pPr>
             <a:r>
-              <a:rPr lang="en-US" sz="1800" dirty="0" smtClean="0"/>
+              <a:rPr lang="en-US" sz="1800" dirty="0"/>
               <a:t>If list is length 0 or 1,</a:t>
             </a:r>
             <a:br>
-              <a:rPr lang="en-US" sz="1800" dirty="0" smtClean="0"/>
+              <a:rPr lang="en-US" sz="1800" dirty="0"/>
             </a:br>
             <a:r>
-              <a:rPr lang="en-US" sz="1800" dirty="0" smtClean="0"/>
+              <a:rPr lang="en-US" sz="1800" dirty="0"/>
               <a:t>then it’s already sorted</a:t>
             </a:r>
           </a:p>
           <a:p>
             <a:r>
-              <a:rPr lang="en-US" sz="1800" dirty="0" smtClean="0"/>
+              <a:rPr lang="en-US" sz="1800" dirty="0"/>
               <a:t>Otherwise:</a:t>
             </a:r>
           </a:p>
           <a:p>
             <a:pPr lvl="1"/>
             <a:r>
-              <a:rPr lang="en-US" sz="1800" dirty="0" smtClean="0"/>
+              <a:rPr lang="en-US" sz="1800" dirty="0"/>
               <a:t>Divide list into two halves</a:t>
             </a:r>
           </a:p>
           <a:p>
             <a:pPr lvl="1"/>
             <a:r>
-              <a:rPr lang="en-US" sz="1800" dirty="0" smtClean="0"/>
+              <a:rPr lang="en-US" sz="1800" dirty="0"/>
               <a:t>Recursively sort the two halves</a:t>
             </a:r>
           </a:p>
           <a:p>
             <a:pPr lvl="1"/>
             <a:r>
-              <a:rPr lang="en-US" sz="1800" b="1" dirty="0" smtClean="0"/>
+              <a:rPr lang="en-US" sz="1800" b="1" dirty="0"/>
               <a:t>Merge</a:t>
             </a:r>
             <a:r>
-              <a:rPr lang="en-US" sz="1800" dirty="0" smtClean="0"/>
+              <a:rPr lang="en-US" sz="1800" dirty="0"/>
               <a:t> the sorted halves back together</a:t>
             </a:r>
           </a:p>
@@ -8429,7 +8208,7 @@
               </a:spcAft>
             </a:pPr>
             <a:r>
-              <a:rPr lang="en-US" dirty="0" smtClean="0">
+              <a:rPr lang="en-US" dirty="0">
                 <a:solidFill>
                   <a:srgbClr val="FF0000"/>
                 </a:solidFill>
@@ -8443,7 +8222,7 @@
                 <a:spcPts val="0"/>
               </a:spcAft>
             </a:pPr>
-            <a:endParaRPr lang="en-US" dirty="0" smtClean="0">
+            <a:endParaRPr lang="en-US" dirty="0">
               <a:solidFill>
                 <a:srgbClr val="FF0000"/>
               </a:solidFill>
@@ -8456,7 +8235,7 @@
               </a:spcAft>
             </a:pPr>
             <a:r>
-              <a:rPr lang="en-US" dirty="0" smtClean="0"/>
+              <a:rPr lang="en-US" dirty="0"/>
               <a:t>7 sorted lists -&gt;</a:t>
             </a:r>
           </a:p>
@@ -8466,7 +8245,7 @@
                 <a:spcPts val="0"/>
               </a:spcAft>
             </a:pPr>
-            <a:endParaRPr lang="en-US" dirty="0" smtClean="0">
+            <a:endParaRPr lang="en-US" dirty="0">
               <a:solidFill>
                 <a:srgbClr val="FF0000"/>
               </a:solidFill>
@@ -8479,18 +8258,13 @@
               </a:spcAft>
             </a:pPr>
             <a:r>
-              <a:rPr lang="en-US" dirty="0" smtClean="0">
+              <a:rPr lang="en-US" dirty="0">
                 <a:solidFill>
                   <a:srgbClr val="00B050"/>
                 </a:solidFill>
               </a:rPr>
               <a:t>Green: Merging -&gt;</a:t>
             </a:r>
-            <a:endParaRPr lang="en-US" dirty="0">
-              <a:solidFill>
-                <a:srgbClr val="00B050"/>
-              </a:solidFill>
-            </a:endParaRPr>
           </a:p>
         </p:txBody>
       </p:sp>
@@ -8516,13 +8290,6 @@
       </p:transition>
     </mc:Fallback>
   </mc:AlternateContent>
-  <p:timing>
-    <p:tnLst>
-      <p:par>
-        <p:cTn id="1" dur="indefinite" restart="never" nodeType="tmRoot"/>
-      </p:par>
-    </p:tnLst>
-  </p:timing>
 </p:sld>
 </file>
 
@@ -8569,17 +8336,16 @@
               <a:defRPr/>
             </a:pPr>
             <a:r>
-              <a:rPr lang="en-US" dirty="0" smtClean="0"/>
+              <a:rPr lang="en-US" dirty="0"/>
               <a:t>Analyzing</a:t>
             </a:r>
             <a:br>
-              <a:rPr lang="en-US" dirty="0" smtClean="0"/>
+              <a:rPr lang="en-US" dirty="0"/>
             </a:br>
             <a:r>
-              <a:rPr lang="en-US" dirty="0" smtClean="0"/>
+              <a:rPr lang="en-US" dirty="0"/>
               <a:t>Merge Sort</a:t>
             </a:r>
-            <a:endParaRPr lang="en-US" dirty="0"/>
           </a:p>
         </p:txBody>
       </p:sp>
@@ -8614,45 +8380,45 @@
               <a:buNone/>
             </a:pPr>
             <a:r>
-              <a:rPr lang="en-US" sz="1800" dirty="0" smtClean="0"/>
+              <a:rPr lang="en-US" sz="1800" dirty="0"/>
               <a:t>If list is length 0 or 1,</a:t>
             </a:r>
             <a:br>
-              <a:rPr lang="en-US" sz="1800" dirty="0" smtClean="0"/>
+              <a:rPr lang="en-US" sz="1800" dirty="0"/>
             </a:br>
             <a:r>
-              <a:rPr lang="en-US" sz="1800" dirty="0" smtClean="0"/>
+              <a:rPr lang="en-US" sz="1800" dirty="0"/>
               <a:t>then it’s already sorted</a:t>
             </a:r>
           </a:p>
           <a:p>
             <a:r>
-              <a:rPr lang="en-US" sz="1800" dirty="0" smtClean="0"/>
+              <a:rPr lang="en-US" sz="1800" dirty="0"/>
               <a:t>Otherwise:</a:t>
             </a:r>
           </a:p>
           <a:p>
             <a:pPr lvl="1"/>
             <a:r>
-              <a:rPr lang="en-US" sz="1800" dirty="0" smtClean="0"/>
+              <a:rPr lang="en-US" sz="1800" dirty="0"/>
               <a:t>Divide list into two halves</a:t>
             </a:r>
           </a:p>
           <a:p>
             <a:pPr lvl="1"/>
             <a:r>
-              <a:rPr lang="en-US" sz="1800" dirty="0" smtClean="0"/>
+              <a:rPr lang="en-US" sz="1800" dirty="0"/>
               <a:t>Recursively sort the two halves</a:t>
             </a:r>
           </a:p>
           <a:p>
             <a:pPr lvl="1"/>
             <a:r>
-              <a:rPr lang="en-US" sz="1800" b="1" dirty="0" smtClean="0"/>
+              <a:rPr lang="en-US" sz="1800" b="1" dirty="0"/>
               <a:t>Merge</a:t>
             </a:r>
             <a:r>
-              <a:rPr lang="en-US" sz="1800" dirty="0" smtClean="0"/>
+              <a:rPr lang="en-US" sz="1800" dirty="0"/>
               <a:t> the sorted halves back together</a:t>
             </a:r>
           </a:p>
@@ -8687,17 +8453,16 @@
           <a:p>
             <a:pPr algn="ctr"/>
             <a:r>
-              <a:rPr lang="en-US" dirty="0" smtClean="0"/>
+              <a:rPr lang="en-US" dirty="0"/>
               <a:t>Merge n/4</a:t>
             </a:r>
             <a:br>
-              <a:rPr lang="en-US" dirty="0" smtClean="0"/>
+              <a:rPr lang="en-US" dirty="0"/>
             </a:br>
             <a:r>
-              <a:rPr lang="en-US" dirty="0" smtClean="0"/>
+              <a:rPr lang="en-US" dirty="0"/>
               <a:t>items</a:t>
             </a:r>
-            <a:endParaRPr lang="en-US" dirty="0"/>
           </a:p>
         </p:txBody>
       </p:sp>
@@ -8730,17 +8495,16 @@
           <a:p>
             <a:pPr algn="ctr"/>
             <a:r>
-              <a:rPr lang="en-US" dirty="0" smtClean="0"/>
+              <a:rPr lang="en-US" dirty="0"/>
               <a:t>Merge n/4</a:t>
             </a:r>
             <a:br>
-              <a:rPr lang="en-US" dirty="0" smtClean="0"/>
+              <a:rPr lang="en-US" dirty="0"/>
             </a:br>
             <a:r>
-              <a:rPr lang="en-US" dirty="0" smtClean="0"/>
+              <a:rPr lang="en-US" dirty="0"/>
               <a:t>items</a:t>
             </a:r>
-            <a:endParaRPr lang="en-US" dirty="0"/>
           </a:p>
         </p:txBody>
       </p:sp>
@@ -8773,17 +8537,16 @@
           <a:p>
             <a:pPr algn="ctr"/>
             <a:r>
-              <a:rPr lang="en-US" dirty="0" smtClean="0"/>
+              <a:rPr lang="en-US" dirty="0"/>
               <a:t>Merge n/4</a:t>
             </a:r>
             <a:br>
-              <a:rPr lang="en-US" dirty="0" smtClean="0"/>
+              <a:rPr lang="en-US" dirty="0"/>
             </a:br>
             <a:r>
-              <a:rPr lang="en-US" dirty="0" smtClean="0"/>
+              <a:rPr lang="en-US" dirty="0"/>
               <a:t>items</a:t>
             </a:r>
-            <a:endParaRPr lang="en-US" dirty="0"/>
           </a:p>
         </p:txBody>
       </p:sp>
@@ -8816,17 +8579,16 @@
           <a:p>
             <a:pPr algn="ctr"/>
             <a:r>
-              <a:rPr lang="en-US" dirty="0" smtClean="0"/>
+              <a:rPr lang="en-US" dirty="0"/>
               <a:t>Merge n/4</a:t>
             </a:r>
             <a:br>
-              <a:rPr lang="en-US" dirty="0" smtClean="0"/>
+              <a:rPr lang="en-US" dirty="0"/>
             </a:br>
             <a:r>
-              <a:rPr lang="en-US" dirty="0" smtClean="0"/>
+              <a:rPr lang="en-US" dirty="0"/>
               <a:t>items</a:t>
             </a:r>
-            <a:endParaRPr lang="en-US" dirty="0"/>
           </a:p>
         </p:txBody>
       </p:sp>
@@ -8858,10 +8620,9 @@
           <a:lstStyle/>
           <a:p>
             <a:r>
-              <a:rPr lang="en-US" dirty="0" smtClean="0"/>
+              <a:rPr lang="en-US" dirty="0"/>
               <a:t>Merge n items</a:t>
             </a:r>
-            <a:endParaRPr lang="en-US" dirty="0"/>
           </a:p>
         </p:txBody>
       </p:sp>
@@ -8907,10 +8668,9 @@
             <a:lstStyle/>
             <a:p>
               <a:r>
-                <a:rPr lang="en-US" dirty="0" smtClean="0"/>
+                <a:rPr lang="en-US" dirty="0"/>
                 <a:t>Merge n/2 items</a:t>
               </a:r>
-              <a:endParaRPr lang="en-US" dirty="0"/>
             </a:p>
           </p:txBody>
         </p:sp>
@@ -8942,10 +8702,9 @@
             <a:lstStyle/>
             <a:p>
               <a:r>
-                <a:rPr lang="en-US" dirty="0" smtClean="0"/>
+                <a:rPr lang="en-US" dirty="0"/>
                 <a:t>Merge n/2 items</a:t>
               </a:r>
-              <a:endParaRPr lang="en-US" dirty="0"/>
             </a:p>
           </p:txBody>
         </p:sp>
@@ -9208,10 +8967,9 @@
             <a:p>
               <a:pPr algn="ctr"/>
               <a:r>
-                <a:rPr lang="en-US" dirty="0" smtClean="0"/>
+                <a:rPr lang="en-US" dirty="0"/>
                 <a:t>Merge 2 items</a:t>
               </a:r>
-              <a:endParaRPr lang="en-US" dirty="0"/>
             </a:p>
           </p:txBody>
         </p:sp>
@@ -9244,10 +9002,9 @@
             <a:p>
               <a:pPr algn="ctr"/>
               <a:r>
-                <a:rPr lang="en-US" dirty="0" smtClean="0"/>
+                <a:rPr lang="en-US" dirty="0"/>
                 <a:t>Merge 2 items</a:t>
               </a:r>
-              <a:endParaRPr lang="en-US" dirty="0"/>
             </a:p>
           </p:txBody>
         </p:sp>
@@ -9280,10 +9037,9 @@
             <a:p>
               <a:pPr algn="ctr"/>
               <a:r>
-                <a:rPr lang="en-US" dirty="0" smtClean="0"/>
+                <a:rPr lang="en-US" dirty="0"/>
                 <a:t>Merge 2 items</a:t>
               </a:r>
-              <a:endParaRPr lang="en-US" dirty="0"/>
             </a:p>
           </p:txBody>
         </p:sp>
@@ -9316,10 +9072,9 @@
             <a:p>
               <a:pPr algn="ctr"/>
               <a:r>
-                <a:rPr lang="en-US" dirty="0" smtClean="0"/>
+                <a:rPr lang="en-US" dirty="0"/>
                 <a:t>Merge 2 items</a:t>
               </a:r>
-              <a:endParaRPr lang="en-US" dirty="0"/>
             </a:p>
           </p:txBody>
         </p:sp>
@@ -9350,10 +9105,9 @@
             <a:p>
               <a:pPr algn="ctr"/>
               <a:r>
-                <a:rPr lang="en-US" dirty="0" smtClean="0"/>
+                <a:rPr lang="en-US" dirty="0"/>
                 <a:t>etc</a:t>
               </a:r>
-              <a:endParaRPr lang="en-US" dirty="0"/>
             </a:p>
           </p:txBody>
         </p:sp>
@@ -9399,10 +9153,9 @@
             <a:p>
               <a:pPr algn="ctr"/>
               <a:r>
-                <a:rPr lang="en-US" dirty="0" smtClean="0"/>
+                <a:rPr lang="en-US" dirty="0"/>
                 <a:t>etc</a:t>
               </a:r>
-              <a:endParaRPr lang="en-US" dirty="0"/>
             </a:p>
           </p:txBody>
         </p:sp>
@@ -9694,10 +9447,9 @@
           <a:lstStyle/>
           <a:p>
             <a:r>
-              <a:rPr lang="en-US" dirty="0" smtClean="0"/>
+              <a:rPr lang="en-US" dirty="0"/>
               <a:t>n items merged</a:t>
             </a:r>
-            <a:endParaRPr lang="en-US" dirty="0"/>
           </a:p>
         </p:txBody>
       </p:sp>
@@ -9724,10 +9476,9 @@
           <a:lstStyle/>
           <a:p>
             <a:r>
-              <a:rPr lang="en-US" dirty="0" smtClean="0"/>
+              <a:rPr lang="en-US" dirty="0"/>
               <a:t>n items merged</a:t>
             </a:r>
-            <a:endParaRPr lang="en-US" dirty="0"/>
           </a:p>
         </p:txBody>
       </p:sp>
@@ -9755,10 +9506,9 @@
           <a:p>
             <a:pPr algn="ctr"/>
             <a:r>
-              <a:rPr lang="en-US" dirty="0" smtClean="0"/>
+              <a:rPr lang="en-US" dirty="0"/>
               <a:t>n items merged</a:t>
             </a:r>
-            <a:endParaRPr lang="en-US" dirty="0"/>
           </a:p>
         </p:txBody>
       </p:sp>
@@ -9786,10 +9536,9 @@
           <a:p>
             <a:pPr algn="ctr"/>
             <a:r>
-              <a:rPr lang="en-US" dirty="0" smtClean="0"/>
+              <a:rPr lang="en-US" dirty="0"/>
               <a:t>n items merged</a:t>
             </a:r>
-            <a:endParaRPr lang="en-US" dirty="0"/>
           </a:p>
         </p:txBody>
       </p:sp>
@@ -9820,10 +9569,9 @@
           <a:p>
             <a:pPr algn="ctr"/>
             <a:r>
-              <a:rPr lang="en-US" dirty="0" smtClean="0"/>
+              <a:rPr lang="en-US" dirty="0"/>
               <a:t>etc</a:t>
             </a:r>
-            <a:endParaRPr lang="en-US" dirty="0"/>
           </a:p>
         </p:txBody>
       </p:sp>
@@ -10521,15 +10269,15 @@
           <a:lstStyle/>
           <a:p>
             <a:r>
-              <a:rPr lang="en-US" dirty="0" smtClean="0"/>
+              <a:rPr lang="en-US" dirty="0"/>
               <a:t>Work on </a:t>
             </a:r>
             <a:r>
-              <a:rPr lang="en-US" dirty="0" err="1" smtClean="0"/>
+              <a:rPr lang="en-US" dirty="0" err="1"/>
               <a:t>MergeSort</a:t>
             </a:r>
             <a:r>
-              <a:rPr lang="en-US" u="sng" dirty="0" err="1" smtClean="0"/>
+              <a:rPr lang="en-US" u="sng" dirty="0" err="1"/>
               <a:t>Simple</a:t>
             </a:r>
             <a:endParaRPr lang="en-US" u="sng" dirty="0"/>
@@ -10552,26 +10300,25 @@
           <a:lstStyle/>
           <a:p>
             <a:r>
-              <a:rPr lang="en-US" dirty="0" smtClean="0"/>
+              <a:rPr lang="en-US" dirty="0"/>
               <a:t>Simpler with a String</a:t>
             </a:r>
           </a:p>
           <a:p>
             <a:r>
-              <a:rPr lang="en-US" dirty="0" smtClean="0"/>
+              <a:rPr lang="en-US" dirty="0"/>
               <a:t>Same general algorithm applies</a:t>
             </a:r>
           </a:p>
           <a:p>
             <a:r>
-              <a:rPr lang="en-US" u="sng" dirty="0" smtClean="0"/>
+              <a:rPr lang="en-US" u="sng" dirty="0"/>
               <a:t>Harder</a:t>
             </a:r>
             <a:r>
-              <a:rPr lang="en-US" dirty="0" smtClean="0"/>
+              <a:rPr lang="en-US" dirty="0"/>
               <a:t> (more room for errors) if you track positions in array</a:t>
             </a:r>
-            <a:endParaRPr lang="en-US" dirty="0"/>
           </a:p>
         </p:txBody>
       </p:sp>
@@ -10585,13 +10332,6 @@
   <p:clrMapOvr>
     <a:masterClrMapping/>
   </p:clrMapOvr>
-  <p:timing>
-    <p:tnLst>
-      <p:par>
-        <p:cTn id="1" dur="indefinite" restart="never" nodeType="tmRoot"/>
-      </p:par>
-    </p:tnLst>
-  </p:timing>
 </p:sld>
 </file>
 
@@ -10659,10 +10399,9 @@
           <a:lstStyle/>
           <a:p>
             <a:r>
-              <a:rPr lang="en-US" sz="2400" dirty="0" smtClean="0"/>
+              <a:rPr lang="en-US" sz="2400" dirty="0"/>
               <a:t>From the project specification document (ArcadeGame.docx)</a:t>
             </a:r>
-            <a:endParaRPr lang="en-US" sz="2400" dirty="0"/>
           </a:p>
         </p:txBody>
       </p:sp>
@@ -10676,13 +10415,6 @@
   <p:clrMapOvr>
     <a:masterClrMapping/>
   </p:clrMapOvr>
-  <p:timing>
-    <p:tnLst>
-      <p:par>
-        <p:cTn id="1" dur="indefinite" restart="never" nodeType="tmRoot"/>
-      </p:par>
-    </p:tnLst>
-  </p:timing>
 </p:sld>
 </file>
 
@@ -10732,7 +10464,7 @@
               </a:lnSpc>
             </a:pPr>
             <a:r>
-              <a:rPr lang="en-US" sz="4400" spc="-1" dirty="0" smtClean="0">
+              <a:rPr lang="en-US" sz="4400" spc="-1" dirty="0">
                 <a:solidFill>
                   <a:srgbClr val="000000"/>
                 </a:solidFill>
@@ -10793,20 +10525,6 @@
               <a:buChar char="•"/>
             </a:pPr>
             <a:r>
-              <a:rPr lang="en-US" sz="2400" b="0" strike="noStrike" spc="-1" dirty="0" smtClean="0">
-                <a:solidFill>
-                  <a:srgbClr val="000000"/>
-                </a:solidFill>
-                <a:uFill>
-                  <a:solidFill>
-                    <a:srgbClr val="FFFFFF"/>
-                  </a:solidFill>
-                </a:uFill>
-                <a:latin typeface="Calibri"/>
-              </a:rPr>
-              <a:t>~7 </a:t>
-            </a:r>
-            <a:r>
               <a:rPr lang="en-US" sz="2400" b="0" strike="noStrike" spc="-1" dirty="0">
                 <a:solidFill>
                   <a:srgbClr val="000000"/>
@@ -10818,21 +10536,7 @@
                 </a:uFill>
                 <a:latin typeface="Calibri"/>
               </a:rPr>
-              <a:t>minutes </a:t>
-            </a:r>
-            <a:r>
-              <a:rPr lang="en-US" sz="2400" b="0" strike="noStrike" spc="-1" dirty="0" smtClean="0">
-                <a:solidFill>
-                  <a:srgbClr val="000000"/>
-                </a:solidFill>
-                <a:uFill>
-                  <a:solidFill>
-                    <a:srgbClr val="FFFFFF"/>
-                  </a:solidFill>
-                </a:uFill>
-                <a:latin typeface="Calibri"/>
-              </a:rPr>
-              <a:t>long</a:t>
+              <a:t>~7 minutes long</a:t>
             </a:r>
           </a:p>
           <a:p>
@@ -10879,35 +10583,7 @@
                 </a:uFill>
                 <a:latin typeface="Calibri"/>
               </a:rPr>
-              <a:t>~3 </a:t>
-            </a:r>
-            <a:r>
-              <a:rPr lang="en-US" sz="2400" b="0" strike="noStrike" spc="-1" dirty="0" smtClean="0">
-                <a:solidFill>
-                  <a:srgbClr val="000000"/>
-                </a:solidFill>
-                <a:uFill>
-                  <a:solidFill>
-                    <a:srgbClr val="FFFFFF"/>
-                  </a:solidFill>
-                </a:uFill>
-                <a:latin typeface="Calibri"/>
-              </a:rPr>
-              <a:t>min. Showing </a:t>
-            </a:r>
-            <a:r>
-              <a:rPr lang="en-US" sz="2400" b="0" strike="noStrike" spc="-1" dirty="0">
-                <a:solidFill>
-                  <a:srgbClr val="000000"/>
-                </a:solidFill>
-                <a:uFill>
-                  <a:solidFill>
-                    <a:srgbClr val="FFFFFF"/>
-                  </a:solidFill>
-                </a:uFill>
-                <a:latin typeface="Calibri"/>
-              </a:rPr>
-              <a:t>off your </a:t>
+              <a:t>~3 min. Showing off your </a:t>
             </a:r>
             <a:r>
               <a:rPr lang="en-US" sz="2400" b="1" strike="noStrike" spc="-1" dirty="0">
@@ -10921,21 +10597,7 @@
                 </a:uFill>
                 <a:latin typeface="Calibri"/>
               </a:rPr>
-              <a:t>extra </a:t>
-            </a:r>
-            <a:r>
-              <a:rPr lang="en-US" sz="2400" b="1" strike="noStrike" spc="-1" dirty="0" smtClean="0">
-                <a:solidFill>
-                  <a:srgbClr val="000000"/>
-                </a:solidFill>
-                <a:uFill>
-                  <a:solidFill>
-                    <a:srgbClr val="FFFFFF"/>
-                  </a:solidFill>
-                </a:uFill>
-                <a:latin typeface="Calibri"/>
-              </a:rPr>
-              <a:t>features</a:t>
+              <a:t>extra features</a:t>
             </a:r>
           </a:p>
           <a:p>
@@ -10947,7 +10609,7 @@
               <a:buChar char="•"/>
             </a:pPr>
             <a:r>
-              <a:rPr lang="en-US" sz="2400" spc="-1" dirty="0" smtClean="0">
+              <a:rPr lang="en-US" sz="2400" spc="-1" dirty="0">
                 <a:solidFill>
                   <a:srgbClr val="000000"/>
                 </a:solidFill>
@@ -10993,7 +10655,7 @@
               <a:buChar char="•"/>
             </a:pPr>
             <a:r>
-              <a:rPr lang="en-US" sz="2400" b="0" strike="noStrike" spc="-1" dirty="0" smtClean="0">
+              <a:rPr lang="en-US" sz="2400" b="0" strike="noStrike" spc="-1" dirty="0">
                 <a:solidFill>
                   <a:srgbClr val="000000"/>
                 </a:solidFill>
@@ -11007,7 +10669,7 @@
               <a:t>~2 min. </a:t>
             </a:r>
             <a:r>
-              <a:rPr lang="en-US" sz="2400" b="1" strike="noStrike" spc="-1" dirty="0" smtClean="0">
+              <a:rPr lang="en-US" sz="2400" b="1" strike="noStrike" spc="-1" dirty="0">
                 <a:solidFill>
                   <a:srgbClr val="000000"/>
                 </a:solidFill>
@@ -11035,7 +10697,7 @@
               <a:t>o</a:t>
             </a:r>
             <a:r>
-              <a:rPr lang="en-US" sz="2400" b="1" strike="noStrike" spc="-1" dirty="0" smtClean="0">
+              <a:rPr lang="en-US" sz="2400" b="1" strike="noStrike" spc="-1" dirty="0">
                 <a:solidFill>
                   <a:srgbClr val="000000"/>
                 </a:solidFill>
@@ -11049,7 +10711,7 @@
               <a:t>verall design </a:t>
             </a:r>
             <a:r>
-              <a:rPr lang="en-US" sz="2400" b="0" strike="noStrike" spc="-1" dirty="0" smtClean="0">
+              <a:rPr lang="en-US" sz="2400" b="0" strike="noStrike" spc="-1" dirty="0">
                 <a:solidFill>
                   <a:srgbClr val="000000"/>
                 </a:solidFill>
@@ -11072,7 +10734,7 @@
               <a:buChar char="•"/>
             </a:pPr>
             <a:r>
-              <a:rPr lang="en-US" sz="2400" spc="-1" dirty="0" smtClean="0">
+              <a:rPr lang="en-US" sz="2400" spc="-1" dirty="0">
                 <a:solidFill>
                   <a:srgbClr val="000000"/>
                 </a:solidFill>
@@ -11115,7 +10777,7 @@
               <a:buChar char="•"/>
             </a:pPr>
             <a:r>
-              <a:rPr lang="en-US" sz="2400" b="0" strike="noStrike" spc="-1" dirty="0" smtClean="0">
+              <a:rPr lang="en-US" sz="2400" b="0" strike="noStrike" spc="-1" dirty="0">
                 <a:solidFill>
                   <a:srgbClr val="000000"/>
                 </a:solidFill>
@@ -11129,20 +10791,6 @@
               <a:t>~2 min. </a:t>
             </a:r>
             <a:r>
-              <a:rPr lang="en-US" sz="2400" b="1" strike="noStrike" spc="-1" dirty="0" smtClean="0">
-                <a:solidFill>
-                  <a:srgbClr val="000000"/>
-                </a:solidFill>
-                <a:uFill>
-                  <a:solidFill>
-                    <a:srgbClr val="FFFFFF"/>
-                  </a:solidFill>
-                </a:uFill>
-                <a:latin typeface="Calibri"/>
-              </a:rPr>
-              <a:t>Design </a:t>
-            </a:r>
-            <a:r>
               <a:rPr lang="en-US" sz="2400" b="1" strike="noStrike" spc="-1" dirty="0">
                 <a:solidFill>
                   <a:srgbClr val="000000"/>
@@ -11154,7 +10802,7 @@
                 </a:uFill>
                 <a:latin typeface="Calibri"/>
               </a:rPr>
-              <a:t>decision, feature implementation, or tricky bug</a:t>
+              <a:t>Design decision, feature implementation, or tricky bug</a:t>
             </a:r>
           </a:p>
           <a:p>

--- a/ClassMaterials/MergeSort/Slides/MergeSort.pptx
+++ b/ClassMaterials/MergeSort/Slides/MergeSort.pptx
@@ -5,10 +5,10 @@
     <p:sldMasterId id="2147484539" r:id="rId1"/>
   </p:sldMasterIdLst>
   <p:notesMasterIdLst>
-    <p:notesMasterId r:id="rId20"/>
+    <p:notesMasterId r:id="rId21"/>
   </p:notesMasterIdLst>
   <p:handoutMasterIdLst>
-    <p:handoutMasterId r:id="rId21"/>
+    <p:handoutMasterId r:id="rId22"/>
   </p:handoutMasterIdLst>
   <p:sldIdLst>
     <p:sldId id="256" r:id="rId2"/>
@@ -18,8 +18,8 @@
     <p:sldId id="302" r:id="rId6"/>
     <p:sldId id="299" r:id="rId7"/>
     <p:sldId id="297" r:id="rId8"/>
-    <p:sldId id="291" r:id="rId9"/>
-    <p:sldId id="290" r:id="rId10"/>
+    <p:sldId id="290" r:id="rId9"/>
+    <p:sldId id="291" r:id="rId10"/>
     <p:sldId id="306" r:id="rId11"/>
     <p:sldId id="292" r:id="rId12"/>
     <p:sldId id="294" r:id="rId13"/>
@@ -29,6 +29,7 @@
     <p:sldId id="296" r:id="rId17"/>
     <p:sldId id="300" r:id="rId18"/>
     <p:sldId id="304" r:id="rId19"/>
+    <p:sldId id="307" r:id="rId20"/>
   </p:sldIdLst>
   <p:sldSz cx="9144000" cy="6858000" type="screen4x3"/>
   <p:notesSz cx="7315200" cy="9601200"/>
@@ -305,7 +306,7 @@
               <a:pPr>
                 <a:defRPr/>
               </a:pPr>
-              <a:t>2/24/22</a:t>
+              <a:t>5/15/2022</a:t>
             </a:fld>
             <a:endParaRPr lang="en-US"/>
           </a:p>
@@ -540,7 +541,7 @@
               <a:pPr>
                 <a:defRPr/>
               </a:pPr>
-              <a:t>2/24/22</a:t>
+              <a:t>5/15/2022</a:t>
             </a:fld>
             <a:endParaRPr lang="en-US"/>
           </a:p>
@@ -1681,75 +1682,71 @@
       </p:grpSpPr>
       <p:sp>
         <p:nvSpPr>
-          <p:cNvPr id="2" name="Slide Image Placeholder 1"/>
+          <p:cNvPr id="184" name="PlaceHolder 1"/>
           <p:cNvSpPr>
-            <a:spLocks noGrp="1" noRot="1" noChangeAspect="1"/>
+            <a:spLocks noGrp="1"/>
           </p:cNvSpPr>
           <p:nvPr>
-            <p:ph type="sldImg"/>
+            <p:ph type="body"/>
           </p:nvPr>
         </p:nvSpPr>
         <p:spPr>
           <a:xfrm>
-            <a:off x="1350963" y="1162050"/>
-            <a:ext cx="4181475" cy="3136900"/>
+            <a:off x="688320" y="4415760"/>
+            <a:ext cx="5505120" cy="4183200"/>
+          </a:xfrm>
+          <a:prstGeom prst="rect">
+            <a:avLst/>
+          </a:prstGeom>
+        </p:spPr>
+        <p:txBody>
+          <a:bodyPr lIns="92520" tIns="46080" rIns="92520" bIns="46080"/>
+          <a:lstStyle/>
+          <a:p>
+            <a:endParaRPr lang="en-US" sz="2000" b="0" strike="noStrike" spc="-1" dirty="0">
+              <a:solidFill>
+                <a:srgbClr val="000000"/>
+              </a:solidFill>
+              <a:uFill>
+                <a:solidFill>
+                  <a:srgbClr val="FFFFFF"/>
+                </a:solidFill>
+              </a:uFill>
+              <a:latin typeface="Arial"/>
+            </a:endParaRPr>
+          </a:p>
+        </p:txBody>
+      </p:sp>
+      <p:sp>
+        <p:nvSpPr>
+          <p:cNvPr id="185" name="TextShape 2"/>
+          <p:cNvSpPr txBox="1"/>
+          <p:nvPr/>
+        </p:nvSpPr>
+        <p:spPr>
+          <a:xfrm>
+            <a:off x="3898080" y="8830080"/>
+            <a:ext cx="2981880" cy="464400"/>
           </a:xfrm>
           <a:prstGeom prst="rect">
             <a:avLst/>
           </a:prstGeom>
           <a:noFill/>
-          <a:ln w="12700">
-            <a:solidFill>
-              <a:prstClr val="black"/>
-            </a:solidFill>
+          <a:ln>
+            <a:noFill/>
           </a:ln>
         </p:spPr>
-      </p:sp>
-      <p:sp>
-        <p:nvSpPr>
-          <p:cNvPr id="3" name="Notes Placeholder 2"/>
-          <p:cNvSpPr>
-            <a:spLocks noGrp="1"/>
-          </p:cNvSpPr>
-          <p:nvPr>
-            <p:ph type="body" idx="1"/>
-          </p:nvPr>
-        </p:nvSpPr>
-        <p:spPr/>
-        <p:txBody>
-          <a:bodyPr/>
+        <p:txBody>
+          <a:bodyPr lIns="92520" tIns="46080" rIns="92520" bIns="46080" anchor="b"/>
           <a:lstStyle/>
           <a:p>
-            <a:r>
-              <a:rPr lang="en-US" dirty="0"/>
-              <a:t>Dress</a:t>
-            </a:r>
-            <a:r>
-              <a:rPr lang="en-US" baseline="0" dirty="0"/>
-              <a:t> 1 step up form your normal dress level</a:t>
-            </a:r>
-            <a:endParaRPr lang="en-US" dirty="0"/>
-          </a:p>
-        </p:txBody>
-      </p:sp>
-      <p:sp>
-        <p:nvSpPr>
-          <p:cNvPr id="4" name="Slide Number Placeholder 3"/>
-          <p:cNvSpPr>
-            <a:spLocks noGrp="1"/>
-          </p:cNvSpPr>
-          <p:nvPr>
-            <p:ph type="sldNum" idx="10"/>
-          </p:nvPr>
-        </p:nvSpPr>
-        <p:spPr/>
-        <p:txBody>
-          <a:bodyPr/>
-          <a:lstStyle/>
-          <a:p>
-            <a:pPr algn="r"/>
-            <a:fld id="{BD16BAA3-1EA6-4CB4-AA6B-5D86BC97DC42}" type="slidenum">
-              <a:rPr lang="en-US" sz="1400" b="0" strike="noStrike" spc="-1" smtClean="0">
+            <a:pPr algn="r">
+              <a:lnSpc>
+                <a:spcPct val="100000"/>
+              </a:lnSpc>
+            </a:pPr>
+            <a:fld id="{FCE78040-63F1-4F82-A624-363802BCAF6A}" type="slidenum">
+              <a:rPr lang="en-US" sz="1200" b="0" strike="noStrike" spc="-1">
                 <a:solidFill>
                   <a:srgbClr val="000000"/>
                 </a:solidFill>
@@ -1758,7 +1755,8 @@
                     <a:srgbClr val="FFFFFF"/>
                   </a:solidFill>
                 </a:uFill>
-                <a:latin typeface="Times New Roman"/>
+                <a:latin typeface="+mn-lt"/>
+                <a:ea typeface="+mn-ea"/>
               </a:rPr>
               <a:t>8</a:t>
             </a:fld>
@@ -1779,7 +1777,7 @@
     </p:spTree>
     <p:extLst>
       <p:ext uri="{BB962C8B-B14F-4D97-AF65-F5344CB8AC3E}">
-        <p14:creationId xmlns:p14="http://schemas.microsoft.com/office/powerpoint/2010/main" val="3219695061"/>
+        <p14:creationId xmlns:p14="http://schemas.microsoft.com/office/powerpoint/2010/main" val="1104376781"/>
       </p:ext>
     </p:extLst>
   </p:cSld>
@@ -1808,71 +1806,75 @@
       </p:grpSpPr>
       <p:sp>
         <p:nvSpPr>
-          <p:cNvPr id="184" name="PlaceHolder 1"/>
+          <p:cNvPr id="2" name="Slide Image Placeholder 1"/>
           <p:cNvSpPr>
-            <a:spLocks noGrp="1"/>
+            <a:spLocks noGrp="1" noRot="1" noChangeAspect="1"/>
           </p:cNvSpPr>
           <p:nvPr>
-            <p:ph type="body"/>
+            <p:ph type="sldImg"/>
           </p:nvPr>
         </p:nvSpPr>
         <p:spPr>
           <a:xfrm>
-            <a:off x="688320" y="4415760"/>
-            <a:ext cx="5505120" cy="4183200"/>
-          </a:xfrm>
-          <a:prstGeom prst="rect">
-            <a:avLst/>
-          </a:prstGeom>
-        </p:spPr>
-        <p:txBody>
-          <a:bodyPr lIns="92520" tIns="46080" rIns="92520" bIns="46080"/>
-          <a:lstStyle/>
-          <a:p>
-            <a:endParaRPr lang="en-US" sz="2000" b="0" strike="noStrike" spc="-1" dirty="0">
-              <a:solidFill>
-                <a:srgbClr val="000000"/>
-              </a:solidFill>
-              <a:uFill>
-                <a:solidFill>
-                  <a:srgbClr val="FFFFFF"/>
-                </a:solidFill>
-              </a:uFill>
-              <a:latin typeface="Arial"/>
-            </a:endParaRPr>
-          </a:p>
-        </p:txBody>
-      </p:sp>
-      <p:sp>
-        <p:nvSpPr>
-          <p:cNvPr id="185" name="TextShape 2"/>
-          <p:cNvSpPr txBox="1"/>
-          <p:nvPr/>
-        </p:nvSpPr>
-        <p:spPr>
-          <a:xfrm>
-            <a:off x="3898080" y="8830080"/>
-            <a:ext cx="2981880" cy="464400"/>
+            <a:off x="1350963" y="1162050"/>
+            <a:ext cx="4181475" cy="3136900"/>
           </a:xfrm>
           <a:prstGeom prst="rect">
             <a:avLst/>
           </a:prstGeom>
           <a:noFill/>
-          <a:ln>
-            <a:noFill/>
+          <a:ln w="12700">
+            <a:solidFill>
+              <a:prstClr val="black"/>
+            </a:solidFill>
           </a:ln>
         </p:spPr>
-        <p:txBody>
-          <a:bodyPr lIns="92520" tIns="46080" rIns="92520" bIns="46080" anchor="b"/>
+      </p:sp>
+      <p:sp>
+        <p:nvSpPr>
+          <p:cNvPr id="3" name="Notes Placeholder 2"/>
+          <p:cNvSpPr>
+            <a:spLocks noGrp="1"/>
+          </p:cNvSpPr>
+          <p:nvPr>
+            <p:ph type="body" idx="1"/>
+          </p:nvPr>
+        </p:nvSpPr>
+        <p:spPr/>
+        <p:txBody>
+          <a:bodyPr/>
           <a:lstStyle/>
           <a:p>
-            <a:pPr algn="r">
-              <a:lnSpc>
-                <a:spcPct val="100000"/>
-              </a:lnSpc>
-            </a:pPr>
-            <a:fld id="{FCE78040-63F1-4F82-A624-363802BCAF6A}" type="slidenum">
-              <a:rPr lang="en-US" sz="1200" b="0" strike="noStrike" spc="-1">
+            <a:r>
+              <a:rPr lang="en-US" dirty="0"/>
+              <a:t>Dress</a:t>
+            </a:r>
+            <a:r>
+              <a:rPr lang="en-US" baseline="0" dirty="0"/>
+              <a:t> 1 step up form your normal dress level</a:t>
+            </a:r>
+            <a:endParaRPr lang="en-US" dirty="0"/>
+          </a:p>
+        </p:txBody>
+      </p:sp>
+      <p:sp>
+        <p:nvSpPr>
+          <p:cNvPr id="4" name="Slide Number Placeholder 3"/>
+          <p:cNvSpPr>
+            <a:spLocks noGrp="1"/>
+          </p:cNvSpPr>
+          <p:nvPr>
+            <p:ph type="sldNum" idx="10"/>
+          </p:nvPr>
+        </p:nvSpPr>
+        <p:spPr/>
+        <p:txBody>
+          <a:bodyPr/>
+          <a:lstStyle/>
+          <a:p>
+            <a:pPr algn="r"/>
+            <a:fld id="{BD16BAA3-1EA6-4CB4-AA6B-5D86BC97DC42}" type="slidenum">
+              <a:rPr lang="en-US" sz="1400" b="0" strike="noStrike" spc="-1" smtClean="0">
                 <a:solidFill>
                   <a:srgbClr val="000000"/>
                 </a:solidFill>
@@ -1881,8 +1883,7 @@
                     <a:srgbClr val="FFFFFF"/>
                   </a:solidFill>
                 </a:uFill>
-                <a:latin typeface="+mn-lt"/>
-                <a:ea typeface="+mn-ea"/>
+                <a:latin typeface="Times New Roman"/>
               </a:rPr>
               <a:t>9</a:t>
             </a:fld>
@@ -1903,7 +1904,7 @@
     </p:spTree>
     <p:extLst>
       <p:ext uri="{BB962C8B-B14F-4D97-AF65-F5344CB8AC3E}">
-        <p14:creationId xmlns:p14="http://schemas.microsoft.com/office/powerpoint/2010/main" val="1104376781"/>
+        <p14:creationId xmlns:p14="http://schemas.microsoft.com/office/powerpoint/2010/main" val="3219695061"/>
       </p:ext>
     </p:extLst>
   </p:cSld>
@@ -2312,7 +2313,7 @@
               <a:pPr>
                 <a:defRPr/>
               </a:pPr>
-              <a:t>Thursday, February 24, 2022</a:t>
+              <a:t>Sunday, May 15, 2022</a:t>
             </a:fld>
             <a:endParaRPr lang="en-US" dirty="0"/>
           </a:p>
@@ -2495,7 +2496,7 @@
               <a:pPr>
                 <a:defRPr/>
               </a:pPr>
-              <a:t>Thursday, February 24, 2022</a:t>
+              <a:t>Sunday, May 15, 2022</a:t>
             </a:fld>
             <a:endParaRPr lang="en-US" dirty="0"/>
           </a:p>
@@ -2688,7 +2689,7 @@
               <a:pPr>
                 <a:defRPr/>
               </a:pPr>
-              <a:t>Thursday, February 24, 2022</a:t>
+              <a:t>Sunday, May 15, 2022</a:t>
             </a:fld>
             <a:endParaRPr lang="en-US" dirty="0"/>
           </a:p>
@@ -2976,7 +2977,7 @@
               <a:pPr>
                 <a:defRPr/>
               </a:pPr>
-              <a:t>Thursday, February 24, 2022</a:t>
+              <a:t>Sunday, May 15, 2022</a:t>
             </a:fld>
             <a:endParaRPr lang="en-US" dirty="0"/>
           </a:p>
@@ -3236,7 +3237,7 @@
               <a:pPr>
                 <a:defRPr/>
               </a:pPr>
-              <a:t>Thursday, February 24, 2022</a:t>
+              <a:t>Sunday, May 15, 2022</a:t>
             </a:fld>
             <a:endParaRPr lang="en-US"/>
           </a:p>
@@ -3536,7 +3537,7 @@
               <a:pPr>
                 <a:defRPr/>
               </a:pPr>
-              <a:t>Thursday, February 24, 2022</a:t>
+              <a:t>Sunday, May 15, 2022</a:t>
             </a:fld>
             <a:endParaRPr lang="en-US"/>
           </a:p>
@@ -3970,7 +3971,7 @@
               <a:pPr>
                 <a:defRPr/>
               </a:pPr>
-              <a:t>Thursday, February 24, 2022</a:t>
+              <a:t>Sunday, May 15, 2022</a:t>
             </a:fld>
             <a:endParaRPr lang="en-US"/>
           </a:p>
@@ -4102,7 +4103,7 @@
               <a:pPr>
                 <a:defRPr/>
               </a:pPr>
-              <a:t>Thursday, February 24, 2022</a:t>
+              <a:t>Sunday, May 15, 2022</a:t>
             </a:fld>
             <a:endParaRPr lang="en-US"/>
           </a:p>
@@ -4212,7 +4213,7 @@
               <a:pPr>
                 <a:defRPr/>
               </a:pPr>
-              <a:t>Thursday, February 24, 2022</a:t>
+              <a:t>Sunday, May 15, 2022</a:t>
             </a:fld>
             <a:endParaRPr lang="en-US" dirty="0"/>
           </a:p>
@@ -4502,7 +4503,7 @@
               <a:pPr>
                 <a:defRPr/>
               </a:pPr>
-              <a:t>Thursday, February 24, 2022</a:t>
+              <a:t>Sunday, May 15, 2022</a:t>
             </a:fld>
             <a:endParaRPr lang="en-US"/>
           </a:p>
@@ -4769,7 +4770,7 @@
               <a:pPr>
                 <a:defRPr/>
               </a:pPr>
-              <a:t>Thursday, February 24, 2022</a:t>
+              <a:t>Sunday, May 15, 2022</a:t>
             </a:fld>
             <a:endParaRPr lang="en-US"/>
           </a:p>
@@ -4995,7 +4996,7 @@
               <a:pPr>
                 <a:defRPr/>
               </a:pPr>
-              <a:t>Thursday, February 24, 2022</a:t>
+              <a:t>Sunday, May 15, 2022</a:t>
             </a:fld>
             <a:endParaRPr lang="en-US" dirty="0"/>
           </a:p>
@@ -5565,7 +5566,7 @@
 </file>
 
 <file path=ppt/slides/slide10.xml><?xml version="1.0" encoding="utf-8"?>
-<p:sld xmlns:a="http://schemas.openxmlformats.org/drawingml/2006/main" xmlns:r="http://schemas.openxmlformats.org/officeDocument/2006/relationships" xmlns:p="http://schemas.openxmlformats.org/presentationml/2006/main" show="0">
+<p:sld xmlns:a="http://schemas.openxmlformats.org/drawingml/2006/main" xmlns:r="http://schemas.openxmlformats.org/officeDocument/2006/relationships" xmlns:p="http://schemas.openxmlformats.org/presentationml/2006/main">
   <p:cSld>
     <p:spTree>
       <p:nvGrpSpPr>
@@ -7387,6 +7388,110 @@
     <p:extLst>
       <p:ext uri="{BB962C8B-B14F-4D97-AF65-F5344CB8AC3E}">
         <p14:creationId xmlns:p14="http://schemas.microsoft.com/office/powerpoint/2010/main" val="3682146539"/>
+      </p:ext>
+    </p:extLst>
+  </p:cSld>
+  <p:clrMapOvr>
+    <a:masterClrMapping/>
+  </p:clrMapOvr>
+</p:sld>
+</file>
+
+<file path=ppt/slides/slide19.xml><?xml version="1.0" encoding="utf-8"?>
+<p:sld xmlns:a="http://schemas.openxmlformats.org/drawingml/2006/main" xmlns:r="http://schemas.openxmlformats.org/officeDocument/2006/relationships" xmlns:p="http://schemas.openxmlformats.org/presentationml/2006/main">
+  <p:cSld>
+    <p:spTree>
+      <p:nvGrpSpPr>
+        <p:cNvPr id="1" name=""/>
+        <p:cNvGrpSpPr/>
+        <p:nvPr/>
+      </p:nvGrpSpPr>
+      <p:grpSpPr>
+        <a:xfrm>
+          <a:off x="0" y="0"/>
+          <a:ext cx="0" cy="0"/>
+          <a:chOff x="0" y="0"/>
+          <a:chExt cx="0" cy="0"/>
+        </a:xfrm>
+      </p:grpSpPr>
+      <p:sp>
+        <p:nvSpPr>
+          <p:cNvPr id="3" name="TextBox 2">
+            <a:extLst>
+              <a:ext uri="{FF2B5EF4-FFF2-40B4-BE49-F238E27FC236}">
+                <a16:creationId xmlns:a16="http://schemas.microsoft.com/office/drawing/2014/main" id="{2573CCAC-9035-FA75-BAEA-9D2F2FA1754E}"/>
+              </a:ext>
+            </a:extLst>
+          </p:cNvPr>
+          <p:cNvSpPr txBox="1"/>
+          <p:nvPr/>
+        </p:nvSpPr>
+        <p:spPr>
+          <a:xfrm>
+            <a:off x="228600" y="152400"/>
+            <a:ext cx="8001000" cy="1200329"/>
+          </a:xfrm>
+          <a:prstGeom prst="rect">
+            <a:avLst/>
+          </a:prstGeom>
+          <a:noFill/>
+        </p:spPr>
+        <p:txBody>
+          <a:bodyPr wrap="square">
+            <a:spAutoFit/>
+          </a:bodyPr>
+          <a:lstStyle/>
+          <a:p>
+            <a:r>
+              <a:rPr lang="en-US" sz="2400" dirty="0">
+                <a:hlinkClick r:id="rId2"/>
+              </a:rPr>
+              <a:t>https://www.toptal.com/developers/sorting-algorithms</a:t>
+            </a:r>
+            <a:endParaRPr lang="en-US" sz="2400" dirty="0"/>
+          </a:p>
+          <a:p>
+            <a:r>
+              <a:rPr lang="en-US" sz="2400" dirty="0"/>
+              <a:t>Can allow you to “race” various searching algorithms with different starting conditions</a:t>
+            </a:r>
+          </a:p>
+        </p:txBody>
+      </p:sp>
+      <p:pic>
+        <p:nvPicPr>
+          <p:cNvPr id="5" name="Picture 4">
+            <a:extLst>
+              <a:ext uri="{FF2B5EF4-FFF2-40B4-BE49-F238E27FC236}">
+                <a16:creationId xmlns:a16="http://schemas.microsoft.com/office/drawing/2014/main" id="{1EF1126B-6061-3BDF-BB8D-F82D707E4DC5}"/>
+              </a:ext>
+            </a:extLst>
+          </p:cNvPr>
+          <p:cNvPicPr>
+            <a:picLocks noChangeAspect="1"/>
+          </p:cNvPicPr>
+          <p:nvPr/>
+        </p:nvPicPr>
+        <p:blipFill>
+          <a:blip r:embed="rId3"/>
+          <a:stretch>
+            <a:fillRect/>
+          </a:stretch>
+        </p:blipFill>
+        <p:spPr>
+          <a:xfrm>
+            <a:off x="0" y="1616573"/>
+            <a:ext cx="9144000" cy="5238379"/>
+          </a:xfrm>
+          <a:prstGeom prst="rect">
+            <a:avLst/>
+          </a:prstGeom>
+        </p:spPr>
+      </p:pic>
+    </p:spTree>
+    <p:extLst>
+      <p:ext uri="{BB962C8B-B14F-4D97-AF65-F5344CB8AC3E}">
+        <p14:creationId xmlns:p14="http://schemas.microsoft.com/office/powerpoint/2010/main" val="78674987"/>
       </p:ext>
     </p:extLst>
   </p:cSld>
@@ -10336,6 +10441,483 @@
 </file>
 
 <file path=ppt/slides/slide8.xml><?xml version="1.0" encoding="utf-8"?>
+<p:sld xmlns:a="http://schemas.openxmlformats.org/drawingml/2006/main" xmlns:r="http://schemas.openxmlformats.org/officeDocument/2006/relationships" xmlns:p="http://schemas.openxmlformats.org/presentationml/2006/main" show="0">
+  <p:cSld>
+    <p:spTree>
+      <p:nvGrpSpPr>
+        <p:cNvPr id="1" name=""/>
+        <p:cNvGrpSpPr/>
+        <p:nvPr/>
+      </p:nvGrpSpPr>
+      <p:grpSpPr>
+        <a:xfrm>
+          <a:off x="0" y="0"/>
+          <a:ext cx="0" cy="0"/>
+          <a:chOff x="0" y="0"/>
+          <a:chExt cx="0" cy="0"/>
+        </a:xfrm>
+      </p:grpSpPr>
+      <p:sp>
+        <p:nvSpPr>
+          <p:cNvPr id="127" name="TextShape 1"/>
+          <p:cNvSpPr txBox="1"/>
+          <p:nvPr/>
+        </p:nvSpPr>
+        <p:spPr>
+          <a:xfrm>
+            <a:off x="457200" y="274680"/>
+            <a:ext cx="8229240" cy="1142640"/>
+          </a:xfrm>
+          <a:prstGeom prst="rect">
+            <a:avLst/>
+          </a:prstGeom>
+          <a:noFill/>
+          <a:ln>
+            <a:noFill/>
+          </a:ln>
+        </p:spPr>
+        <p:txBody>
+          <a:bodyPr anchor="ctr"/>
+          <a:lstStyle/>
+          <a:p>
+            <a:pPr algn="ctr">
+              <a:lnSpc>
+                <a:spcPct val="100000"/>
+              </a:lnSpc>
+            </a:pPr>
+            <a:r>
+              <a:rPr lang="en-US" sz="4400" spc="-1" dirty="0">
+                <a:solidFill>
+                  <a:srgbClr val="000000"/>
+                </a:solidFill>
+                <a:uFill>
+                  <a:solidFill>
+                    <a:srgbClr val="FFFFFF"/>
+                  </a:solidFill>
+                </a:uFill>
+                <a:latin typeface="Calibri"/>
+              </a:rPr>
+              <a:t>Video: Final Project Presentations</a:t>
+            </a:r>
+            <a:endParaRPr lang="en-US" sz="1800" b="0" strike="noStrike" spc="-1" dirty="0">
+              <a:solidFill>
+                <a:srgbClr val="000000"/>
+              </a:solidFill>
+              <a:uFill>
+                <a:solidFill>
+                  <a:srgbClr val="FFFFFF"/>
+                </a:solidFill>
+              </a:uFill>
+              <a:latin typeface="Calibri"/>
+            </a:endParaRPr>
+          </a:p>
+        </p:txBody>
+      </p:sp>
+      <p:sp>
+        <p:nvSpPr>
+          <p:cNvPr id="128" name="TextShape 2"/>
+          <p:cNvSpPr txBox="1"/>
+          <p:nvPr/>
+        </p:nvSpPr>
+        <p:spPr>
+          <a:xfrm>
+            <a:off x="0" y="1295400"/>
+            <a:ext cx="9144000" cy="4525560"/>
+          </a:xfrm>
+          <a:prstGeom prst="rect">
+            <a:avLst/>
+          </a:prstGeom>
+          <a:noFill/>
+          <a:ln>
+            <a:noFill/>
+          </a:ln>
+        </p:spPr>
+        <p:txBody>
+          <a:bodyPr/>
+          <a:lstStyle/>
+          <a:p>
+            <a:pPr marL="343080" indent="-342720">
+              <a:lnSpc>
+                <a:spcPct val="100000"/>
+              </a:lnSpc>
+              <a:buClr>
+                <a:srgbClr val="000000"/>
+              </a:buClr>
+              <a:buFont typeface="Arial"/>
+              <a:buChar char="•"/>
+            </a:pPr>
+            <a:r>
+              <a:rPr lang="en-US" sz="2400" b="0" strike="noStrike" spc="-1" dirty="0">
+                <a:solidFill>
+                  <a:srgbClr val="000000"/>
+                </a:solidFill>
+                <a:uFill>
+                  <a:solidFill>
+                    <a:srgbClr val="FFFFFF"/>
+                  </a:solidFill>
+                </a:uFill>
+                <a:latin typeface="Calibri"/>
+              </a:rPr>
+              <a:t>~7 minutes long</a:t>
+            </a:r>
+          </a:p>
+          <a:p>
+            <a:pPr marL="360">
+              <a:lnSpc>
+                <a:spcPct val="100000"/>
+              </a:lnSpc>
+              <a:buClr>
+                <a:srgbClr val="000000"/>
+              </a:buClr>
+            </a:pPr>
+            <a:endParaRPr lang="en-US" sz="2400" b="0" strike="noStrike" spc="-1" dirty="0">
+              <a:solidFill>
+                <a:srgbClr val="000000"/>
+              </a:solidFill>
+              <a:uFill>
+                <a:solidFill>
+                  <a:srgbClr val="FFFFFF"/>
+                </a:solidFill>
+              </a:uFill>
+              <a:latin typeface="Calibri"/>
+            </a:endParaRPr>
+          </a:p>
+          <a:p>
+            <a:pPr marL="343080" indent="-342720">
+              <a:lnSpc>
+                <a:spcPct val="100000"/>
+              </a:lnSpc>
+              <a:buClr>
+                <a:srgbClr val="000000"/>
+              </a:buClr>
+              <a:buFont typeface="Arial"/>
+              <a:buChar char="•"/>
+            </a:pPr>
+            <a:r>
+              <a:rPr lang="en-US" sz="2400" b="0" strike="noStrike" spc="-1" dirty="0">
+                <a:solidFill>
+                  <a:srgbClr val="000000"/>
+                </a:solidFill>
+                <a:uFill>
+                  <a:solidFill>
+                    <a:srgbClr val="FFFFFF"/>
+                  </a:solidFill>
+                </a:uFill>
+                <a:latin typeface="Calibri"/>
+              </a:rPr>
+              <a:t>~3 min. Showing off your </a:t>
+            </a:r>
+            <a:r>
+              <a:rPr lang="en-US" sz="2400" b="1" strike="noStrike" spc="-1" dirty="0">
+                <a:solidFill>
+                  <a:srgbClr val="000000"/>
+                </a:solidFill>
+                <a:uFill>
+                  <a:solidFill>
+                    <a:srgbClr val="FFFFFF"/>
+                  </a:solidFill>
+                </a:uFill>
+                <a:latin typeface="Calibri"/>
+              </a:rPr>
+              <a:t>extra features</a:t>
+            </a:r>
+          </a:p>
+          <a:p>
+            <a:pPr marL="800280" lvl="1" indent="-342720">
+              <a:buClr>
+                <a:srgbClr val="000000"/>
+              </a:buClr>
+              <a:buFont typeface="Arial"/>
+              <a:buChar char="•"/>
+            </a:pPr>
+            <a:r>
+              <a:rPr lang="en-US" sz="2400" spc="-1" dirty="0">
+                <a:solidFill>
+                  <a:srgbClr val="000000"/>
+                </a:solidFill>
+                <a:uFill>
+                  <a:solidFill>
+                    <a:srgbClr val="FFFFFF"/>
+                  </a:solidFill>
+                </a:uFill>
+                <a:latin typeface="Calibri"/>
+              </a:rPr>
+              <a:t>(Preferably record a video! (live demo “Acceptable”) )</a:t>
+            </a:r>
+          </a:p>
+          <a:p>
+            <a:pPr marL="800280" lvl="1" indent="-342720">
+              <a:buClr>
+                <a:srgbClr val="000000"/>
+              </a:buClr>
+              <a:buFont typeface="Arial"/>
+              <a:buChar char="•"/>
+            </a:pPr>
+            <a:endParaRPr lang="en-US" sz="2400" b="0" strike="noStrike" spc="-1" dirty="0">
+              <a:solidFill>
+                <a:srgbClr val="000000"/>
+              </a:solidFill>
+              <a:uFill>
+                <a:solidFill>
+                  <a:srgbClr val="FFFFFF"/>
+                </a:solidFill>
+              </a:uFill>
+              <a:latin typeface="Calibri"/>
+            </a:endParaRPr>
+          </a:p>
+          <a:p>
+            <a:pPr marL="343080" indent="-342720">
+              <a:lnSpc>
+                <a:spcPct val="100000"/>
+              </a:lnSpc>
+              <a:buClr>
+                <a:srgbClr val="000000"/>
+              </a:buClr>
+              <a:buFont typeface="Arial"/>
+              <a:buChar char="•"/>
+            </a:pPr>
+            <a:r>
+              <a:rPr lang="en-US" sz="2400" b="0" strike="noStrike" spc="-1" dirty="0">
+                <a:solidFill>
+                  <a:srgbClr val="000000"/>
+                </a:solidFill>
+                <a:uFill>
+                  <a:solidFill>
+                    <a:srgbClr val="FFFFFF"/>
+                  </a:solidFill>
+                </a:uFill>
+                <a:latin typeface="Calibri"/>
+              </a:rPr>
+              <a:t>~2 min. </a:t>
+            </a:r>
+            <a:r>
+              <a:rPr lang="en-US" sz="2400" b="1" strike="noStrike" spc="-1" dirty="0">
+                <a:solidFill>
+                  <a:srgbClr val="000000"/>
+                </a:solidFill>
+                <a:uFill>
+                  <a:solidFill>
+                    <a:srgbClr val="FFFFFF"/>
+                  </a:solidFill>
+                </a:uFill>
+                <a:latin typeface="Calibri"/>
+              </a:rPr>
+              <a:t>Explaining your </a:t>
+            </a:r>
+            <a:r>
+              <a:rPr lang="en-US" sz="2400" b="1" spc="-1" dirty="0">
+                <a:solidFill>
+                  <a:srgbClr val="000000"/>
+                </a:solidFill>
+                <a:uFill>
+                  <a:solidFill>
+                    <a:srgbClr val="FFFFFF"/>
+                  </a:solidFill>
+                </a:uFill>
+                <a:latin typeface="Calibri"/>
+              </a:rPr>
+              <a:t>o</a:t>
+            </a:r>
+            <a:r>
+              <a:rPr lang="en-US" sz="2400" b="1" strike="noStrike" spc="-1" dirty="0">
+                <a:solidFill>
+                  <a:srgbClr val="000000"/>
+                </a:solidFill>
+                <a:uFill>
+                  <a:solidFill>
+                    <a:srgbClr val="FFFFFF"/>
+                  </a:solidFill>
+                </a:uFill>
+                <a:latin typeface="Calibri"/>
+              </a:rPr>
+              <a:t>verall design </a:t>
+            </a:r>
+            <a:r>
+              <a:rPr lang="en-US" sz="2400" b="0" strike="noStrike" spc="-1" dirty="0">
+                <a:solidFill>
+                  <a:srgbClr val="000000"/>
+                </a:solidFill>
+                <a:uFill>
+                  <a:solidFill>
+                    <a:srgbClr val="FFFFFF"/>
+                  </a:solidFill>
+                </a:uFill>
+                <a:latin typeface="Calibri"/>
+              </a:rPr>
+              <a:t>(major classes, NOT all)</a:t>
+            </a:r>
+          </a:p>
+          <a:p>
+            <a:pPr marL="800280" lvl="1" indent="-342720">
+              <a:buClr>
+                <a:srgbClr val="000000"/>
+              </a:buClr>
+              <a:buFont typeface="Arial"/>
+              <a:buChar char="•"/>
+            </a:pPr>
+            <a:r>
+              <a:rPr lang="en-US" sz="2400" spc="-1" dirty="0">
+                <a:solidFill>
+                  <a:srgbClr val="000000"/>
+                </a:solidFill>
+                <a:uFill>
+                  <a:solidFill>
+                    <a:srgbClr val="FFFFFF"/>
+                  </a:solidFill>
+                </a:uFill>
+                <a:latin typeface="Calibri"/>
+              </a:rPr>
+              <a:t>“Coupling/Cohesion” or other “Good/Bad” aspects of design</a:t>
+            </a:r>
+          </a:p>
+          <a:p>
+            <a:pPr marL="800280" lvl="1" indent="-342720">
+              <a:buClr>
+                <a:srgbClr val="000000"/>
+              </a:buClr>
+              <a:buFont typeface="Arial"/>
+              <a:buChar char="•"/>
+            </a:pPr>
+            <a:endParaRPr lang="en-US" sz="2400" spc="-1" dirty="0">
+              <a:solidFill>
+                <a:srgbClr val="000000"/>
+              </a:solidFill>
+              <a:uFill>
+                <a:solidFill>
+                  <a:srgbClr val="FFFFFF"/>
+                </a:solidFill>
+              </a:uFill>
+              <a:latin typeface="Calibri"/>
+            </a:endParaRPr>
+          </a:p>
+          <a:p>
+            <a:pPr marL="343080" indent="-342720">
+              <a:buClr>
+                <a:srgbClr val="000000"/>
+              </a:buClr>
+              <a:buFont typeface="Arial"/>
+              <a:buChar char="•"/>
+            </a:pPr>
+            <a:r>
+              <a:rPr lang="en-US" sz="2400" b="0" strike="noStrike" spc="-1" dirty="0">
+                <a:solidFill>
+                  <a:srgbClr val="000000"/>
+                </a:solidFill>
+                <a:uFill>
+                  <a:solidFill>
+                    <a:srgbClr val="FFFFFF"/>
+                  </a:solidFill>
+                </a:uFill>
+                <a:latin typeface="Calibri"/>
+              </a:rPr>
+              <a:t>~2 min. </a:t>
+            </a:r>
+            <a:r>
+              <a:rPr lang="en-US" sz="2400" b="1" strike="noStrike" spc="-1" dirty="0">
+                <a:solidFill>
+                  <a:srgbClr val="000000"/>
+                </a:solidFill>
+                <a:uFill>
+                  <a:solidFill>
+                    <a:srgbClr val="FFFFFF"/>
+                  </a:solidFill>
+                </a:uFill>
+                <a:latin typeface="Calibri"/>
+              </a:rPr>
+              <a:t>Design decision, feature implementation, or tricky bug</a:t>
+            </a:r>
+          </a:p>
+          <a:p>
+            <a:pPr marL="864000" lvl="1" indent="-324000">
+              <a:buClr>
+                <a:srgbClr val="000000"/>
+              </a:buClr>
+              <a:buSzPct val="75000"/>
+              <a:buFont typeface="Symbol" charset="2"/>
+              <a:buChar char=""/>
+            </a:pPr>
+            <a:r>
+              <a:rPr lang="en-US" sz="2400" b="0" strike="noStrike" spc="-1" dirty="0">
+                <a:solidFill>
+                  <a:srgbClr val="000000"/>
+                </a:solidFill>
+                <a:uFill>
+                  <a:solidFill>
+                    <a:srgbClr val="FFFFFF"/>
+                  </a:solidFill>
+                </a:uFill>
+                <a:latin typeface="Calibri"/>
+              </a:rPr>
+              <a:t>Be careful about code examples (good – but in moderation)</a:t>
+            </a:r>
+          </a:p>
+          <a:p>
+            <a:pPr marL="864000" lvl="1" indent="-324000">
+              <a:buClr>
+                <a:srgbClr val="000000"/>
+              </a:buClr>
+              <a:buSzPct val="75000"/>
+              <a:buFont typeface="Symbol" charset="2"/>
+              <a:buChar char=""/>
+            </a:pPr>
+            <a:r>
+              <a:rPr lang="en-US" sz="2400" b="0" strike="noStrike" spc="-1" dirty="0">
+                <a:solidFill>
+                  <a:srgbClr val="000000"/>
+                </a:solidFill>
+                <a:uFill>
+                  <a:solidFill>
+                    <a:srgbClr val="FFFFFF"/>
+                  </a:solidFill>
+                </a:uFill>
+                <a:latin typeface="Calibri"/>
+              </a:rPr>
+              <a:t>Should include prepared slides usually including diagrams</a:t>
+            </a:r>
+          </a:p>
+        </p:txBody>
+      </p:sp>
+    </p:spTree>
+    <p:extLst>
+      <p:ext uri="{BB962C8B-B14F-4D97-AF65-F5344CB8AC3E}">
+        <p14:creationId xmlns:p14="http://schemas.microsoft.com/office/powerpoint/2010/main" val="1243721139"/>
+      </p:ext>
+    </p:extLst>
+  </p:cSld>
+  <p:clrMapOvr>
+    <a:masterClrMapping/>
+  </p:clrMapOvr>
+  <p:timing>
+    <p:tnLst>
+      <p:par>
+        <p:cTn id="1" dur="indefinite" restart="never" nodeType="tmRoot">
+          <p:childTnLst>
+            <p:seq>
+              <p:cTn id="2" nodeType="mainSeq"/>
+              <p:prevCondLst>
+                <p:cond evt="onPrev" delay="0">
+                  <p:tgtEl>
+                    <p:sldTgt/>
+                  </p:tgtEl>
+                </p:cond>
+              </p:prevCondLst>
+              <p:nextCondLst>
+                <p:cond evt="onNext" delay="0">
+                  <p:tgtEl>
+                    <p:sldTgt/>
+                  </p:tgtEl>
+                </p:cond>
+              </p:nextCondLst>
+            </p:seq>
+          </p:childTnLst>
+        </p:cTn>
+      </p:par>
+    </p:tnLst>
+  </p:timing>
+</p:sld>
+</file>
+
+<file path=ppt/slides/slide9.xml><?xml version="1.0" encoding="utf-8"?>
 <p:sld xmlns:a="http://schemas.openxmlformats.org/drawingml/2006/main" xmlns:r="http://schemas.openxmlformats.org/officeDocument/2006/relationships" xmlns:p="http://schemas.openxmlformats.org/presentationml/2006/main">
   <p:cSld>
     <p:spTree>
@@ -10415,483 +10997,6 @@
   <p:clrMapOvr>
     <a:masterClrMapping/>
   </p:clrMapOvr>
-</p:sld>
-</file>
-
-<file path=ppt/slides/slide9.xml><?xml version="1.0" encoding="utf-8"?>
-<p:sld xmlns:a="http://schemas.openxmlformats.org/drawingml/2006/main" xmlns:r="http://schemas.openxmlformats.org/officeDocument/2006/relationships" xmlns:p="http://schemas.openxmlformats.org/presentationml/2006/main">
-  <p:cSld>
-    <p:spTree>
-      <p:nvGrpSpPr>
-        <p:cNvPr id="1" name=""/>
-        <p:cNvGrpSpPr/>
-        <p:nvPr/>
-      </p:nvGrpSpPr>
-      <p:grpSpPr>
-        <a:xfrm>
-          <a:off x="0" y="0"/>
-          <a:ext cx="0" cy="0"/>
-          <a:chOff x="0" y="0"/>
-          <a:chExt cx="0" cy="0"/>
-        </a:xfrm>
-      </p:grpSpPr>
-      <p:sp>
-        <p:nvSpPr>
-          <p:cNvPr id="127" name="TextShape 1"/>
-          <p:cNvSpPr txBox="1"/>
-          <p:nvPr/>
-        </p:nvSpPr>
-        <p:spPr>
-          <a:xfrm>
-            <a:off x="457200" y="274680"/>
-            <a:ext cx="8229240" cy="1142640"/>
-          </a:xfrm>
-          <a:prstGeom prst="rect">
-            <a:avLst/>
-          </a:prstGeom>
-          <a:noFill/>
-          <a:ln>
-            <a:noFill/>
-          </a:ln>
-        </p:spPr>
-        <p:txBody>
-          <a:bodyPr anchor="ctr"/>
-          <a:lstStyle/>
-          <a:p>
-            <a:pPr algn="ctr">
-              <a:lnSpc>
-                <a:spcPct val="100000"/>
-              </a:lnSpc>
-            </a:pPr>
-            <a:r>
-              <a:rPr lang="en-US" sz="4400" spc="-1" dirty="0">
-                <a:solidFill>
-                  <a:srgbClr val="000000"/>
-                </a:solidFill>
-                <a:uFill>
-                  <a:solidFill>
-                    <a:srgbClr val="FFFFFF"/>
-                  </a:solidFill>
-                </a:uFill>
-                <a:latin typeface="Calibri"/>
-              </a:rPr>
-              <a:t>Video: Final Project Presentations</a:t>
-            </a:r>
-            <a:endParaRPr lang="en-US" sz="1800" b="0" strike="noStrike" spc="-1" dirty="0">
-              <a:solidFill>
-                <a:srgbClr val="000000"/>
-              </a:solidFill>
-              <a:uFill>
-                <a:solidFill>
-                  <a:srgbClr val="FFFFFF"/>
-                </a:solidFill>
-              </a:uFill>
-              <a:latin typeface="Calibri"/>
-            </a:endParaRPr>
-          </a:p>
-        </p:txBody>
-      </p:sp>
-      <p:sp>
-        <p:nvSpPr>
-          <p:cNvPr id="128" name="TextShape 2"/>
-          <p:cNvSpPr txBox="1"/>
-          <p:nvPr/>
-        </p:nvSpPr>
-        <p:spPr>
-          <a:xfrm>
-            <a:off x="0" y="1295400"/>
-            <a:ext cx="9144000" cy="4525560"/>
-          </a:xfrm>
-          <a:prstGeom prst="rect">
-            <a:avLst/>
-          </a:prstGeom>
-          <a:noFill/>
-          <a:ln>
-            <a:noFill/>
-          </a:ln>
-        </p:spPr>
-        <p:txBody>
-          <a:bodyPr/>
-          <a:lstStyle/>
-          <a:p>
-            <a:pPr marL="343080" indent="-342720">
-              <a:lnSpc>
-                <a:spcPct val="100000"/>
-              </a:lnSpc>
-              <a:buClr>
-                <a:srgbClr val="000000"/>
-              </a:buClr>
-              <a:buFont typeface="Arial"/>
-              <a:buChar char="•"/>
-            </a:pPr>
-            <a:r>
-              <a:rPr lang="en-US" sz="2400" b="0" strike="noStrike" spc="-1" dirty="0">
-                <a:solidFill>
-                  <a:srgbClr val="000000"/>
-                </a:solidFill>
-                <a:uFill>
-                  <a:solidFill>
-                    <a:srgbClr val="FFFFFF"/>
-                  </a:solidFill>
-                </a:uFill>
-                <a:latin typeface="Calibri"/>
-              </a:rPr>
-              <a:t>~7 minutes long</a:t>
-            </a:r>
-          </a:p>
-          <a:p>
-            <a:pPr marL="360">
-              <a:lnSpc>
-                <a:spcPct val="100000"/>
-              </a:lnSpc>
-              <a:buClr>
-                <a:srgbClr val="000000"/>
-              </a:buClr>
-            </a:pPr>
-            <a:endParaRPr lang="en-US" sz="2400" b="0" strike="noStrike" spc="-1" dirty="0">
-              <a:solidFill>
-                <a:srgbClr val="000000"/>
-              </a:solidFill>
-              <a:uFill>
-                <a:solidFill>
-                  <a:srgbClr val="FFFFFF"/>
-                </a:solidFill>
-              </a:uFill>
-              <a:latin typeface="Calibri"/>
-            </a:endParaRPr>
-          </a:p>
-          <a:p>
-            <a:pPr marL="343080" indent="-342720">
-              <a:lnSpc>
-                <a:spcPct val="100000"/>
-              </a:lnSpc>
-              <a:buClr>
-                <a:srgbClr val="000000"/>
-              </a:buClr>
-              <a:buFont typeface="Arial"/>
-              <a:buChar char="•"/>
-            </a:pPr>
-            <a:r>
-              <a:rPr lang="en-US" sz="2400" b="0" strike="noStrike" spc="-1" dirty="0">
-                <a:solidFill>
-                  <a:srgbClr val="000000"/>
-                </a:solidFill>
-                <a:uFill>
-                  <a:solidFill>
-                    <a:srgbClr val="FFFFFF"/>
-                  </a:solidFill>
-                </a:uFill>
-                <a:latin typeface="Calibri"/>
-              </a:rPr>
-              <a:t>~3 min. Showing off your </a:t>
-            </a:r>
-            <a:r>
-              <a:rPr lang="en-US" sz="2400" b="1" strike="noStrike" spc="-1" dirty="0">
-                <a:solidFill>
-                  <a:srgbClr val="000000"/>
-                </a:solidFill>
-                <a:uFill>
-                  <a:solidFill>
-                    <a:srgbClr val="FFFFFF"/>
-                  </a:solidFill>
-                </a:uFill>
-                <a:latin typeface="Calibri"/>
-              </a:rPr>
-              <a:t>extra features</a:t>
-            </a:r>
-          </a:p>
-          <a:p>
-            <a:pPr marL="800280" lvl="1" indent="-342720">
-              <a:buClr>
-                <a:srgbClr val="000000"/>
-              </a:buClr>
-              <a:buFont typeface="Arial"/>
-              <a:buChar char="•"/>
-            </a:pPr>
-            <a:r>
-              <a:rPr lang="en-US" sz="2400" spc="-1" dirty="0">
-                <a:solidFill>
-                  <a:srgbClr val="000000"/>
-                </a:solidFill>
-                <a:uFill>
-                  <a:solidFill>
-                    <a:srgbClr val="FFFFFF"/>
-                  </a:solidFill>
-                </a:uFill>
-                <a:latin typeface="Calibri"/>
-              </a:rPr>
-              <a:t>(Preferably record a video! (live demo “Acceptable”) )</a:t>
-            </a:r>
-          </a:p>
-          <a:p>
-            <a:pPr marL="800280" lvl="1" indent="-342720">
-              <a:buClr>
-                <a:srgbClr val="000000"/>
-              </a:buClr>
-              <a:buFont typeface="Arial"/>
-              <a:buChar char="•"/>
-            </a:pPr>
-            <a:endParaRPr lang="en-US" sz="2400" b="0" strike="noStrike" spc="-1" dirty="0">
-              <a:solidFill>
-                <a:srgbClr val="000000"/>
-              </a:solidFill>
-              <a:uFill>
-                <a:solidFill>
-                  <a:srgbClr val="FFFFFF"/>
-                </a:solidFill>
-              </a:uFill>
-              <a:latin typeface="Calibri"/>
-            </a:endParaRPr>
-          </a:p>
-          <a:p>
-            <a:pPr marL="343080" indent="-342720">
-              <a:lnSpc>
-                <a:spcPct val="100000"/>
-              </a:lnSpc>
-              <a:buClr>
-                <a:srgbClr val="000000"/>
-              </a:buClr>
-              <a:buFont typeface="Arial"/>
-              <a:buChar char="•"/>
-            </a:pPr>
-            <a:r>
-              <a:rPr lang="en-US" sz="2400" b="0" strike="noStrike" spc="-1" dirty="0">
-                <a:solidFill>
-                  <a:srgbClr val="000000"/>
-                </a:solidFill>
-                <a:uFill>
-                  <a:solidFill>
-                    <a:srgbClr val="FFFFFF"/>
-                  </a:solidFill>
-                </a:uFill>
-                <a:latin typeface="Calibri"/>
-              </a:rPr>
-              <a:t>~2 min. </a:t>
-            </a:r>
-            <a:r>
-              <a:rPr lang="en-US" sz="2400" b="1" strike="noStrike" spc="-1" dirty="0">
-                <a:solidFill>
-                  <a:srgbClr val="000000"/>
-                </a:solidFill>
-                <a:uFill>
-                  <a:solidFill>
-                    <a:srgbClr val="FFFFFF"/>
-                  </a:solidFill>
-                </a:uFill>
-                <a:latin typeface="Calibri"/>
-              </a:rPr>
-              <a:t>Explaining your </a:t>
-            </a:r>
-            <a:r>
-              <a:rPr lang="en-US" sz="2400" b="1" spc="-1" dirty="0">
-                <a:solidFill>
-                  <a:srgbClr val="000000"/>
-                </a:solidFill>
-                <a:uFill>
-                  <a:solidFill>
-                    <a:srgbClr val="FFFFFF"/>
-                  </a:solidFill>
-                </a:uFill>
-                <a:latin typeface="Calibri"/>
-              </a:rPr>
-              <a:t>o</a:t>
-            </a:r>
-            <a:r>
-              <a:rPr lang="en-US" sz="2400" b="1" strike="noStrike" spc="-1" dirty="0">
-                <a:solidFill>
-                  <a:srgbClr val="000000"/>
-                </a:solidFill>
-                <a:uFill>
-                  <a:solidFill>
-                    <a:srgbClr val="FFFFFF"/>
-                  </a:solidFill>
-                </a:uFill>
-                <a:latin typeface="Calibri"/>
-              </a:rPr>
-              <a:t>verall design </a:t>
-            </a:r>
-            <a:r>
-              <a:rPr lang="en-US" sz="2400" b="0" strike="noStrike" spc="-1" dirty="0">
-                <a:solidFill>
-                  <a:srgbClr val="000000"/>
-                </a:solidFill>
-                <a:uFill>
-                  <a:solidFill>
-                    <a:srgbClr val="FFFFFF"/>
-                  </a:solidFill>
-                </a:uFill>
-                <a:latin typeface="Calibri"/>
-              </a:rPr>
-              <a:t>(major classes, NOT all)</a:t>
-            </a:r>
-          </a:p>
-          <a:p>
-            <a:pPr marL="800280" lvl="1" indent="-342720">
-              <a:buClr>
-                <a:srgbClr val="000000"/>
-              </a:buClr>
-              <a:buFont typeface="Arial"/>
-              <a:buChar char="•"/>
-            </a:pPr>
-            <a:r>
-              <a:rPr lang="en-US" sz="2400" spc="-1" dirty="0">
-                <a:solidFill>
-                  <a:srgbClr val="000000"/>
-                </a:solidFill>
-                <a:uFill>
-                  <a:solidFill>
-                    <a:srgbClr val="FFFFFF"/>
-                  </a:solidFill>
-                </a:uFill>
-                <a:latin typeface="Calibri"/>
-              </a:rPr>
-              <a:t>“Coupling/Cohesion” or other “Good/Bad” aspects of design</a:t>
-            </a:r>
-          </a:p>
-          <a:p>
-            <a:pPr marL="800280" lvl="1" indent="-342720">
-              <a:buClr>
-                <a:srgbClr val="000000"/>
-              </a:buClr>
-              <a:buFont typeface="Arial"/>
-              <a:buChar char="•"/>
-            </a:pPr>
-            <a:endParaRPr lang="en-US" sz="2400" spc="-1" dirty="0">
-              <a:solidFill>
-                <a:srgbClr val="000000"/>
-              </a:solidFill>
-              <a:uFill>
-                <a:solidFill>
-                  <a:srgbClr val="FFFFFF"/>
-                </a:solidFill>
-              </a:uFill>
-              <a:latin typeface="Calibri"/>
-            </a:endParaRPr>
-          </a:p>
-          <a:p>
-            <a:pPr marL="343080" indent="-342720">
-              <a:buClr>
-                <a:srgbClr val="000000"/>
-              </a:buClr>
-              <a:buFont typeface="Arial"/>
-              <a:buChar char="•"/>
-            </a:pPr>
-            <a:r>
-              <a:rPr lang="en-US" sz="2400" b="0" strike="noStrike" spc="-1" dirty="0">
-                <a:solidFill>
-                  <a:srgbClr val="000000"/>
-                </a:solidFill>
-                <a:uFill>
-                  <a:solidFill>
-                    <a:srgbClr val="FFFFFF"/>
-                  </a:solidFill>
-                </a:uFill>
-                <a:latin typeface="Calibri"/>
-              </a:rPr>
-              <a:t>~2 min. </a:t>
-            </a:r>
-            <a:r>
-              <a:rPr lang="en-US" sz="2400" b="1" strike="noStrike" spc="-1" dirty="0">
-                <a:solidFill>
-                  <a:srgbClr val="000000"/>
-                </a:solidFill>
-                <a:uFill>
-                  <a:solidFill>
-                    <a:srgbClr val="FFFFFF"/>
-                  </a:solidFill>
-                </a:uFill>
-                <a:latin typeface="Calibri"/>
-              </a:rPr>
-              <a:t>Design decision, feature implementation, or tricky bug</a:t>
-            </a:r>
-          </a:p>
-          <a:p>
-            <a:pPr marL="864000" lvl="1" indent="-324000">
-              <a:buClr>
-                <a:srgbClr val="000000"/>
-              </a:buClr>
-              <a:buSzPct val="75000"/>
-              <a:buFont typeface="Symbol" charset="2"/>
-              <a:buChar char=""/>
-            </a:pPr>
-            <a:r>
-              <a:rPr lang="en-US" sz="2400" b="0" strike="noStrike" spc="-1" dirty="0">
-                <a:solidFill>
-                  <a:srgbClr val="000000"/>
-                </a:solidFill>
-                <a:uFill>
-                  <a:solidFill>
-                    <a:srgbClr val="FFFFFF"/>
-                  </a:solidFill>
-                </a:uFill>
-                <a:latin typeface="Calibri"/>
-              </a:rPr>
-              <a:t>Be careful about code examples (good – but in moderation)</a:t>
-            </a:r>
-          </a:p>
-          <a:p>
-            <a:pPr marL="864000" lvl="1" indent="-324000">
-              <a:buClr>
-                <a:srgbClr val="000000"/>
-              </a:buClr>
-              <a:buSzPct val="75000"/>
-              <a:buFont typeface="Symbol" charset="2"/>
-              <a:buChar char=""/>
-            </a:pPr>
-            <a:r>
-              <a:rPr lang="en-US" sz="2400" b="0" strike="noStrike" spc="-1" dirty="0">
-                <a:solidFill>
-                  <a:srgbClr val="000000"/>
-                </a:solidFill>
-                <a:uFill>
-                  <a:solidFill>
-                    <a:srgbClr val="FFFFFF"/>
-                  </a:solidFill>
-                </a:uFill>
-                <a:latin typeface="Calibri"/>
-              </a:rPr>
-              <a:t>Should include prepared slides usually including diagrams</a:t>
-            </a:r>
-          </a:p>
-        </p:txBody>
-      </p:sp>
-    </p:spTree>
-    <p:extLst>
-      <p:ext uri="{BB962C8B-B14F-4D97-AF65-F5344CB8AC3E}">
-        <p14:creationId xmlns:p14="http://schemas.microsoft.com/office/powerpoint/2010/main" val="1243721139"/>
-      </p:ext>
-    </p:extLst>
-  </p:cSld>
-  <p:clrMapOvr>
-    <a:masterClrMapping/>
-  </p:clrMapOvr>
-  <p:timing>
-    <p:tnLst>
-      <p:par>
-        <p:cTn id="1" dur="indefinite" restart="never" nodeType="tmRoot">
-          <p:childTnLst>
-            <p:seq>
-              <p:cTn id="2" nodeType="mainSeq"/>
-              <p:prevCondLst>
-                <p:cond evt="onPrev" delay="0">
-                  <p:tgtEl>
-                    <p:sldTgt/>
-                  </p:tgtEl>
-                </p:cond>
-              </p:prevCondLst>
-              <p:nextCondLst>
-                <p:cond evt="onNext" delay="0">
-                  <p:tgtEl>
-                    <p:sldTgt/>
-                  </p:tgtEl>
-                </p:cond>
-              </p:nextCondLst>
-            </p:seq>
-          </p:childTnLst>
-        </p:cTn>
-      </p:par>
-    </p:tnLst>
-  </p:timing>
 </p:sld>
 </file>
 
